--- a/Presentation and Documentation/Presentation.pptx
+++ b/Presentation and Documentation/Presentation.pptx
@@ -8485,6 +8485,757 @@
           </p:txBody>
         </p:sp>
       </p:grpSp>
+      <p:grpSp>
+        <p:nvGrpSpPr>
+          <p:cNvPr id="31" name="Group 30">
+            <a:extLst>
+              <a:ext uri="{FF2B5EF4-FFF2-40B4-BE49-F238E27FC236}">
+                <a16:creationId xmlns:a16="http://schemas.microsoft.com/office/drawing/2014/main" id="{87093D2D-15B4-430F-8106-A89F3975ADB1}"/>
+              </a:ext>
+            </a:extLst>
+          </p:cNvPr>
+          <p:cNvGrpSpPr/>
+          <p:nvPr/>
+        </p:nvGrpSpPr>
+        <p:grpSpPr>
+          <a:xfrm>
+            <a:off x="3469627" y="1581150"/>
+            <a:ext cx="1841677" cy="1847850"/>
+            <a:chOff x="2657475" y="1581150"/>
+            <a:chExt cx="1841677" cy="1847850"/>
+          </a:xfrm>
+        </p:grpSpPr>
+        <p:sp>
+          <p:nvSpPr>
+            <p:cNvPr id="32" name="Oval 31">
+              <a:extLst>
+                <a:ext uri="{FF2B5EF4-FFF2-40B4-BE49-F238E27FC236}">
+                  <a16:creationId xmlns:a16="http://schemas.microsoft.com/office/drawing/2014/main" id="{F6769ED7-DF94-40B4-B973-0C1EA675CE04}"/>
+                </a:ext>
+              </a:extLst>
+            </p:cNvPr>
+            <p:cNvSpPr/>
+            <p:nvPr/>
+          </p:nvSpPr>
+          <p:spPr>
+            <a:xfrm>
+              <a:off x="2657475" y="1581150"/>
+              <a:ext cx="1841677" cy="1847850"/>
+            </a:xfrm>
+            <a:prstGeom prst="ellipse">
+              <a:avLst/>
+            </a:prstGeom>
+            <a:solidFill>
+              <a:schemeClr val="bg1"/>
+            </a:solidFill>
+            <a:ln>
+              <a:noFill/>
+            </a:ln>
+          </p:spPr>
+          <p:style>
+            <a:lnRef idx="2">
+              <a:schemeClr val="accent1">
+                <a:shade val="50000"/>
+              </a:schemeClr>
+            </a:lnRef>
+            <a:fillRef idx="1">
+              <a:schemeClr val="accent1"/>
+            </a:fillRef>
+            <a:effectRef idx="0">
+              <a:schemeClr val="accent1"/>
+            </a:effectRef>
+            <a:fontRef idx="minor">
+              <a:schemeClr val="lt1"/>
+            </a:fontRef>
+          </p:style>
+          <p:txBody>
+            <a:bodyPr rtlCol="0" anchor="ctr"/>
+            <a:lstStyle/>
+            <a:p>
+              <a:pPr algn="ctr"/>
+              <a:endParaRPr lang="bg-BG"/>
+            </a:p>
+          </p:txBody>
+        </p:sp>
+        <p:pic>
+          <p:nvPicPr>
+            <p:cNvPr id="33" name="Picture 2" descr="GitHub logo PNG">
+              <a:extLst>
+                <a:ext uri="{FF2B5EF4-FFF2-40B4-BE49-F238E27FC236}">
+                  <a16:creationId xmlns:a16="http://schemas.microsoft.com/office/drawing/2014/main" id="{53D4ABFE-4296-4029-A61E-F97878CBE176}"/>
+                </a:ext>
+              </a:extLst>
+            </p:cNvPr>
+            <p:cNvPicPr>
+              <a:picLocks noChangeAspect="1" noChangeArrowheads="1"/>
+            </p:cNvPicPr>
+            <p:nvPr/>
+          </p:nvPicPr>
+          <p:blipFill>
+            <a:blip r:embed="rId3">
+              <a:extLst>
+                <a:ext uri="{28A0092B-C50C-407E-A947-70E740481C1C}">
+                  <a14:useLocalDpi xmlns:a14="http://schemas.microsoft.com/office/drawing/2010/main" val="0"/>
+                </a:ext>
+              </a:extLst>
+            </a:blip>
+            <a:srcRect/>
+            <a:stretch>
+              <a:fillRect/>
+            </a:stretch>
+          </p:blipFill>
+          <p:spPr bwMode="auto">
+            <a:xfrm>
+              <a:off x="2860110" y="1768003"/>
+              <a:ext cx="1553764" cy="1553764"/>
+            </a:xfrm>
+            <a:prstGeom prst="rect">
+              <a:avLst/>
+            </a:prstGeom>
+            <a:noFill/>
+            <a:extLst>
+              <a:ext uri="{909E8E84-426E-40DD-AFC4-6F175D3DCCD1}">
+                <a14:hiddenFill xmlns:a14="http://schemas.microsoft.com/office/drawing/2010/main">
+                  <a:solidFill>
+                    <a:srgbClr val="FFFFFF"/>
+                  </a:solidFill>
+                </a14:hiddenFill>
+              </a:ext>
+            </a:extLst>
+          </p:spPr>
+        </p:pic>
+      </p:grpSp>
+      <p:grpSp>
+        <p:nvGrpSpPr>
+          <p:cNvPr id="34" name="Group 33">
+            <a:extLst>
+              <a:ext uri="{FF2B5EF4-FFF2-40B4-BE49-F238E27FC236}">
+                <a16:creationId xmlns:a16="http://schemas.microsoft.com/office/drawing/2014/main" id="{2FFD12D7-6C00-4A81-B3EA-D133AB90AE91}"/>
+              </a:ext>
+            </a:extLst>
+          </p:cNvPr>
+          <p:cNvGrpSpPr/>
+          <p:nvPr/>
+        </p:nvGrpSpPr>
+        <p:grpSpPr>
+          <a:xfrm>
+            <a:off x="6662073" y="1571935"/>
+            <a:ext cx="2365742" cy="1847850"/>
+            <a:chOff x="5523983" y="1428859"/>
+            <a:chExt cx="2365742" cy="1847850"/>
+          </a:xfrm>
+        </p:grpSpPr>
+        <p:sp>
+          <p:nvSpPr>
+            <p:cNvPr id="35" name="Oval 34">
+              <a:extLst>
+                <a:ext uri="{FF2B5EF4-FFF2-40B4-BE49-F238E27FC236}">
+                  <a16:creationId xmlns:a16="http://schemas.microsoft.com/office/drawing/2014/main" id="{E8A3F424-E376-4520-AF12-48584215D855}"/>
+                </a:ext>
+              </a:extLst>
+            </p:cNvPr>
+            <p:cNvSpPr/>
+            <p:nvPr/>
+          </p:nvSpPr>
+          <p:spPr>
+            <a:xfrm>
+              <a:off x="5829347" y="1428859"/>
+              <a:ext cx="1841677" cy="1847850"/>
+            </a:xfrm>
+            <a:prstGeom prst="ellipse">
+              <a:avLst/>
+            </a:prstGeom>
+            <a:solidFill>
+              <a:schemeClr val="bg1"/>
+            </a:solidFill>
+            <a:ln>
+              <a:noFill/>
+            </a:ln>
+          </p:spPr>
+          <p:style>
+            <a:lnRef idx="2">
+              <a:schemeClr val="accent1">
+                <a:shade val="50000"/>
+              </a:schemeClr>
+            </a:lnRef>
+            <a:fillRef idx="1">
+              <a:schemeClr val="accent1"/>
+            </a:fillRef>
+            <a:effectRef idx="0">
+              <a:schemeClr val="accent1"/>
+            </a:effectRef>
+            <a:fontRef idx="minor">
+              <a:schemeClr val="lt1"/>
+            </a:fontRef>
+          </p:style>
+          <p:txBody>
+            <a:bodyPr rtlCol="0" anchor="ctr"/>
+            <a:lstStyle/>
+            <a:p>
+              <a:pPr algn="ctr"/>
+              <a:endParaRPr lang="bg-BG"/>
+            </a:p>
+          </p:txBody>
+        </p:sp>
+        <p:pic>
+          <p:nvPicPr>
+            <p:cNvPr id="36" name="Picture 35" descr="A picture containing logo&#10;&#10;Description automatically generated">
+              <a:extLst>
+                <a:ext uri="{FF2B5EF4-FFF2-40B4-BE49-F238E27FC236}">
+                  <a16:creationId xmlns:a16="http://schemas.microsoft.com/office/drawing/2014/main" id="{55E72F09-4B36-4013-9C48-A77DCD910B67}"/>
+                </a:ext>
+              </a:extLst>
+            </p:cNvPr>
+            <p:cNvPicPr>
+              <a:picLocks noChangeAspect="1"/>
+            </p:cNvPicPr>
+            <p:nvPr/>
+          </p:nvPicPr>
+          <p:blipFill>
+            <a:blip r:embed="rId4"/>
+            <a:stretch>
+              <a:fillRect/>
+            </a:stretch>
+          </p:blipFill>
+          <p:spPr>
+            <a:xfrm>
+              <a:off x="5523983" y="1671220"/>
+              <a:ext cx="2365742" cy="1182871"/>
+            </a:xfrm>
+            <a:prstGeom prst="rect">
+              <a:avLst/>
+            </a:prstGeom>
+          </p:spPr>
+        </p:pic>
+      </p:grpSp>
+      <p:grpSp>
+        <p:nvGrpSpPr>
+          <p:cNvPr id="37" name="Group 36">
+            <a:extLst>
+              <a:ext uri="{FF2B5EF4-FFF2-40B4-BE49-F238E27FC236}">
+                <a16:creationId xmlns:a16="http://schemas.microsoft.com/office/drawing/2014/main" id="{84B360CE-FB47-4415-9445-005D09DE8429}"/>
+              </a:ext>
+            </a:extLst>
+          </p:cNvPr>
+          <p:cNvGrpSpPr/>
+          <p:nvPr/>
+        </p:nvGrpSpPr>
+        <p:grpSpPr>
+          <a:xfrm>
+            <a:off x="4969231" y="3489294"/>
+            <a:ext cx="2330645" cy="1847850"/>
+            <a:chOff x="3997208" y="3145427"/>
+            <a:chExt cx="2330645" cy="1847850"/>
+          </a:xfrm>
+        </p:grpSpPr>
+        <p:sp>
+          <p:nvSpPr>
+            <p:cNvPr id="38" name="Oval 37">
+              <a:extLst>
+                <a:ext uri="{FF2B5EF4-FFF2-40B4-BE49-F238E27FC236}">
+                  <a16:creationId xmlns:a16="http://schemas.microsoft.com/office/drawing/2014/main" id="{7497ED53-FDC6-4ADD-B03B-70BD48C753CE}"/>
+                </a:ext>
+              </a:extLst>
+            </p:cNvPr>
+            <p:cNvSpPr/>
+            <p:nvPr/>
+          </p:nvSpPr>
+          <p:spPr>
+            <a:xfrm>
+              <a:off x="4246575" y="3145427"/>
+              <a:ext cx="1841677" cy="1847850"/>
+            </a:xfrm>
+            <a:prstGeom prst="ellipse">
+              <a:avLst/>
+            </a:prstGeom>
+            <a:solidFill>
+              <a:schemeClr val="bg1"/>
+            </a:solidFill>
+            <a:ln>
+              <a:noFill/>
+            </a:ln>
+          </p:spPr>
+          <p:style>
+            <a:lnRef idx="2">
+              <a:schemeClr val="accent1">
+                <a:shade val="50000"/>
+              </a:schemeClr>
+            </a:lnRef>
+            <a:fillRef idx="1">
+              <a:schemeClr val="accent1"/>
+            </a:fillRef>
+            <a:effectRef idx="0">
+              <a:schemeClr val="accent1"/>
+            </a:effectRef>
+            <a:fontRef idx="minor">
+              <a:schemeClr val="lt1"/>
+            </a:fontRef>
+          </p:style>
+          <p:txBody>
+            <a:bodyPr rtlCol="0" anchor="ctr"/>
+            <a:lstStyle/>
+            <a:p>
+              <a:pPr algn="ctr"/>
+              <a:endParaRPr lang="bg-BG"/>
+            </a:p>
+          </p:txBody>
+        </p:sp>
+        <p:pic>
+          <p:nvPicPr>
+            <p:cNvPr id="39" name="Picture 4" descr="Download Microsoft PowerPoint Logo in SVG Vector or PNG File Format - Logo .wine">
+              <a:extLst>
+                <a:ext uri="{FF2B5EF4-FFF2-40B4-BE49-F238E27FC236}">
+                  <a16:creationId xmlns:a16="http://schemas.microsoft.com/office/drawing/2014/main" id="{32B8DE06-308C-483A-8E2B-087189512432}"/>
+                </a:ext>
+              </a:extLst>
+            </p:cNvPr>
+            <p:cNvPicPr>
+              <a:picLocks noChangeAspect="1" noChangeArrowheads="1"/>
+            </p:cNvPicPr>
+            <p:nvPr/>
+          </p:nvPicPr>
+          <p:blipFill>
+            <a:blip r:embed="rId5">
+              <a:extLst>
+                <a:ext uri="{28A0092B-C50C-407E-A947-70E740481C1C}">
+                  <a14:useLocalDpi xmlns:a14="http://schemas.microsoft.com/office/drawing/2010/main" val="0"/>
+                </a:ext>
+              </a:extLst>
+            </a:blip>
+            <a:srcRect/>
+            <a:stretch>
+              <a:fillRect/>
+            </a:stretch>
+          </p:blipFill>
+          <p:spPr bwMode="auto">
+            <a:xfrm>
+              <a:off x="3997208" y="3296611"/>
+              <a:ext cx="2330645" cy="1553763"/>
+            </a:xfrm>
+            <a:prstGeom prst="rect">
+              <a:avLst/>
+            </a:prstGeom>
+            <a:noFill/>
+            <a:extLst>
+              <a:ext uri="{909E8E84-426E-40DD-AFC4-6F175D3DCCD1}">
+                <a14:hiddenFill xmlns:a14="http://schemas.microsoft.com/office/drawing/2010/main">
+                  <a:solidFill>
+                    <a:srgbClr val="FFFFFF"/>
+                  </a:solidFill>
+                </a14:hiddenFill>
+              </a:ext>
+            </a:extLst>
+          </p:spPr>
+        </p:pic>
+      </p:grpSp>
+      <p:grpSp>
+        <p:nvGrpSpPr>
+          <p:cNvPr id="40" name="Group 39">
+            <a:extLst>
+              <a:ext uri="{FF2B5EF4-FFF2-40B4-BE49-F238E27FC236}">
+                <a16:creationId xmlns:a16="http://schemas.microsoft.com/office/drawing/2014/main" id="{A0E3D24E-D9BA-4C69-9E0F-7786C473B478}"/>
+              </a:ext>
+            </a:extLst>
+          </p:cNvPr>
+          <p:cNvGrpSpPr/>
+          <p:nvPr/>
+        </p:nvGrpSpPr>
+        <p:grpSpPr>
+          <a:xfrm>
+            <a:off x="1808861" y="3530203"/>
+            <a:ext cx="1841677" cy="1847850"/>
+            <a:chOff x="1264535" y="3542236"/>
+            <a:chExt cx="1841677" cy="1847850"/>
+          </a:xfrm>
+        </p:grpSpPr>
+        <p:sp>
+          <p:nvSpPr>
+            <p:cNvPr id="41" name="Oval 40">
+              <a:extLst>
+                <a:ext uri="{FF2B5EF4-FFF2-40B4-BE49-F238E27FC236}">
+                  <a16:creationId xmlns:a16="http://schemas.microsoft.com/office/drawing/2014/main" id="{CFD33CF7-0C2C-48F6-AE83-7DC6B1EBA1B6}"/>
+                </a:ext>
+              </a:extLst>
+            </p:cNvPr>
+            <p:cNvSpPr/>
+            <p:nvPr/>
+          </p:nvSpPr>
+          <p:spPr>
+            <a:xfrm>
+              <a:off x="1264535" y="3542236"/>
+              <a:ext cx="1841677" cy="1847850"/>
+            </a:xfrm>
+            <a:prstGeom prst="ellipse">
+              <a:avLst/>
+            </a:prstGeom>
+            <a:solidFill>
+              <a:schemeClr val="bg1"/>
+            </a:solidFill>
+            <a:ln>
+              <a:noFill/>
+            </a:ln>
+          </p:spPr>
+          <p:style>
+            <a:lnRef idx="2">
+              <a:schemeClr val="accent1">
+                <a:shade val="50000"/>
+              </a:schemeClr>
+            </a:lnRef>
+            <a:fillRef idx="1">
+              <a:schemeClr val="accent1"/>
+            </a:fillRef>
+            <a:effectRef idx="0">
+              <a:schemeClr val="accent1"/>
+            </a:effectRef>
+            <a:fontRef idx="minor">
+              <a:schemeClr val="lt1"/>
+            </a:fontRef>
+          </p:style>
+          <p:txBody>
+            <a:bodyPr rtlCol="0" anchor="ctr"/>
+            <a:lstStyle/>
+            <a:p>
+              <a:pPr algn="ctr"/>
+              <a:endParaRPr lang="bg-BG"/>
+            </a:p>
+          </p:txBody>
+        </p:sp>
+        <p:pic>
+          <p:nvPicPr>
+            <p:cNvPr id="42" name="Picture 8" descr="Microsoft Teams Custom Backgrounds - Heliocentrix">
+              <a:extLst>
+                <a:ext uri="{FF2B5EF4-FFF2-40B4-BE49-F238E27FC236}">
+                  <a16:creationId xmlns:a16="http://schemas.microsoft.com/office/drawing/2014/main" id="{6D1F280E-044A-4A54-9BC8-4754CED312E0}"/>
+                </a:ext>
+              </a:extLst>
+            </p:cNvPr>
+            <p:cNvPicPr>
+              <a:picLocks noChangeAspect="1" noChangeArrowheads="1"/>
+            </p:cNvPicPr>
+            <p:nvPr/>
+          </p:nvPicPr>
+          <p:blipFill>
+            <a:blip r:embed="rId6">
+              <a:extLst>
+                <a:ext uri="{28A0092B-C50C-407E-A947-70E740481C1C}">
+                  <a14:useLocalDpi xmlns:a14="http://schemas.microsoft.com/office/drawing/2010/main" val="0"/>
+                </a:ext>
+              </a:extLst>
+            </a:blip>
+            <a:srcRect/>
+            <a:stretch>
+              <a:fillRect/>
+            </a:stretch>
+          </p:blipFill>
+          <p:spPr bwMode="auto">
+            <a:xfrm>
+              <a:off x="1391055" y="3720431"/>
+              <a:ext cx="1466235" cy="1466235"/>
+            </a:xfrm>
+            <a:prstGeom prst="rect">
+              <a:avLst/>
+            </a:prstGeom>
+            <a:noFill/>
+            <a:extLst>
+              <a:ext uri="{909E8E84-426E-40DD-AFC4-6F175D3DCCD1}">
+                <a14:hiddenFill xmlns:a14="http://schemas.microsoft.com/office/drawing/2010/main">
+                  <a:solidFill>
+                    <a:srgbClr val="FFFFFF"/>
+                  </a:solidFill>
+                </a14:hiddenFill>
+              </a:ext>
+            </a:extLst>
+          </p:spPr>
+        </p:pic>
+      </p:grpSp>
+      <p:grpSp>
+        <p:nvGrpSpPr>
+          <p:cNvPr id="43" name="Group 42">
+            <a:extLst>
+              <a:ext uri="{FF2B5EF4-FFF2-40B4-BE49-F238E27FC236}">
+                <a16:creationId xmlns:a16="http://schemas.microsoft.com/office/drawing/2014/main" id="{A766B263-2F40-41FA-B637-5BB8C232D9AC}"/>
+              </a:ext>
+            </a:extLst>
+          </p:cNvPr>
+          <p:cNvGrpSpPr/>
+          <p:nvPr/>
+        </p:nvGrpSpPr>
+        <p:grpSpPr>
+          <a:xfrm>
+            <a:off x="8295522" y="3651044"/>
+            <a:ext cx="1841677" cy="1847850"/>
+            <a:chOff x="6482440" y="4037415"/>
+            <a:chExt cx="1841677" cy="1847850"/>
+          </a:xfrm>
+        </p:grpSpPr>
+        <p:sp>
+          <p:nvSpPr>
+            <p:cNvPr id="44" name="Oval 43">
+              <a:extLst>
+                <a:ext uri="{FF2B5EF4-FFF2-40B4-BE49-F238E27FC236}">
+                  <a16:creationId xmlns:a16="http://schemas.microsoft.com/office/drawing/2014/main" id="{E055BD71-DF83-43D3-B4B0-CDA6A21D6983}"/>
+                </a:ext>
+              </a:extLst>
+            </p:cNvPr>
+            <p:cNvSpPr/>
+            <p:nvPr/>
+          </p:nvSpPr>
+          <p:spPr>
+            <a:xfrm>
+              <a:off x="6482440" y="4037415"/>
+              <a:ext cx="1841677" cy="1847850"/>
+            </a:xfrm>
+            <a:prstGeom prst="ellipse">
+              <a:avLst/>
+            </a:prstGeom>
+            <a:solidFill>
+              <a:schemeClr val="bg1"/>
+            </a:solidFill>
+            <a:ln>
+              <a:noFill/>
+            </a:ln>
+          </p:spPr>
+          <p:style>
+            <a:lnRef idx="2">
+              <a:schemeClr val="accent1">
+                <a:shade val="50000"/>
+              </a:schemeClr>
+            </a:lnRef>
+            <a:fillRef idx="1">
+              <a:schemeClr val="accent1"/>
+            </a:fillRef>
+            <a:effectRef idx="0">
+              <a:schemeClr val="accent1"/>
+            </a:effectRef>
+            <a:fontRef idx="minor">
+              <a:schemeClr val="lt1"/>
+            </a:fontRef>
+          </p:style>
+          <p:txBody>
+            <a:bodyPr rtlCol="0" anchor="ctr"/>
+            <a:lstStyle/>
+            <a:p>
+              <a:pPr algn="ctr"/>
+              <a:endParaRPr lang="bg-BG"/>
+            </a:p>
+          </p:txBody>
+        </p:sp>
+        <p:pic>
+          <p:nvPicPr>
+            <p:cNvPr id="45" name="Picture 6">
+              <a:extLst>
+                <a:ext uri="{FF2B5EF4-FFF2-40B4-BE49-F238E27FC236}">
+                  <a16:creationId xmlns:a16="http://schemas.microsoft.com/office/drawing/2014/main" id="{A98FD37E-41FB-48E1-A541-5E15B8CE8EC5}"/>
+                </a:ext>
+              </a:extLst>
+            </p:cNvPr>
+            <p:cNvPicPr>
+              <a:picLocks noChangeAspect="1" noChangeArrowheads="1"/>
+            </p:cNvPicPr>
+            <p:nvPr/>
+          </p:nvPicPr>
+          <p:blipFill>
+            <a:blip r:embed="rId7">
+              <a:extLst>
+                <a:ext uri="{28A0092B-C50C-407E-A947-70E740481C1C}">
+                  <a14:useLocalDpi xmlns:a14="http://schemas.microsoft.com/office/drawing/2010/main" val="0"/>
+                </a:ext>
+              </a:extLst>
+            </a:blip>
+            <a:srcRect/>
+            <a:stretch>
+              <a:fillRect/>
+            </a:stretch>
+          </p:blipFill>
+          <p:spPr bwMode="auto">
+            <a:xfrm>
+              <a:off x="6751763" y="4417726"/>
+              <a:ext cx="1151102" cy="1151102"/>
+            </a:xfrm>
+            <a:prstGeom prst="rect">
+              <a:avLst/>
+            </a:prstGeom>
+            <a:noFill/>
+            <a:extLst>
+              <a:ext uri="{909E8E84-426E-40DD-AFC4-6F175D3DCCD1}">
+                <a14:hiddenFill xmlns:a14="http://schemas.microsoft.com/office/drawing/2010/main">
+                  <a:solidFill>
+                    <a:srgbClr val="FFFFFF"/>
+                  </a:solidFill>
+                </a14:hiddenFill>
+              </a:ext>
+            </a:extLst>
+          </p:spPr>
+        </p:pic>
+      </p:grpSp>
+      <p:cxnSp>
+        <p:nvCxnSpPr>
+          <p:cNvPr id="56" name="Straight Connector 55">
+            <a:extLst>
+              <a:ext uri="{FF2B5EF4-FFF2-40B4-BE49-F238E27FC236}">
+                <a16:creationId xmlns:a16="http://schemas.microsoft.com/office/drawing/2014/main" id="{7289538D-C44B-49C7-A007-1456C36EF666}"/>
+              </a:ext>
+            </a:extLst>
+          </p:cNvPr>
+          <p:cNvCxnSpPr>
+            <a:cxnSpLocks/>
+          </p:cNvCxnSpPr>
+          <p:nvPr/>
+        </p:nvCxnSpPr>
+        <p:spPr>
+          <a:xfrm flipV="1">
+            <a:off x="3223260" y="3215199"/>
+            <a:ext cx="612075" cy="642017"/>
+          </a:xfrm>
+          <a:prstGeom prst="line">
+            <a:avLst/>
+          </a:prstGeom>
+          <a:ln w="76200">
+            <a:solidFill>
+              <a:schemeClr val="bg1"/>
+            </a:solidFill>
+          </a:ln>
+        </p:spPr>
+        <p:style>
+          <a:lnRef idx="1">
+            <a:schemeClr val="accent1"/>
+          </a:lnRef>
+          <a:fillRef idx="0">
+            <a:schemeClr val="accent1"/>
+          </a:fillRef>
+          <a:effectRef idx="0">
+            <a:schemeClr val="accent1"/>
+          </a:effectRef>
+          <a:fontRef idx="minor">
+            <a:schemeClr val="tx1"/>
+          </a:fontRef>
+        </p:style>
+      </p:cxnSp>
+      <p:cxnSp>
+        <p:nvCxnSpPr>
+          <p:cNvPr id="57" name="Straight Connector 56">
+            <a:extLst>
+              <a:ext uri="{FF2B5EF4-FFF2-40B4-BE49-F238E27FC236}">
+                <a16:creationId xmlns:a16="http://schemas.microsoft.com/office/drawing/2014/main" id="{D352C51B-F204-40E5-AF33-27D5CDDA9204}"/>
+              </a:ext>
+            </a:extLst>
+          </p:cNvPr>
+          <p:cNvCxnSpPr/>
+          <p:nvPr/>
+        </p:nvCxnSpPr>
+        <p:spPr>
+          <a:xfrm>
+            <a:off x="5046751" y="3137934"/>
+            <a:ext cx="627441" cy="719282"/>
+          </a:xfrm>
+          <a:prstGeom prst="line">
+            <a:avLst/>
+          </a:prstGeom>
+          <a:ln w="76200">
+            <a:solidFill>
+              <a:schemeClr val="bg1"/>
+            </a:solidFill>
+          </a:ln>
+        </p:spPr>
+        <p:style>
+          <a:lnRef idx="1">
+            <a:schemeClr val="accent1"/>
+          </a:lnRef>
+          <a:fillRef idx="0">
+            <a:schemeClr val="accent1"/>
+          </a:fillRef>
+          <a:effectRef idx="0">
+            <a:schemeClr val="accent1"/>
+          </a:effectRef>
+          <a:fontRef idx="minor">
+            <a:schemeClr val="tx1"/>
+          </a:fontRef>
+        </p:style>
+      </p:cxnSp>
+      <p:cxnSp>
+        <p:nvCxnSpPr>
+          <p:cNvPr id="58" name="Straight Connector 57">
+            <a:extLst>
+              <a:ext uri="{FF2B5EF4-FFF2-40B4-BE49-F238E27FC236}">
+                <a16:creationId xmlns:a16="http://schemas.microsoft.com/office/drawing/2014/main" id="{9A35CBAB-F583-4C21-9B0B-F3DC443023E0}"/>
+              </a:ext>
+            </a:extLst>
+          </p:cNvPr>
+          <p:cNvCxnSpPr/>
+          <p:nvPr/>
+        </p:nvCxnSpPr>
+        <p:spPr>
+          <a:xfrm flipV="1">
+            <a:off x="6766023" y="3203068"/>
+            <a:ext cx="728218" cy="694192"/>
+          </a:xfrm>
+          <a:prstGeom prst="line">
+            <a:avLst/>
+          </a:prstGeom>
+          <a:ln w="76200">
+            <a:solidFill>
+              <a:schemeClr val="bg1"/>
+            </a:solidFill>
+          </a:ln>
+        </p:spPr>
+        <p:style>
+          <a:lnRef idx="1">
+            <a:schemeClr val="accent1"/>
+          </a:lnRef>
+          <a:fillRef idx="0">
+            <a:schemeClr val="accent1"/>
+          </a:fillRef>
+          <a:effectRef idx="0">
+            <a:schemeClr val="accent1"/>
+          </a:effectRef>
+          <a:fontRef idx="minor">
+            <a:schemeClr val="tx1"/>
+          </a:fontRef>
+        </p:style>
+      </p:cxnSp>
+      <p:cxnSp>
+        <p:nvCxnSpPr>
+          <p:cNvPr id="59" name="Straight Connector 58">
+            <a:extLst>
+              <a:ext uri="{FF2B5EF4-FFF2-40B4-BE49-F238E27FC236}">
+                <a16:creationId xmlns:a16="http://schemas.microsoft.com/office/drawing/2014/main" id="{FCE823EA-7F25-432A-A487-BE5F784FA8B1}"/>
+              </a:ext>
+            </a:extLst>
+          </p:cNvPr>
+          <p:cNvCxnSpPr>
+            <a:cxnSpLocks/>
+          </p:cNvCxnSpPr>
+          <p:nvPr/>
+        </p:nvCxnSpPr>
+        <p:spPr>
+          <a:xfrm>
+            <a:off x="8375578" y="3239083"/>
+            <a:ext cx="628238" cy="679645"/>
+          </a:xfrm>
+          <a:prstGeom prst="line">
+            <a:avLst/>
+          </a:prstGeom>
+          <a:ln w="76200">
+            <a:solidFill>
+              <a:schemeClr val="bg1"/>
+            </a:solidFill>
+          </a:ln>
+        </p:spPr>
+        <p:style>
+          <a:lnRef idx="1">
+            <a:schemeClr val="accent1"/>
+          </a:lnRef>
+          <a:fillRef idx="0">
+            <a:schemeClr val="accent1"/>
+          </a:fillRef>
+          <a:effectRef idx="0">
+            <a:schemeClr val="accent1"/>
+          </a:effectRef>
+          <a:fontRef idx="minor">
+            <a:schemeClr val="tx1"/>
+          </a:fontRef>
+        </p:style>
+      </p:cxnSp>
     </p:spTree>
     <p:extLst>
       <p:ext uri="{BB962C8B-B14F-4D97-AF65-F5344CB8AC3E}">
@@ -8534,6 +9285,1010 @@
                                       </p:cBhvr>
                                       <p:rCtr x="-42956" y="0"/>
                                     </p:animMotion>
+                                  </p:childTnLst>
+                                </p:cTn>
+                              </p:par>
+                            </p:childTnLst>
+                          </p:cTn>
+                        </p:par>
+                        <p:par>
+                          <p:cTn id="7" fill="hold">
+                            <p:stCondLst>
+                              <p:cond delay="2000"/>
+                            </p:stCondLst>
+                            <p:childTnLst>
+                              <p:par>
+                                <p:cTn id="8" presetID="1" presetClass="exit" presetSubtype="0" fill="hold" nodeType="afterEffect">
+                                  <p:stCondLst>
+                                    <p:cond delay="0"/>
+                                  </p:stCondLst>
+                                  <p:childTnLst>
+                                    <p:set>
+                                      <p:cBhvr>
+                                        <p:cTn id="9" dur="1" fill="hold">
+                                          <p:stCondLst>
+                                            <p:cond delay="0"/>
+                                          </p:stCondLst>
+                                        </p:cTn>
+                                        <p:tgtEl>
+                                          <p:spTgt spid="40"/>
+                                        </p:tgtEl>
+                                        <p:attrNameLst>
+                                          <p:attrName>style.visibility</p:attrName>
+                                        </p:attrNameLst>
+                                      </p:cBhvr>
+                                      <p:to>
+                                        <p:strVal val="hidden"/>
+                                      </p:to>
+                                    </p:set>
+                                  </p:childTnLst>
+                                </p:cTn>
+                              </p:par>
+                            </p:childTnLst>
+                          </p:cTn>
+                        </p:par>
+                        <p:par>
+                          <p:cTn id="10" fill="hold">
+                            <p:stCondLst>
+                              <p:cond delay="2000"/>
+                            </p:stCondLst>
+                            <p:childTnLst>
+                              <p:par>
+                                <p:cTn id="11" presetID="1" presetClass="exit" presetSubtype="0" fill="hold" nodeType="afterEffect">
+                                  <p:stCondLst>
+                                    <p:cond delay="0"/>
+                                  </p:stCondLst>
+                                  <p:childTnLst>
+                                    <p:set>
+                                      <p:cBhvr>
+                                        <p:cTn id="12" dur="1" fill="hold">
+                                          <p:stCondLst>
+                                            <p:cond delay="0"/>
+                                          </p:stCondLst>
+                                        </p:cTn>
+                                        <p:tgtEl>
+                                          <p:spTgt spid="31"/>
+                                        </p:tgtEl>
+                                        <p:attrNameLst>
+                                          <p:attrName>style.visibility</p:attrName>
+                                        </p:attrNameLst>
+                                      </p:cBhvr>
+                                      <p:to>
+                                        <p:strVal val="hidden"/>
+                                      </p:to>
+                                    </p:set>
+                                  </p:childTnLst>
+                                </p:cTn>
+                              </p:par>
+                            </p:childTnLst>
+                          </p:cTn>
+                        </p:par>
+                        <p:par>
+                          <p:cTn id="13" fill="hold">
+                            <p:stCondLst>
+                              <p:cond delay="2000"/>
+                            </p:stCondLst>
+                            <p:childTnLst>
+                              <p:par>
+                                <p:cTn id="14" presetID="1" presetClass="exit" presetSubtype="0" fill="hold" nodeType="afterEffect">
+                                  <p:stCondLst>
+                                    <p:cond delay="0"/>
+                                  </p:stCondLst>
+                                  <p:childTnLst>
+                                    <p:set>
+                                      <p:cBhvr>
+                                        <p:cTn id="15" dur="1" fill="hold">
+                                          <p:stCondLst>
+                                            <p:cond delay="0"/>
+                                          </p:stCondLst>
+                                        </p:cTn>
+                                        <p:tgtEl>
+                                          <p:spTgt spid="37"/>
+                                        </p:tgtEl>
+                                        <p:attrNameLst>
+                                          <p:attrName>style.visibility</p:attrName>
+                                        </p:attrNameLst>
+                                      </p:cBhvr>
+                                      <p:to>
+                                        <p:strVal val="hidden"/>
+                                      </p:to>
+                                    </p:set>
+                                  </p:childTnLst>
+                                </p:cTn>
+                              </p:par>
+                            </p:childTnLst>
+                          </p:cTn>
+                        </p:par>
+                        <p:par>
+                          <p:cTn id="16" fill="hold">
+                            <p:stCondLst>
+                              <p:cond delay="2000"/>
+                            </p:stCondLst>
+                            <p:childTnLst>
+                              <p:par>
+                                <p:cTn id="17" presetID="1" presetClass="exit" presetSubtype="0" fill="hold" nodeType="afterEffect">
+                                  <p:stCondLst>
+                                    <p:cond delay="0"/>
+                                  </p:stCondLst>
+                                  <p:childTnLst>
+                                    <p:set>
+                                      <p:cBhvr>
+                                        <p:cTn id="18" dur="1" fill="hold">
+                                          <p:stCondLst>
+                                            <p:cond delay="0"/>
+                                          </p:stCondLst>
+                                        </p:cTn>
+                                        <p:tgtEl>
+                                          <p:spTgt spid="43"/>
+                                        </p:tgtEl>
+                                        <p:attrNameLst>
+                                          <p:attrName>style.visibility</p:attrName>
+                                        </p:attrNameLst>
+                                      </p:cBhvr>
+                                      <p:to>
+                                        <p:strVal val="hidden"/>
+                                      </p:to>
+                                    </p:set>
+                                  </p:childTnLst>
+                                </p:cTn>
+                              </p:par>
+                            </p:childTnLst>
+                          </p:cTn>
+                        </p:par>
+                        <p:par>
+                          <p:cTn id="19" fill="hold">
+                            <p:stCondLst>
+                              <p:cond delay="2000"/>
+                            </p:stCondLst>
+                            <p:childTnLst>
+                              <p:par>
+                                <p:cTn id="20" presetID="1" presetClass="exit" presetSubtype="0" fill="hold" nodeType="afterEffect">
+                                  <p:stCondLst>
+                                    <p:cond delay="0"/>
+                                  </p:stCondLst>
+                                  <p:childTnLst>
+                                    <p:set>
+                                      <p:cBhvr>
+                                        <p:cTn id="21" dur="1" fill="hold">
+                                          <p:stCondLst>
+                                            <p:cond delay="0"/>
+                                          </p:stCondLst>
+                                        </p:cTn>
+                                        <p:tgtEl>
+                                          <p:spTgt spid="34"/>
+                                        </p:tgtEl>
+                                        <p:attrNameLst>
+                                          <p:attrName>style.visibility</p:attrName>
+                                        </p:attrNameLst>
+                                      </p:cBhvr>
+                                      <p:to>
+                                        <p:strVal val="hidden"/>
+                                      </p:to>
+                                    </p:set>
+                                  </p:childTnLst>
+                                </p:cTn>
+                              </p:par>
+                            </p:childTnLst>
+                          </p:cTn>
+                        </p:par>
+                        <p:par>
+                          <p:cTn id="22" fill="hold">
+                            <p:stCondLst>
+                              <p:cond delay="2000"/>
+                            </p:stCondLst>
+                            <p:childTnLst>
+                              <p:par>
+                                <p:cTn id="23" presetID="1" presetClass="entr" presetSubtype="0" fill="hold" nodeType="afterEffect">
+                                  <p:stCondLst>
+                                    <p:cond delay="0"/>
+                                  </p:stCondLst>
+                                  <p:childTnLst>
+                                    <p:set>
+                                      <p:cBhvr>
+                                        <p:cTn id="24" dur="1" fill="hold">
+                                          <p:stCondLst>
+                                            <p:cond delay="0"/>
+                                          </p:stCondLst>
+                                        </p:cTn>
+                                        <p:tgtEl>
+                                          <p:spTgt spid="40"/>
+                                        </p:tgtEl>
+                                        <p:attrNameLst>
+                                          <p:attrName>style.visibility</p:attrName>
+                                        </p:attrNameLst>
+                                      </p:cBhvr>
+                                      <p:to>
+                                        <p:strVal val="visible"/>
+                                      </p:to>
+                                    </p:set>
+                                  </p:childTnLst>
+                                </p:cTn>
+                              </p:par>
+                            </p:childTnLst>
+                          </p:cTn>
+                        </p:par>
+                        <p:par>
+                          <p:cTn id="25" fill="hold">
+                            <p:stCondLst>
+                              <p:cond delay="2000"/>
+                            </p:stCondLst>
+                            <p:childTnLst>
+                              <p:par>
+                                <p:cTn id="26" presetID="1" presetClass="entr" presetSubtype="0" fill="hold" nodeType="afterEffect">
+                                  <p:stCondLst>
+                                    <p:cond delay="0"/>
+                                  </p:stCondLst>
+                                  <p:childTnLst>
+                                    <p:set>
+                                      <p:cBhvr>
+                                        <p:cTn id="27" dur="1" fill="hold">
+                                          <p:stCondLst>
+                                            <p:cond delay="0"/>
+                                          </p:stCondLst>
+                                        </p:cTn>
+                                        <p:tgtEl>
+                                          <p:spTgt spid="31"/>
+                                        </p:tgtEl>
+                                        <p:attrNameLst>
+                                          <p:attrName>style.visibility</p:attrName>
+                                        </p:attrNameLst>
+                                      </p:cBhvr>
+                                      <p:to>
+                                        <p:strVal val="visible"/>
+                                      </p:to>
+                                    </p:set>
+                                  </p:childTnLst>
+                                </p:cTn>
+                              </p:par>
+                            </p:childTnLst>
+                          </p:cTn>
+                        </p:par>
+                        <p:par>
+                          <p:cTn id="28" fill="hold">
+                            <p:stCondLst>
+                              <p:cond delay="2000"/>
+                            </p:stCondLst>
+                            <p:childTnLst>
+                              <p:par>
+                                <p:cTn id="29" presetID="1" presetClass="entr" presetSubtype="0" fill="hold" nodeType="afterEffect">
+                                  <p:stCondLst>
+                                    <p:cond delay="0"/>
+                                  </p:stCondLst>
+                                  <p:childTnLst>
+                                    <p:set>
+                                      <p:cBhvr>
+                                        <p:cTn id="30" dur="1" fill="hold">
+                                          <p:stCondLst>
+                                            <p:cond delay="0"/>
+                                          </p:stCondLst>
+                                        </p:cTn>
+                                        <p:tgtEl>
+                                          <p:spTgt spid="37"/>
+                                        </p:tgtEl>
+                                        <p:attrNameLst>
+                                          <p:attrName>style.visibility</p:attrName>
+                                        </p:attrNameLst>
+                                      </p:cBhvr>
+                                      <p:to>
+                                        <p:strVal val="visible"/>
+                                      </p:to>
+                                    </p:set>
+                                  </p:childTnLst>
+                                </p:cTn>
+                              </p:par>
+                            </p:childTnLst>
+                          </p:cTn>
+                        </p:par>
+                        <p:par>
+                          <p:cTn id="31" fill="hold">
+                            <p:stCondLst>
+                              <p:cond delay="2000"/>
+                            </p:stCondLst>
+                            <p:childTnLst>
+                              <p:par>
+                                <p:cTn id="32" presetID="1" presetClass="entr" presetSubtype="0" fill="hold" nodeType="afterEffect">
+                                  <p:stCondLst>
+                                    <p:cond delay="0"/>
+                                  </p:stCondLst>
+                                  <p:childTnLst>
+                                    <p:set>
+                                      <p:cBhvr>
+                                        <p:cTn id="33" dur="1" fill="hold">
+                                          <p:stCondLst>
+                                            <p:cond delay="0"/>
+                                          </p:stCondLst>
+                                        </p:cTn>
+                                        <p:tgtEl>
+                                          <p:spTgt spid="34"/>
+                                        </p:tgtEl>
+                                        <p:attrNameLst>
+                                          <p:attrName>style.visibility</p:attrName>
+                                        </p:attrNameLst>
+                                      </p:cBhvr>
+                                      <p:to>
+                                        <p:strVal val="visible"/>
+                                      </p:to>
+                                    </p:set>
+                                  </p:childTnLst>
+                                </p:cTn>
+                              </p:par>
+                            </p:childTnLst>
+                          </p:cTn>
+                        </p:par>
+                        <p:par>
+                          <p:cTn id="34" fill="hold">
+                            <p:stCondLst>
+                              <p:cond delay="2000"/>
+                            </p:stCondLst>
+                            <p:childTnLst>
+                              <p:par>
+                                <p:cTn id="35" presetID="1" presetClass="entr" presetSubtype="0" fill="hold" nodeType="afterEffect">
+                                  <p:stCondLst>
+                                    <p:cond delay="0"/>
+                                  </p:stCondLst>
+                                  <p:childTnLst>
+                                    <p:set>
+                                      <p:cBhvr>
+                                        <p:cTn id="36" dur="1" fill="hold">
+                                          <p:stCondLst>
+                                            <p:cond delay="0"/>
+                                          </p:stCondLst>
+                                        </p:cTn>
+                                        <p:tgtEl>
+                                          <p:spTgt spid="43"/>
+                                        </p:tgtEl>
+                                        <p:attrNameLst>
+                                          <p:attrName>style.visibility</p:attrName>
+                                        </p:attrNameLst>
+                                      </p:cBhvr>
+                                      <p:to>
+                                        <p:strVal val="visible"/>
+                                      </p:to>
+                                    </p:set>
+                                  </p:childTnLst>
+                                </p:cTn>
+                              </p:par>
+                            </p:childTnLst>
+                          </p:cTn>
+                        </p:par>
+                        <p:par>
+                          <p:cTn id="37" fill="hold">
+                            <p:stCondLst>
+                              <p:cond delay="2000"/>
+                            </p:stCondLst>
+                            <p:childTnLst>
+                              <p:par>
+                                <p:cTn id="38" presetID="1" presetClass="exit" presetSubtype="0" fill="hold" nodeType="afterEffect">
+                                  <p:stCondLst>
+                                    <p:cond delay="0"/>
+                                  </p:stCondLst>
+                                  <p:childTnLst>
+                                    <p:set>
+                                      <p:cBhvr>
+                                        <p:cTn id="39" dur="1" fill="hold">
+                                          <p:stCondLst>
+                                            <p:cond delay="0"/>
+                                          </p:stCondLst>
+                                        </p:cTn>
+                                        <p:tgtEl>
+                                          <p:spTgt spid="40"/>
+                                        </p:tgtEl>
+                                        <p:attrNameLst>
+                                          <p:attrName>style.visibility</p:attrName>
+                                        </p:attrNameLst>
+                                      </p:cBhvr>
+                                      <p:to>
+                                        <p:strVal val="hidden"/>
+                                      </p:to>
+                                    </p:set>
+                                  </p:childTnLst>
+                                </p:cTn>
+                              </p:par>
+                            </p:childTnLst>
+                          </p:cTn>
+                        </p:par>
+                        <p:par>
+                          <p:cTn id="40" fill="hold">
+                            <p:stCondLst>
+                              <p:cond delay="2000"/>
+                            </p:stCondLst>
+                            <p:childTnLst>
+                              <p:par>
+                                <p:cTn id="41" presetID="1" presetClass="exit" presetSubtype="0" fill="hold" nodeType="afterEffect">
+                                  <p:stCondLst>
+                                    <p:cond delay="0"/>
+                                  </p:stCondLst>
+                                  <p:childTnLst>
+                                    <p:set>
+                                      <p:cBhvr>
+                                        <p:cTn id="42" dur="1" fill="hold">
+                                          <p:stCondLst>
+                                            <p:cond delay="0"/>
+                                          </p:stCondLst>
+                                        </p:cTn>
+                                        <p:tgtEl>
+                                          <p:spTgt spid="31"/>
+                                        </p:tgtEl>
+                                        <p:attrNameLst>
+                                          <p:attrName>style.visibility</p:attrName>
+                                        </p:attrNameLst>
+                                      </p:cBhvr>
+                                      <p:to>
+                                        <p:strVal val="hidden"/>
+                                      </p:to>
+                                    </p:set>
+                                  </p:childTnLst>
+                                </p:cTn>
+                              </p:par>
+                            </p:childTnLst>
+                          </p:cTn>
+                        </p:par>
+                        <p:par>
+                          <p:cTn id="43" fill="hold">
+                            <p:stCondLst>
+                              <p:cond delay="2000"/>
+                            </p:stCondLst>
+                            <p:childTnLst>
+                              <p:par>
+                                <p:cTn id="44" presetID="1" presetClass="exit" presetSubtype="0" fill="hold" nodeType="afterEffect">
+                                  <p:stCondLst>
+                                    <p:cond delay="0"/>
+                                  </p:stCondLst>
+                                  <p:childTnLst>
+                                    <p:set>
+                                      <p:cBhvr>
+                                        <p:cTn id="45" dur="1" fill="hold">
+                                          <p:stCondLst>
+                                            <p:cond delay="0"/>
+                                          </p:stCondLst>
+                                        </p:cTn>
+                                        <p:tgtEl>
+                                          <p:spTgt spid="37"/>
+                                        </p:tgtEl>
+                                        <p:attrNameLst>
+                                          <p:attrName>style.visibility</p:attrName>
+                                        </p:attrNameLst>
+                                      </p:cBhvr>
+                                      <p:to>
+                                        <p:strVal val="hidden"/>
+                                      </p:to>
+                                    </p:set>
+                                  </p:childTnLst>
+                                </p:cTn>
+                              </p:par>
+                            </p:childTnLst>
+                          </p:cTn>
+                        </p:par>
+                        <p:par>
+                          <p:cTn id="46" fill="hold">
+                            <p:stCondLst>
+                              <p:cond delay="2000"/>
+                            </p:stCondLst>
+                            <p:childTnLst>
+                              <p:par>
+                                <p:cTn id="47" presetID="1" presetClass="exit" presetSubtype="0" fill="hold" nodeType="afterEffect">
+                                  <p:stCondLst>
+                                    <p:cond delay="0"/>
+                                  </p:stCondLst>
+                                  <p:childTnLst>
+                                    <p:set>
+                                      <p:cBhvr>
+                                        <p:cTn id="48" dur="1" fill="hold">
+                                          <p:stCondLst>
+                                            <p:cond delay="0"/>
+                                          </p:stCondLst>
+                                        </p:cTn>
+                                        <p:tgtEl>
+                                          <p:spTgt spid="43"/>
+                                        </p:tgtEl>
+                                        <p:attrNameLst>
+                                          <p:attrName>style.visibility</p:attrName>
+                                        </p:attrNameLst>
+                                      </p:cBhvr>
+                                      <p:to>
+                                        <p:strVal val="hidden"/>
+                                      </p:to>
+                                    </p:set>
+                                  </p:childTnLst>
+                                </p:cTn>
+                              </p:par>
+                            </p:childTnLst>
+                          </p:cTn>
+                        </p:par>
+                        <p:par>
+                          <p:cTn id="49" fill="hold">
+                            <p:stCondLst>
+                              <p:cond delay="2000"/>
+                            </p:stCondLst>
+                            <p:childTnLst>
+                              <p:par>
+                                <p:cTn id="50" presetID="1" presetClass="exit" presetSubtype="0" fill="hold" nodeType="afterEffect">
+                                  <p:stCondLst>
+                                    <p:cond delay="0"/>
+                                  </p:stCondLst>
+                                  <p:childTnLst>
+                                    <p:set>
+                                      <p:cBhvr>
+                                        <p:cTn id="51" dur="1" fill="hold">
+                                          <p:stCondLst>
+                                            <p:cond delay="0"/>
+                                          </p:stCondLst>
+                                        </p:cTn>
+                                        <p:tgtEl>
+                                          <p:spTgt spid="34"/>
+                                        </p:tgtEl>
+                                        <p:attrNameLst>
+                                          <p:attrName>style.visibility</p:attrName>
+                                        </p:attrNameLst>
+                                      </p:cBhvr>
+                                      <p:to>
+                                        <p:strVal val="hidden"/>
+                                      </p:to>
+                                    </p:set>
+                                  </p:childTnLst>
+                                </p:cTn>
+                              </p:par>
+                            </p:childTnLst>
+                          </p:cTn>
+                        </p:par>
+                        <p:par>
+                          <p:cTn id="52" fill="hold">
+                            <p:stCondLst>
+                              <p:cond delay="2000"/>
+                            </p:stCondLst>
+                            <p:childTnLst>
+                              <p:par>
+                                <p:cTn id="53" presetID="1" presetClass="exit" presetSubtype="0" fill="hold" nodeType="afterEffect">
+                                  <p:stCondLst>
+                                    <p:cond delay="0"/>
+                                  </p:stCondLst>
+                                  <p:childTnLst>
+                                    <p:set>
+                                      <p:cBhvr>
+                                        <p:cTn id="54" dur="1" fill="hold">
+                                          <p:stCondLst>
+                                            <p:cond delay="0"/>
+                                          </p:stCondLst>
+                                        </p:cTn>
+                                        <p:tgtEl>
+                                          <p:spTgt spid="56"/>
+                                        </p:tgtEl>
+                                        <p:attrNameLst>
+                                          <p:attrName>style.visibility</p:attrName>
+                                        </p:attrNameLst>
+                                      </p:cBhvr>
+                                      <p:to>
+                                        <p:strVal val="hidden"/>
+                                      </p:to>
+                                    </p:set>
+                                  </p:childTnLst>
+                                </p:cTn>
+                              </p:par>
+                            </p:childTnLst>
+                          </p:cTn>
+                        </p:par>
+                        <p:par>
+                          <p:cTn id="55" fill="hold">
+                            <p:stCondLst>
+                              <p:cond delay="2000"/>
+                            </p:stCondLst>
+                            <p:childTnLst>
+                              <p:par>
+                                <p:cTn id="56" presetID="1" presetClass="exit" presetSubtype="0" fill="hold" nodeType="afterEffect">
+                                  <p:stCondLst>
+                                    <p:cond delay="0"/>
+                                  </p:stCondLst>
+                                  <p:childTnLst>
+                                    <p:set>
+                                      <p:cBhvr>
+                                        <p:cTn id="57" dur="1" fill="hold">
+                                          <p:stCondLst>
+                                            <p:cond delay="0"/>
+                                          </p:stCondLst>
+                                        </p:cTn>
+                                        <p:tgtEl>
+                                          <p:spTgt spid="57"/>
+                                        </p:tgtEl>
+                                        <p:attrNameLst>
+                                          <p:attrName>style.visibility</p:attrName>
+                                        </p:attrNameLst>
+                                      </p:cBhvr>
+                                      <p:to>
+                                        <p:strVal val="hidden"/>
+                                      </p:to>
+                                    </p:set>
+                                  </p:childTnLst>
+                                </p:cTn>
+                              </p:par>
+                            </p:childTnLst>
+                          </p:cTn>
+                        </p:par>
+                        <p:par>
+                          <p:cTn id="58" fill="hold">
+                            <p:stCondLst>
+                              <p:cond delay="2000"/>
+                            </p:stCondLst>
+                            <p:childTnLst>
+                              <p:par>
+                                <p:cTn id="59" presetID="1" presetClass="exit" presetSubtype="0" fill="hold" nodeType="afterEffect">
+                                  <p:stCondLst>
+                                    <p:cond delay="0"/>
+                                  </p:stCondLst>
+                                  <p:childTnLst>
+                                    <p:set>
+                                      <p:cBhvr>
+                                        <p:cTn id="60" dur="1" fill="hold">
+                                          <p:stCondLst>
+                                            <p:cond delay="0"/>
+                                          </p:stCondLst>
+                                        </p:cTn>
+                                        <p:tgtEl>
+                                          <p:spTgt spid="58"/>
+                                        </p:tgtEl>
+                                        <p:attrNameLst>
+                                          <p:attrName>style.visibility</p:attrName>
+                                        </p:attrNameLst>
+                                      </p:cBhvr>
+                                      <p:to>
+                                        <p:strVal val="hidden"/>
+                                      </p:to>
+                                    </p:set>
+                                  </p:childTnLst>
+                                </p:cTn>
+                              </p:par>
+                            </p:childTnLst>
+                          </p:cTn>
+                        </p:par>
+                        <p:par>
+                          <p:cTn id="61" fill="hold">
+                            <p:stCondLst>
+                              <p:cond delay="2000"/>
+                            </p:stCondLst>
+                            <p:childTnLst>
+                              <p:par>
+                                <p:cTn id="62" presetID="1" presetClass="exit" presetSubtype="0" fill="hold" nodeType="afterEffect">
+                                  <p:stCondLst>
+                                    <p:cond delay="0"/>
+                                  </p:stCondLst>
+                                  <p:childTnLst>
+                                    <p:set>
+                                      <p:cBhvr>
+                                        <p:cTn id="63" dur="1" fill="hold">
+                                          <p:stCondLst>
+                                            <p:cond delay="0"/>
+                                          </p:stCondLst>
+                                        </p:cTn>
+                                        <p:tgtEl>
+                                          <p:spTgt spid="59"/>
+                                        </p:tgtEl>
+                                        <p:attrNameLst>
+                                          <p:attrName>style.visibility</p:attrName>
+                                        </p:attrNameLst>
+                                      </p:cBhvr>
+                                      <p:to>
+                                        <p:strVal val="hidden"/>
+                                      </p:to>
+                                    </p:set>
+                                  </p:childTnLst>
+                                </p:cTn>
+                              </p:par>
+                            </p:childTnLst>
+                          </p:cTn>
+                        </p:par>
+                        <p:par>
+                          <p:cTn id="64" fill="hold">
+                            <p:stCondLst>
+                              <p:cond delay="2000"/>
+                            </p:stCondLst>
+                            <p:childTnLst>
+                              <p:par>
+                                <p:cTn id="65" presetID="10" presetClass="entr" presetSubtype="0" fill="hold" nodeType="afterEffect">
+                                  <p:stCondLst>
+                                    <p:cond delay="0"/>
+                                  </p:stCondLst>
+                                  <p:childTnLst>
+                                    <p:set>
+                                      <p:cBhvr>
+                                        <p:cTn id="66" dur="1" fill="hold">
+                                          <p:stCondLst>
+                                            <p:cond delay="0"/>
+                                          </p:stCondLst>
+                                        </p:cTn>
+                                        <p:tgtEl>
+                                          <p:spTgt spid="56"/>
+                                        </p:tgtEl>
+                                        <p:attrNameLst>
+                                          <p:attrName>style.visibility</p:attrName>
+                                        </p:attrNameLst>
+                                      </p:cBhvr>
+                                      <p:to>
+                                        <p:strVal val="visible"/>
+                                      </p:to>
+                                    </p:set>
+                                    <p:animEffect transition="in" filter="fade">
+                                      <p:cBhvr>
+                                        <p:cTn id="67" dur="500"/>
+                                        <p:tgtEl>
+                                          <p:spTgt spid="56"/>
+                                        </p:tgtEl>
+                                      </p:cBhvr>
+                                    </p:animEffect>
+                                  </p:childTnLst>
+                                </p:cTn>
+                              </p:par>
+                            </p:childTnLst>
+                          </p:cTn>
+                        </p:par>
+                        <p:par>
+                          <p:cTn id="68" fill="hold">
+                            <p:stCondLst>
+                              <p:cond delay="2500"/>
+                            </p:stCondLst>
+                            <p:childTnLst>
+                              <p:par>
+                                <p:cTn id="69" presetID="10" presetClass="entr" presetSubtype="0" fill="hold" nodeType="afterEffect">
+                                  <p:stCondLst>
+                                    <p:cond delay="0"/>
+                                  </p:stCondLst>
+                                  <p:childTnLst>
+                                    <p:set>
+                                      <p:cBhvr>
+                                        <p:cTn id="70" dur="1" fill="hold">
+                                          <p:stCondLst>
+                                            <p:cond delay="0"/>
+                                          </p:stCondLst>
+                                        </p:cTn>
+                                        <p:tgtEl>
+                                          <p:spTgt spid="57"/>
+                                        </p:tgtEl>
+                                        <p:attrNameLst>
+                                          <p:attrName>style.visibility</p:attrName>
+                                        </p:attrNameLst>
+                                      </p:cBhvr>
+                                      <p:to>
+                                        <p:strVal val="visible"/>
+                                      </p:to>
+                                    </p:set>
+                                    <p:animEffect transition="in" filter="fade">
+                                      <p:cBhvr>
+                                        <p:cTn id="71" dur="500"/>
+                                        <p:tgtEl>
+                                          <p:spTgt spid="57"/>
+                                        </p:tgtEl>
+                                      </p:cBhvr>
+                                    </p:animEffect>
+                                  </p:childTnLst>
+                                </p:cTn>
+                              </p:par>
+                            </p:childTnLst>
+                          </p:cTn>
+                        </p:par>
+                        <p:par>
+                          <p:cTn id="72" fill="hold">
+                            <p:stCondLst>
+                              <p:cond delay="3000"/>
+                            </p:stCondLst>
+                            <p:childTnLst>
+                              <p:par>
+                                <p:cTn id="73" presetID="10" presetClass="entr" presetSubtype="0" fill="hold" nodeType="afterEffect">
+                                  <p:stCondLst>
+                                    <p:cond delay="0"/>
+                                  </p:stCondLst>
+                                  <p:childTnLst>
+                                    <p:set>
+                                      <p:cBhvr>
+                                        <p:cTn id="74" dur="1" fill="hold">
+                                          <p:stCondLst>
+                                            <p:cond delay="0"/>
+                                          </p:stCondLst>
+                                        </p:cTn>
+                                        <p:tgtEl>
+                                          <p:spTgt spid="58"/>
+                                        </p:tgtEl>
+                                        <p:attrNameLst>
+                                          <p:attrName>style.visibility</p:attrName>
+                                        </p:attrNameLst>
+                                      </p:cBhvr>
+                                      <p:to>
+                                        <p:strVal val="visible"/>
+                                      </p:to>
+                                    </p:set>
+                                    <p:animEffect transition="in" filter="fade">
+                                      <p:cBhvr>
+                                        <p:cTn id="75" dur="500"/>
+                                        <p:tgtEl>
+                                          <p:spTgt spid="58"/>
+                                        </p:tgtEl>
+                                      </p:cBhvr>
+                                    </p:animEffect>
+                                  </p:childTnLst>
+                                </p:cTn>
+                              </p:par>
+                            </p:childTnLst>
+                          </p:cTn>
+                        </p:par>
+                        <p:par>
+                          <p:cTn id="76" fill="hold">
+                            <p:stCondLst>
+                              <p:cond delay="3500"/>
+                            </p:stCondLst>
+                            <p:childTnLst>
+                              <p:par>
+                                <p:cTn id="77" presetID="10" presetClass="entr" presetSubtype="0" fill="hold" nodeType="afterEffect">
+                                  <p:stCondLst>
+                                    <p:cond delay="0"/>
+                                  </p:stCondLst>
+                                  <p:childTnLst>
+                                    <p:set>
+                                      <p:cBhvr>
+                                        <p:cTn id="78" dur="1" fill="hold">
+                                          <p:stCondLst>
+                                            <p:cond delay="0"/>
+                                          </p:stCondLst>
+                                        </p:cTn>
+                                        <p:tgtEl>
+                                          <p:spTgt spid="59"/>
+                                        </p:tgtEl>
+                                        <p:attrNameLst>
+                                          <p:attrName>style.visibility</p:attrName>
+                                        </p:attrNameLst>
+                                      </p:cBhvr>
+                                      <p:to>
+                                        <p:strVal val="visible"/>
+                                      </p:to>
+                                    </p:set>
+                                    <p:animEffect transition="in" filter="fade">
+                                      <p:cBhvr>
+                                        <p:cTn id="79" dur="500"/>
+                                        <p:tgtEl>
+                                          <p:spTgt spid="59"/>
+                                        </p:tgtEl>
+                                      </p:cBhvr>
+                                    </p:animEffect>
+                                  </p:childTnLst>
+                                </p:cTn>
+                              </p:par>
+                            </p:childTnLst>
+                          </p:cTn>
+                        </p:par>
+                        <p:par>
+                          <p:cTn id="80" fill="hold">
+                            <p:stCondLst>
+                              <p:cond delay="4000"/>
+                            </p:stCondLst>
+                            <p:childTnLst>
+                              <p:par>
+                                <p:cTn id="81" presetID="1" presetClass="exit" presetSubtype="0" fill="hold" nodeType="afterEffect">
+                                  <p:stCondLst>
+                                    <p:cond delay="0"/>
+                                  </p:stCondLst>
+                                  <p:childTnLst>
+                                    <p:set>
+                                      <p:cBhvr>
+                                        <p:cTn id="82" dur="1" fill="hold">
+                                          <p:stCondLst>
+                                            <p:cond delay="0"/>
+                                          </p:stCondLst>
+                                        </p:cTn>
+                                        <p:tgtEl>
+                                          <p:spTgt spid="56"/>
+                                        </p:tgtEl>
+                                        <p:attrNameLst>
+                                          <p:attrName>style.visibility</p:attrName>
+                                        </p:attrNameLst>
+                                      </p:cBhvr>
+                                      <p:to>
+                                        <p:strVal val="hidden"/>
+                                      </p:to>
+                                    </p:set>
+                                  </p:childTnLst>
+                                </p:cTn>
+                              </p:par>
+                            </p:childTnLst>
+                          </p:cTn>
+                        </p:par>
+                        <p:par>
+                          <p:cTn id="83" fill="hold">
+                            <p:stCondLst>
+                              <p:cond delay="4000"/>
+                            </p:stCondLst>
+                            <p:childTnLst>
+                              <p:par>
+                                <p:cTn id="84" presetID="1" presetClass="exit" presetSubtype="0" fill="hold" nodeType="afterEffect">
+                                  <p:stCondLst>
+                                    <p:cond delay="0"/>
+                                  </p:stCondLst>
+                                  <p:childTnLst>
+                                    <p:set>
+                                      <p:cBhvr>
+                                        <p:cTn id="85" dur="1" fill="hold">
+                                          <p:stCondLst>
+                                            <p:cond delay="0"/>
+                                          </p:stCondLst>
+                                        </p:cTn>
+                                        <p:tgtEl>
+                                          <p:spTgt spid="57"/>
+                                        </p:tgtEl>
+                                        <p:attrNameLst>
+                                          <p:attrName>style.visibility</p:attrName>
+                                        </p:attrNameLst>
+                                      </p:cBhvr>
+                                      <p:to>
+                                        <p:strVal val="hidden"/>
+                                      </p:to>
+                                    </p:set>
+                                  </p:childTnLst>
+                                </p:cTn>
+                              </p:par>
+                            </p:childTnLst>
+                          </p:cTn>
+                        </p:par>
+                        <p:par>
+                          <p:cTn id="86" fill="hold">
+                            <p:stCondLst>
+                              <p:cond delay="4000"/>
+                            </p:stCondLst>
+                            <p:childTnLst>
+                              <p:par>
+                                <p:cTn id="87" presetID="1" presetClass="exit" presetSubtype="0" fill="hold" nodeType="afterEffect">
+                                  <p:stCondLst>
+                                    <p:cond delay="0"/>
+                                  </p:stCondLst>
+                                  <p:childTnLst>
+                                    <p:set>
+                                      <p:cBhvr>
+                                        <p:cTn id="88" dur="1" fill="hold">
+                                          <p:stCondLst>
+                                            <p:cond delay="0"/>
+                                          </p:stCondLst>
+                                        </p:cTn>
+                                        <p:tgtEl>
+                                          <p:spTgt spid="58"/>
+                                        </p:tgtEl>
+                                        <p:attrNameLst>
+                                          <p:attrName>style.visibility</p:attrName>
+                                        </p:attrNameLst>
+                                      </p:cBhvr>
+                                      <p:to>
+                                        <p:strVal val="hidden"/>
+                                      </p:to>
+                                    </p:set>
+                                  </p:childTnLst>
+                                </p:cTn>
+                              </p:par>
+                            </p:childTnLst>
+                          </p:cTn>
+                        </p:par>
+                        <p:par>
+                          <p:cTn id="89" fill="hold">
+                            <p:stCondLst>
+                              <p:cond delay="4000"/>
+                            </p:stCondLst>
+                            <p:childTnLst>
+                              <p:par>
+                                <p:cTn id="90" presetID="1" presetClass="exit" presetSubtype="0" fill="hold" nodeType="afterEffect">
+                                  <p:stCondLst>
+                                    <p:cond delay="0"/>
+                                  </p:stCondLst>
+                                  <p:childTnLst>
+                                    <p:set>
+                                      <p:cBhvr>
+                                        <p:cTn id="91" dur="1" fill="hold">
+                                          <p:stCondLst>
+                                            <p:cond delay="0"/>
+                                          </p:stCondLst>
+                                        </p:cTn>
+                                        <p:tgtEl>
+                                          <p:spTgt spid="59"/>
+                                        </p:tgtEl>
+                                        <p:attrNameLst>
+                                          <p:attrName>style.visibility</p:attrName>
+                                        </p:attrNameLst>
+                                      </p:cBhvr>
+                                      <p:to>
+                                        <p:strVal val="hidden"/>
+                                      </p:to>
+                                    </p:set>
                                   </p:childTnLst>
                                 </p:cTn>
                               </p:par>
@@ -8857,6 +10612,145 @@
       </p:grpSp>
       <p:grpSp>
         <p:nvGrpSpPr>
+          <p:cNvPr id="23" name="Group 22">
+            <a:extLst>
+              <a:ext uri="{FF2B5EF4-FFF2-40B4-BE49-F238E27FC236}">
+                <a16:creationId xmlns:a16="http://schemas.microsoft.com/office/drawing/2014/main" id="{74B213F0-94F0-4AED-8171-E9CAE9E63599}"/>
+              </a:ext>
+            </a:extLst>
+          </p:cNvPr>
+          <p:cNvGrpSpPr/>
+          <p:nvPr/>
+        </p:nvGrpSpPr>
+        <p:grpSpPr>
+          <a:xfrm>
+            <a:off x="545125" y="0"/>
+            <a:ext cx="12319000" cy="6858000"/>
+            <a:chOff x="190500" y="0"/>
+            <a:chExt cx="12001500" cy="6858000"/>
+          </a:xfrm>
+          <a:solidFill>
+            <a:schemeClr val="accent4"/>
+          </a:solidFill>
+          <a:effectLst>
+            <a:outerShdw blurRad="127000" dist="25400" dir="12780000" algn="ctr" rotWithShape="0">
+              <a:schemeClr val="tx1">
+                <a:alpha val="59000"/>
+              </a:schemeClr>
+            </a:outerShdw>
+          </a:effectLst>
+        </p:grpSpPr>
+        <p:sp>
+          <p:nvSpPr>
+            <p:cNvPr id="14" name="Rectangle: Rounded Corners 13">
+              <a:extLst>
+                <a:ext uri="{FF2B5EF4-FFF2-40B4-BE49-F238E27FC236}">
+                  <a16:creationId xmlns:a16="http://schemas.microsoft.com/office/drawing/2014/main" id="{0F6A9314-DA6F-4FFC-A1F5-876F8EABF93A}"/>
+                </a:ext>
+              </a:extLst>
+            </p:cNvPr>
+            <p:cNvSpPr/>
+            <p:nvPr/>
+          </p:nvSpPr>
+          <p:spPr>
+            <a:xfrm>
+              <a:off x="190500" y="3009900"/>
+              <a:ext cx="2184400" cy="838200"/>
+            </a:xfrm>
+            <a:prstGeom prst="roundRect">
+              <a:avLst/>
+            </a:prstGeom>
+            <a:grpFill/>
+            <a:ln>
+              <a:noFill/>
+            </a:ln>
+          </p:spPr>
+          <p:style>
+            <a:lnRef idx="2">
+              <a:schemeClr val="accent1">
+                <a:shade val="50000"/>
+              </a:schemeClr>
+            </a:lnRef>
+            <a:fillRef idx="1">
+              <a:schemeClr val="accent1"/>
+            </a:fillRef>
+            <a:effectRef idx="0">
+              <a:schemeClr val="accent1"/>
+            </a:effectRef>
+            <a:fontRef idx="minor">
+              <a:schemeClr val="lt1"/>
+            </a:fontRef>
+          </p:style>
+          <p:txBody>
+            <a:bodyPr vert="vert270" rtlCol="0" anchor="t"/>
+            <a:lstStyle/>
+            <a:p>
+              <a:pPr algn="ctr"/>
+              <a:r>
+                <a:rPr lang="en-US" dirty="0"/>
+                <a:t>Stages</a:t>
+              </a:r>
+              <a:endParaRPr lang="bg-BG" dirty="0"/>
+            </a:p>
+            <a:p>
+              <a:pPr algn="ctr"/>
+              <a:endParaRPr lang="bg-BG" dirty="0"/>
+            </a:p>
+          </p:txBody>
+        </p:sp>
+        <p:sp>
+          <p:nvSpPr>
+            <p:cNvPr id="20" name="Rectangle 19">
+              <a:extLst>
+                <a:ext uri="{FF2B5EF4-FFF2-40B4-BE49-F238E27FC236}">
+                  <a16:creationId xmlns:a16="http://schemas.microsoft.com/office/drawing/2014/main" id="{0172BA64-F84E-4A96-A3B4-03EED0D0E654}"/>
+                </a:ext>
+              </a:extLst>
+            </p:cNvPr>
+            <p:cNvSpPr/>
+            <p:nvPr/>
+          </p:nvSpPr>
+          <p:spPr>
+            <a:xfrm>
+              <a:off x="838200" y="0"/>
+              <a:ext cx="11353800" cy="6858000"/>
+            </a:xfrm>
+            <a:prstGeom prst="rect">
+              <a:avLst/>
+            </a:prstGeom>
+            <a:grpFill/>
+            <a:ln>
+              <a:noFill/>
+            </a:ln>
+          </p:spPr>
+          <p:style>
+            <a:lnRef idx="2">
+              <a:schemeClr val="accent1">
+                <a:shade val="50000"/>
+              </a:schemeClr>
+            </a:lnRef>
+            <a:fillRef idx="1">
+              <a:schemeClr val="accent1"/>
+            </a:fillRef>
+            <a:effectRef idx="0">
+              <a:schemeClr val="accent1"/>
+            </a:effectRef>
+            <a:fontRef idx="minor">
+              <a:schemeClr val="lt1"/>
+            </a:fontRef>
+          </p:style>
+          <p:txBody>
+            <a:bodyPr rtlCol="0" anchor="ctr"/>
+            <a:lstStyle/>
+            <a:p>
+              <a:pPr algn="ctr"/>
+              <a:endParaRPr lang="bg-BG"/>
+            </a:p>
+          </p:txBody>
+        </p:sp>
+      </p:grpSp>
+      <p:grpSp>
+        <p:nvGrpSpPr>
           <p:cNvPr id="19" name="Group 18">
             <a:extLst>
               <a:ext uri="{FF2B5EF4-FFF2-40B4-BE49-F238E27FC236}">
@@ -8994,145 +10888,49 @@
           </p:txBody>
         </p:sp>
       </p:grpSp>
-      <p:grpSp>
-        <p:nvGrpSpPr>
-          <p:cNvPr id="23" name="Group 22">
+      <p:cxnSp>
+        <p:nvCxnSpPr>
+          <p:cNvPr id="29" name="Straight Connector 28">
             <a:extLst>
               <a:ext uri="{FF2B5EF4-FFF2-40B4-BE49-F238E27FC236}">
-                <a16:creationId xmlns:a16="http://schemas.microsoft.com/office/drawing/2014/main" id="{74B213F0-94F0-4AED-8171-E9CAE9E63599}"/>
+                <a16:creationId xmlns:a16="http://schemas.microsoft.com/office/drawing/2014/main" id="{57E709A7-5DF2-4FFA-9497-AE8054BD1FD1}"/>
               </a:ext>
             </a:extLst>
           </p:cNvPr>
-          <p:cNvGrpSpPr/>
+          <p:cNvCxnSpPr>
+            <a:cxnSpLocks/>
+          </p:cNvCxnSpPr>
           <p:nvPr/>
-        </p:nvGrpSpPr>
-        <p:grpSpPr>
+        </p:nvCxnSpPr>
+        <p:spPr>
           <a:xfrm>
-            <a:off x="545125" y="0"/>
-            <a:ext cx="12319000" cy="6858000"/>
-            <a:chOff x="190500" y="0"/>
-            <a:chExt cx="12001500" cy="6858000"/>
+            <a:off x="3081343" y="3485251"/>
+            <a:ext cx="1463373" cy="0"/>
           </a:xfrm>
-          <a:solidFill>
-            <a:schemeClr val="accent4"/>
-          </a:solidFill>
-          <a:effectLst>
-            <a:outerShdw blurRad="127000" dist="25400" dir="12780000" algn="ctr" rotWithShape="0">
-              <a:schemeClr val="tx1">
-                <a:alpha val="59000"/>
-              </a:schemeClr>
-            </a:outerShdw>
-          </a:effectLst>
-        </p:grpSpPr>
-        <p:sp>
-          <p:nvSpPr>
-            <p:cNvPr id="14" name="Rectangle: Rounded Corners 13">
-              <a:extLst>
-                <a:ext uri="{FF2B5EF4-FFF2-40B4-BE49-F238E27FC236}">
-                  <a16:creationId xmlns:a16="http://schemas.microsoft.com/office/drawing/2014/main" id="{0F6A9314-DA6F-4FFC-A1F5-876F8EABF93A}"/>
-                </a:ext>
-              </a:extLst>
-            </p:cNvPr>
-            <p:cNvSpPr/>
-            <p:nvPr/>
-          </p:nvSpPr>
-          <p:spPr>
-            <a:xfrm>
-              <a:off x="190500" y="3009900"/>
-              <a:ext cx="2184400" cy="838200"/>
-            </a:xfrm>
-            <a:prstGeom prst="roundRect">
-              <a:avLst/>
-            </a:prstGeom>
-            <a:grpFill/>
-            <a:ln>
-              <a:noFill/>
-            </a:ln>
-          </p:spPr>
-          <p:style>
-            <a:lnRef idx="2">
-              <a:schemeClr val="accent1">
-                <a:shade val="50000"/>
-              </a:schemeClr>
-            </a:lnRef>
-            <a:fillRef idx="1">
-              <a:schemeClr val="accent1"/>
-            </a:fillRef>
-            <a:effectRef idx="0">
-              <a:schemeClr val="accent1"/>
-            </a:effectRef>
-            <a:fontRef idx="minor">
-              <a:schemeClr val="lt1"/>
-            </a:fontRef>
-          </p:style>
-          <p:txBody>
-            <a:bodyPr vert="vert270" rtlCol="0" anchor="t"/>
-            <a:lstStyle/>
-            <a:p>
-              <a:pPr algn="ctr"/>
-              <a:r>
-                <a:rPr lang="en-US" dirty="0"/>
-                <a:t>Stages</a:t>
-              </a:r>
-              <a:endParaRPr lang="bg-BG" dirty="0"/>
-            </a:p>
-            <a:p>
-              <a:pPr algn="ctr"/>
-              <a:endParaRPr lang="bg-BG" dirty="0"/>
-            </a:p>
-          </p:txBody>
-        </p:sp>
-        <p:sp>
-          <p:nvSpPr>
-            <p:cNvPr id="20" name="Rectangle 19">
-              <a:extLst>
-                <a:ext uri="{FF2B5EF4-FFF2-40B4-BE49-F238E27FC236}">
-                  <a16:creationId xmlns:a16="http://schemas.microsoft.com/office/drawing/2014/main" id="{0172BA64-F84E-4A96-A3B4-03EED0D0E654}"/>
-                </a:ext>
-              </a:extLst>
-            </p:cNvPr>
-            <p:cNvSpPr/>
-            <p:nvPr/>
-          </p:nvSpPr>
-          <p:spPr>
-            <a:xfrm>
-              <a:off x="838200" y="0"/>
-              <a:ext cx="11353800" cy="6858000"/>
-            </a:xfrm>
-            <a:prstGeom prst="rect">
-              <a:avLst/>
-            </a:prstGeom>
-            <a:grpFill/>
-            <a:ln>
-              <a:noFill/>
-            </a:ln>
-          </p:spPr>
-          <p:style>
-            <a:lnRef idx="2">
-              <a:schemeClr val="accent1">
-                <a:shade val="50000"/>
-              </a:schemeClr>
-            </a:lnRef>
-            <a:fillRef idx="1">
-              <a:schemeClr val="accent1"/>
-            </a:fillRef>
-            <a:effectRef idx="0">
-              <a:schemeClr val="accent1"/>
-            </a:effectRef>
-            <a:fontRef idx="minor">
-              <a:schemeClr val="lt1"/>
-            </a:fontRef>
-          </p:style>
-          <p:txBody>
-            <a:bodyPr rtlCol="0" anchor="ctr"/>
-            <a:lstStyle/>
-            <a:p>
-              <a:pPr algn="ctr"/>
-              <a:endParaRPr lang="bg-BG"/>
-            </a:p>
-          </p:txBody>
-        </p:sp>
-      </p:grpSp>
+          <a:prstGeom prst="line">
+            <a:avLst/>
+          </a:prstGeom>
+          <a:ln w="28575">
+            <a:solidFill>
+              <a:srgbClr val="00133A"/>
+            </a:solidFill>
+          </a:ln>
+        </p:spPr>
+        <p:style>
+          <a:lnRef idx="1">
+            <a:schemeClr val="accent1"/>
+          </a:lnRef>
+          <a:fillRef idx="0">
+            <a:schemeClr val="accent1"/>
+          </a:fillRef>
+          <a:effectRef idx="0">
+            <a:schemeClr val="accent1"/>
+          </a:effectRef>
+          <a:fontRef idx="minor">
+            <a:schemeClr val="tx1"/>
+          </a:fontRef>
+        </p:style>
+      </p:cxnSp>
       <p:grpSp>
         <p:nvGrpSpPr>
           <p:cNvPr id="25" name="Group 24">
@@ -9271,6 +11069,1878 @@
             </a:p>
           </p:txBody>
         </p:sp>
+      </p:grpSp>
+      <p:grpSp>
+        <p:nvGrpSpPr>
+          <p:cNvPr id="36" name="Group 35">
+            <a:extLst>
+              <a:ext uri="{FF2B5EF4-FFF2-40B4-BE49-F238E27FC236}">
+                <a16:creationId xmlns:a16="http://schemas.microsoft.com/office/drawing/2014/main" id="{CF24FDFD-829F-4C03-97EF-174868D88350}"/>
+              </a:ext>
+            </a:extLst>
+          </p:cNvPr>
+          <p:cNvGrpSpPr/>
+          <p:nvPr/>
+        </p:nvGrpSpPr>
+        <p:grpSpPr>
+          <a:xfrm>
+            <a:off x="3769933" y="2058441"/>
+            <a:ext cx="1703041" cy="1507457"/>
+            <a:chOff x="3239429" y="2527745"/>
+            <a:chExt cx="1703041" cy="1507457"/>
+          </a:xfrm>
+        </p:grpSpPr>
+        <p:grpSp>
+          <p:nvGrpSpPr>
+            <p:cNvPr id="37" name="Group 36">
+              <a:extLst>
+                <a:ext uri="{FF2B5EF4-FFF2-40B4-BE49-F238E27FC236}">
+                  <a16:creationId xmlns:a16="http://schemas.microsoft.com/office/drawing/2014/main" id="{CD49C818-9B49-4EAF-B16F-FEC132D3F695}"/>
+                </a:ext>
+              </a:extLst>
+            </p:cNvPr>
+            <p:cNvGrpSpPr/>
+            <p:nvPr/>
+          </p:nvGrpSpPr>
+          <p:grpSpPr>
+            <a:xfrm>
+              <a:off x="4014212" y="3873908"/>
+              <a:ext cx="157053" cy="161294"/>
+              <a:chOff x="3855819" y="4248152"/>
+              <a:chExt cx="211094" cy="211094"/>
+            </a:xfrm>
+          </p:grpSpPr>
+          <p:sp>
+            <p:nvSpPr>
+              <p:cNvPr id="43" name="Oval 42">
+                <a:extLst>
+                  <a:ext uri="{FF2B5EF4-FFF2-40B4-BE49-F238E27FC236}">
+                    <a16:creationId xmlns:a16="http://schemas.microsoft.com/office/drawing/2014/main" id="{6E01FB6C-E6F4-40EF-B010-C856F6EAA10C}"/>
+                  </a:ext>
+                </a:extLst>
+              </p:cNvPr>
+              <p:cNvSpPr/>
+              <p:nvPr/>
+            </p:nvSpPr>
+            <p:spPr>
+              <a:xfrm>
+                <a:off x="3855819" y="4248152"/>
+                <a:ext cx="211094" cy="211094"/>
+              </a:xfrm>
+              <a:prstGeom prst="ellipse">
+                <a:avLst/>
+              </a:prstGeom>
+              <a:solidFill>
+                <a:schemeClr val="bg1"/>
+              </a:solidFill>
+              <a:ln>
+                <a:solidFill>
+                  <a:schemeClr val="bg1"/>
+                </a:solidFill>
+              </a:ln>
+            </p:spPr>
+            <p:style>
+              <a:lnRef idx="2">
+                <a:schemeClr val="accent1">
+                  <a:shade val="50000"/>
+                </a:schemeClr>
+              </a:lnRef>
+              <a:fillRef idx="1">
+                <a:schemeClr val="accent1"/>
+              </a:fillRef>
+              <a:effectRef idx="0">
+                <a:schemeClr val="accent1"/>
+              </a:effectRef>
+              <a:fontRef idx="minor">
+                <a:schemeClr val="lt1"/>
+              </a:fontRef>
+            </p:style>
+            <p:txBody>
+              <a:bodyPr rtlCol="0" anchor="ctr"/>
+              <a:lstStyle/>
+              <a:p>
+                <a:pPr algn="ctr"/>
+                <a:endParaRPr lang="en-US"/>
+              </a:p>
+            </p:txBody>
+          </p:sp>
+          <p:sp>
+            <p:nvSpPr>
+              <p:cNvPr id="44" name="Oval 43">
+                <a:extLst>
+                  <a:ext uri="{FF2B5EF4-FFF2-40B4-BE49-F238E27FC236}">
+                    <a16:creationId xmlns:a16="http://schemas.microsoft.com/office/drawing/2014/main" id="{8D0050AA-553F-4342-A85C-81F09893DDD2}"/>
+                  </a:ext>
+                </a:extLst>
+              </p:cNvPr>
+              <p:cNvSpPr/>
+              <p:nvPr/>
+            </p:nvSpPr>
+            <p:spPr>
+              <a:xfrm>
+                <a:off x="3886107" y="4278440"/>
+                <a:ext cx="150518" cy="150518"/>
+              </a:xfrm>
+              <a:prstGeom prst="ellipse">
+                <a:avLst/>
+              </a:prstGeom>
+              <a:solidFill>
+                <a:srgbClr val="7400B8"/>
+              </a:solidFill>
+              <a:ln>
+                <a:solidFill>
+                  <a:srgbClr val="002060"/>
+                </a:solidFill>
+              </a:ln>
+            </p:spPr>
+            <p:style>
+              <a:lnRef idx="2">
+                <a:schemeClr val="accent1">
+                  <a:shade val="50000"/>
+                </a:schemeClr>
+              </a:lnRef>
+              <a:fillRef idx="1">
+                <a:schemeClr val="accent1"/>
+              </a:fillRef>
+              <a:effectRef idx="0">
+                <a:schemeClr val="accent1"/>
+              </a:effectRef>
+              <a:fontRef idx="minor">
+                <a:schemeClr val="lt1"/>
+              </a:fontRef>
+            </p:style>
+            <p:txBody>
+              <a:bodyPr rtlCol="0" anchor="ctr"/>
+              <a:lstStyle/>
+              <a:p>
+                <a:pPr algn="ctr"/>
+                <a:endParaRPr lang="en-US" dirty="0"/>
+              </a:p>
+            </p:txBody>
+          </p:sp>
+        </p:grpSp>
+        <p:grpSp>
+          <p:nvGrpSpPr>
+            <p:cNvPr id="38" name="Group 37">
+              <a:extLst>
+                <a:ext uri="{FF2B5EF4-FFF2-40B4-BE49-F238E27FC236}">
+                  <a16:creationId xmlns:a16="http://schemas.microsoft.com/office/drawing/2014/main" id="{FC30B3AA-9D95-41E8-BDDD-A894B7B9DB3F}"/>
+                </a:ext>
+              </a:extLst>
+            </p:cNvPr>
+            <p:cNvGrpSpPr/>
+            <p:nvPr/>
+          </p:nvGrpSpPr>
+          <p:grpSpPr>
+            <a:xfrm>
+              <a:off x="3239429" y="2527745"/>
+              <a:ext cx="1703041" cy="974732"/>
+              <a:chOff x="3239429" y="2527745"/>
+              <a:chExt cx="1703041" cy="974732"/>
+            </a:xfrm>
+          </p:grpSpPr>
+          <p:grpSp>
+            <p:nvGrpSpPr>
+              <p:cNvPr id="39" name="Group 38">
+                <a:extLst>
+                  <a:ext uri="{FF2B5EF4-FFF2-40B4-BE49-F238E27FC236}">
+                    <a16:creationId xmlns:a16="http://schemas.microsoft.com/office/drawing/2014/main" id="{D913CB85-0D6B-4C99-A30B-D2ABD3E1B129}"/>
+                  </a:ext>
+                </a:extLst>
+              </p:cNvPr>
+              <p:cNvGrpSpPr/>
+              <p:nvPr/>
+            </p:nvGrpSpPr>
+            <p:grpSpPr>
+              <a:xfrm>
+                <a:off x="3615141" y="2527745"/>
+                <a:ext cx="949101" cy="974732"/>
+                <a:chOff x="5242440" y="1755914"/>
+                <a:chExt cx="1275682" cy="1275682"/>
+              </a:xfrm>
+            </p:grpSpPr>
+            <p:sp>
+              <p:nvSpPr>
+                <p:cNvPr id="41" name="Teardrop 40">
+                  <a:extLst>
+                    <a:ext uri="{FF2B5EF4-FFF2-40B4-BE49-F238E27FC236}">
+                      <a16:creationId xmlns:a16="http://schemas.microsoft.com/office/drawing/2014/main" id="{1C971E04-82FF-4CE2-91A3-20013688360D}"/>
+                    </a:ext>
+                  </a:extLst>
+                </p:cNvPr>
+                <p:cNvSpPr/>
+                <p:nvPr/>
+              </p:nvSpPr>
+              <p:spPr>
+                <a:xfrm rot="8100000">
+                  <a:off x="5242440" y="1755914"/>
+                  <a:ext cx="1275682" cy="1275682"/>
+                </a:xfrm>
+                <a:prstGeom prst="teardrop">
+                  <a:avLst>
+                    <a:gd name="adj" fmla="val 109962"/>
+                  </a:avLst>
+                </a:prstGeom>
+                <a:solidFill>
+                  <a:srgbClr val="7400B8"/>
+                </a:solidFill>
+                <a:ln>
+                  <a:solidFill>
+                    <a:srgbClr val="002060"/>
+                  </a:solidFill>
+                </a:ln>
+              </p:spPr>
+              <p:style>
+                <a:lnRef idx="2">
+                  <a:schemeClr val="accent1">
+                    <a:shade val="50000"/>
+                  </a:schemeClr>
+                </a:lnRef>
+                <a:fillRef idx="1">
+                  <a:schemeClr val="accent1"/>
+                </a:fillRef>
+                <a:effectRef idx="0">
+                  <a:schemeClr val="accent1"/>
+                </a:effectRef>
+                <a:fontRef idx="minor">
+                  <a:schemeClr val="lt1"/>
+                </a:fontRef>
+              </p:style>
+              <p:txBody>
+                <a:bodyPr rtlCol="0" anchor="ctr"/>
+                <a:lstStyle/>
+                <a:p>
+                  <a:pPr algn="ctr"/>
+                  <a:endParaRPr lang="en-US" dirty="0"/>
+                </a:p>
+              </p:txBody>
+            </p:sp>
+            <p:sp>
+              <p:nvSpPr>
+                <p:cNvPr id="42" name="Oval 41">
+                  <a:extLst>
+                    <a:ext uri="{FF2B5EF4-FFF2-40B4-BE49-F238E27FC236}">
+                      <a16:creationId xmlns:a16="http://schemas.microsoft.com/office/drawing/2014/main" id="{6F95C582-BE6E-4021-B01B-E27F1EC60C10}"/>
+                    </a:ext>
+                  </a:extLst>
+                </p:cNvPr>
+                <p:cNvSpPr/>
+                <p:nvPr/>
+              </p:nvSpPr>
+              <p:spPr>
+                <a:xfrm>
+                  <a:off x="5436789" y="1948912"/>
+                  <a:ext cx="889686" cy="889686"/>
+                </a:xfrm>
+                <a:prstGeom prst="ellipse">
+                  <a:avLst/>
+                </a:prstGeom>
+                <a:solidFill>
+                  <a:schemeClr val="bg1"/>
+                </a:solidFill>
+                <a:ln>
+                  <a:noFill/>
+                </a:ln>
+              </p:spPr>
+              <p:style>
+                <a:lnRef idx="2">
+                  <a:schemeClr val="accent1">
+                    <a:shade val="50000"/>
+                  </a:schemeClr>
+                </a:lnRef>
+                <a:fillRef idx="1">
+                  <a:schemeClr val="accent1"/>
+                </a:fillRef>
+                <a:effectRef idx="0">
+                  <a:schemeClr val="accent1"/>
+                </a:effectRef>
+                <a:fontRef idx="minor">
+                  <a:schemeClr val="lt1"/>
+                </a:fontRef>
+              </p:style>
+              <p:txBody>
+                <a:bodyPr rtlCol="0" anchor="ctr"/>
+                <a:lstStyle/>
+                <a:p>
+                  <a:pPr algn="ctr"/>
+                  <a:endParaRPr lang="en-US"/>
+                </a:p>
+              </p:txBody>
+            </p:sp>
+          </p:grpSp>
+          <p:sp>
+            <p:nvSpPr>
+              <p:cNvPr id="40" name="TextBox 39">
+                <a:extLst>
+                  <a:ext uri="{FF2B5EF4-FFF2-40B4-BE49-F238E27FC236}">
+                    <a16:creationId xmlns:a16="http://schemas.microsoft.com/office/drawing/2014/main" id="{A25AF93A-7006-44F7-BF38-21C4CFD39A3B}"/>
+                  </a:ext>
+                </a:extLst>
+              </p:cNvPr>
+              <p:cNvSpPr txBox="1"/>
+              <p:nvPr/>
+            </p:nvSpPr>
+            <p:spPr>
+              <a:xfrm>
+                <a:off x="3239429" y="2595332"/>
+                <a:ext cx="1703041" cy="830997"/>
+              </a:xfrm>
+              <a:prstGeom prst="rect">
+                <a:avLst/>
+              </a:prstGeom>
+              <a:noFill/>
+            </p:spPr>
+            <p:txBody>
+              <a:bodyPr wrap="square" rtlCol="0">
+                <a:spAutoFit/>
+              </a:bodyPr>
+              <a:lstStyle/>
+              <a:p>
+                <a:pPr algn="ctr"/>
+                <a:r>
+                  <a:rPr lang="bg-BG" sz="4800" b="1" dirty="0">
+                    <a:solidFill>
+                      <a:sysClr val="windowText" lastClr="000000"/>
+                    </a:solidFill>
+                  </a:rPr>
+                  <a:t>2</a:t>
+                </a:r>
+                <a:endParaRPr lang="en-US" sz="4800" b="1" dirty="0">
+                  <a:solidFill>
+                    <a:sysClr val="windowText" lastClr="000000"/>
+                  </a:solidFill>
+                  <a:latin typeface="Tw Cen MT" panose="020B0602020104020603" pitchFamily="34" charset="0"/>
+                </a:endParaRPr>
+              </a:p>
+            </p:txBody>
+          </p:sp>
+        </p:grpSp>
+      </p:grpSp>
+      <p:cxnSp>
+        <p:nvCxnSpPr>
+          <p:cNvPr id="87" name="Straight Connector 86">
+            <a:extLst>
+              <a:ext uri="{FF2B5EF4-FFF2-40B4-BE49-F238E27FC236}">
+                <a16:creationId xmlns:a16="http://schemas.microsoft.com/office/drawing/2014/main" id="{2BFFE601-9CCC-42F6-9C48-AD8D78A5DECB}"/>
+              </a:ext>
+            </a:extLst>
+          </p:cNvPr>
+          <p:cNvCxnSpPr>
+            <a:cxnSpLocks/>
+          </p:cNvCxnSpPr>
+          <p:nvPr/>
+        </p:nvCxnSpPr>
+        <p:spPr>
+          <a:xfrm>
+            <a:off x="4679234" y="3485251"/>
+            <a:ext cx="1463373" cy="0"/>
+          </a:xfrm>
+          <a:prstGeom prst="line">
+            <a:avLst/>
+          </a:prstGeom>
+          <a:ln w="28575">
+            <a:solidFill>
+              <a:schemeClr val="accent1">
+                <a:lumMod val="60000"/>
+                <a:lumOff val="40000"/>
+              </a:schemeClr>
+            </a:solidFill>
+          </a:ln>
+        </p:spPr>
+        <p:style>
+          <a:lnRef idx="1">
+            <a:schemeClr val="accent1"/>
+          </a:lnRef>
+          <a:fillRef idx="0">
+            <a:schemeClr val="accent1"/>
+          </a:fillRef>
+          <a:effectRef idx="0">
+            <a:schemeClr val="accent1"/>
+          </a:effectRef>
+          <a:fontRef idx="minor">
+            <a:schemeClr val="tx1"/>
+          </a:fontRef>
+        </p:style>
+      </p:cxnSp>
+      <p:cxnSp>
+        <p:nvCxnSpPr>
+          <p:cNvPr id="88" name="Straight Connector 87">
+            <a:extLst>
+              <a:ext uri="{FF2B5EF4-FFF2-40B4-BE49-F238E27FC236}">
+                <a16:creationId xmlns:a16="http://schemas.microsoft.com/office/drawing/2014/main" id="{0D9893F8-7D40-4DAB-84BC-2C269967A63F}"/>
+              </a:ext>
+            </a:extLst>
+          </p:cNvPr>
+          <p:cNvCxnSpPr>
+            <a:cxnSpLocks/>
+          </p:cNvCxnSpPr>
+          <p:nvPr/>
+        </p:nvCxnSpPr>
+        <p:spPr>
+          <a:xfrm>
+            <a:off x="7881890" y="3485251"/>
+            <a:ext cx="1463373" cy="0"/>
+          </a:xfrm>
+          <a:prstGeom prst="line">
+            <a:avLst/>
+          </a:prstGeom>
+          <a:ln w="28575">
+            <a:solidFill>
+              <a:schemeClr val="bg2">
+                <a:lumMod val="75000"/>
+              </a:schemeClr>
+            </a:solidFill>
+          </a:ln>
+        </p:spPr>
+        <p:style>
+          <a:lnRef idx="1">
+            <a:schemeClr val="accent1"/>
+          </a:lnRef>
+          <a:fillRef idx="0">
+            <a:schemeClr val="accent1"/>
+          </a:fillRef>
+          <a:effectRef idx="0">
+            <a:schemeClr val="accent1"/>
+          </a:effectRef>
+          <a:fontRef idx="minor">
+            <a:schemeClr val="tx1"/>
+          </a:fontRef>
+        </p:style>
+      </p:cxnSp>
+      <p:cxnSp>
+        <p:nvCxnSpPr>
+          <p:cNvPr id="89" name="Straight Connector 88">
+            <a:extLst>
+              <a:ext uri="{FF2B5EF4-FFF2-40B4-BE49-F238E27FC236}">
+                <a16:creationId xmlns:a16="http://schemas.microsoft.com/office/drawing/2014/main" id="{89D1686F-D083-488A-B46D-1B5C0D49FF74}"/>
+              </a:ext>
+            </a:extLst>
+          </p:cNvPr>
+          <p:cNvCxnSpPr>
+            <a:cxnSpLocks/>
+          </p:cNvCxnSpPr>
+          <p:nvPr/>
+        </p:nvCxnSpPr>
+        <p:spPr>
+          <a:xfrm>
+            <a:off x="6284957" y="3485251"/>
+            <a:ext cx="1463373" cy="0"/>
+          </a:xfrm>
+          <a:prstGeom prst="line">
+            <a:avLst/>
+          </a:prstGeom>
+          <a:ln w="28575">
+            <a:solidFill>
+              <a:schemeClr val="accent6">
+                <a:lumMod val="75000"/>
+              </a:schemeClr>
+            </a:solidFill>
+          </a:ln>
+        </p:spPr>
+        <p:style>
+          <a:lnRef idx="1">
+            <a:schemeClr val="accent1"/>
+          </a:lnRef>
+          <a:fillRef idx="0">
+            <a:schemeClr val="accent1"/>
+          </a:fillRef>
+          <a:effectRef idx="0">
+            <a:schemeClr val="accent1"/>
+          </a:effectRef>
+          <a:fontRef idx="minor">
+            <a:schemeClr val="tx1"/>
+          </a:fontRef>
+        </p:style>
+      </p:cxnSp>
+      <p:grpSp>
+        <p:nvGrpSpPr>
+          <p:cNvPr id="45" name="Group 44">
+            <a:extLst>
+              <a:ext uri="{FF2B5EF4-FFF2-40B4-BE49-F238E27FC236}">
+                <a16:creationId xmlns:a16="http://schemas.microsoft.com/office/drawing/2014/main" id="{93D9B648-9E3E-4CD0-BFE9-468E03149D73}"/>
+              </a:ext>
+            </a:extLst>
+          </p:cNvPr>
+          <p:cNvGrpSpPr/>
+          <p:nvPr/>
+        </p:nvGrpSpPr>
+        <p:grpSpPr>
+          <a:xfrm>
+            <a:off x="5728516" y="2069601"/>
+            <a:ext cx="949101" cy="1501690"/>
+            <a:chOff x="5177865" y="2533512"/>
+            <a:chExt cx="949101" cy="1501690"/>
+          </a:xfrm>
+        </p:grpSpPr>
+        <p:grpSp>
+          <p:nvGrpSpPr>
+            <p:cNvPr id="46" name="Group 45">
+              <a:extLst>
+                <a:ext uri="{FF2B5EF4-FFF2-40B4-BE49-F238E27FC236}">
+                  <a16:creationId xmlns:a16="http://schemas.microsoft.com/office/drawing/2014/main" id="{31D3163F-E156-458D-9A20-902DBB03F5B5}"/>
+                </a:ext>
+              </a:extLst>
+            </p:cNvPr>
+            <p:cNvGrpSpPr/>
+            <p:nvPr/>
+          </p:nvGrpSpPr>
+          <p:grpSpPr>
+            <a:xfrm>
+              <a:off x="5589569" y="3873908"/>
+              <a:ext cx="157053" cy="161294"/>
+              <a:chOff x="5973250" y="4248152"/>
+              <a:chExt cx="211094" cy="211094"/>
+            </a:xfrm>
+          </p:grpSpPr>
+          <p:sp>
+            <p:nvSpPr>
+              <p:cNvPr id="52" name="Oval 51">
+                <a:extLst>
+                  <a:ext uri="{FF2B5EF4-FFF2-40B4-BE49-F238E27FC236}">
+                    <a16:creationId xmlns:a16="http://schemas.microsoft.com/office/drawing/2014/main" id="{6C9FBD10-C6DD-431C-AB9E-D1BC7489DEAF}"/>
+                  </a:ext>
+                </a:extLst>
+              </p:cNvPr>
+              <p:cNvSpPr/>
+              <p:nvPr/>
+            </p:nvSpPr>
+            <p:spPr>
+              <a:xfrm>
+                <a:off x="5973250" y="4248152"/>
+                <a:ext cx="211094" cy="211094"/>
+              </a:xfrm>
+              <a:prstGeom prst="ellipse">
+                <a:avLst/>
+              </a:prstGeom>
+              <a:solidFill>
+                <a:schemeClr val="bg1"/>
+              </a:solidFill>
+              <a:ln>
+                <a:solidFill>
+                  <a:schemeClr val="bg1"/>
+                </a:solidFill>
+              </a:ln>
+            </p:spPr>
+            <p:style>
+              <a:lnRef idx="2">
+                <a:schemeClr val="accent1">
+                  <a:shade val="50000"/>
+                </a:schemeClr>
+              </a:lnRef>
+              <a:fillRef idx="1">
+                <a:schemeClr val="accent1"/>
+              </a:fillRef>
+              <a:effectRef idx="0">
+                <a:schemeClr val="accent1"/>
+              </a:effectRef>
+              <a:fontRef idx="minor">
+                <a:schemeClr val="lt1"/>
+              </a:fontRef>
+            </p:style>
+            <p:txBody>
+              <a:bodyPr rtlCol="0" anchor="ctr"/>
+              <a:lstStyle/>
+              <a:p>
+                <a:pPr algn="ctr"/>
+                <a:endParaRPr lang="en-US"/>
+              </a:p>
+            </p:txBody>
+          </p:sp>
+          <p:sp>
+            <p:nvSpPr>
+              <p:cNvPr id="53" name="Oval 52">
+                <a:extLst>
+                  <a:ext uri="{FF2B5EF4-FFF2-40B4-BE49-F238E27FC236}">
+                    <a16:creationId xmlns:a16="http://schemas.microsoft.com/office/drawing/2014/main" id="{53949DAF-3929-456B-B7E8-9400F7CA7C7C}"/>
+                  </a:ext>
+                </a:extLst>
+              </p:cNvPr>
+              <p:cNvSpPr/>
+              <p:nvPr/>
+            </p:nvSpPr>
+            <p:spPr>
+              <a:xfrm>
+                <a:off x="6003538" y="4278440"/>
+                <a:ext cx="150518" cy="150518"/>
+              </a:xfrm>
+              <a:prstGeom prst="ellipse">
+                <a:avLst/>
+              </a:prstGeom>
+              <a:solidFill>
+                <a:srgbClr val="5390D9"/>
+              </a:solidFill>
+              <a:ln>
+                <a:solidFill>
+                  <a:srgbClr val="002060"/>
+                </a:solidFill>
+              </a:ln>
+            </p:spPr>
+            <p:style>
+              <a:lnRef idx="2">
+                <a:schemeClr val="accent1">
+                  <a:shade val="50000"/>
+                </a:schemeClr>
+              </a:lnRef>
+              <a:fillRef idx="1">
+                <a:schemeClr val="accent1"/>
+              </a:fillRef>
+              <a:effectRef idx="0">
+                <a:schemeClr val="accent1"/>
+              </a:effectRef>
+              <a:fontRef idx="minor">
+                <a:schemeClr val="lt1"/>
+              </a:fontRef>
+            </p:style>
+            <p:txBody>
+              <a:bodyPr rtlCol="0" anchor="ctr"/>
+              <a:lstStyle/>
+              <a:p>
+                <a:pPr algn="ctr"/>
+                <a:endParaRPr lang="en-US"/>
+              </a:p>
+            </p:txBody>
+          </p:sp>
+        </p:grpSp>
+        <p:grpSp>
+          <p:nvGrpSpPr>
+            <p:cNvPr id="47" name="Group 46">
+              <a:extLst>
+                <a:ext uri="{FF2B5EF4-FFF2-40B4-BE49-F238E27FC236}">
+                  <a16:creationId xmlns:a16="http://schemas.microsoft.com/office/drawing/2014/main" id="{2CE136BF-9B8E-4C5A-A98A-BFB92569883D}"/>
+                </a:ext>
+              </a:extLst>
+            </p:cNvPr>
+            <p:cNvGrpSpPr/>
+            <p:nvPr/>
+          </p:nvGrpSpPr>
+          <p:grpSpPr>
+            <a:xfrm>
+              <a:off x="5177865" y="2533512"/>
+              <a:ext cx="949101" cy="974732"/>
+              <a:chOff x="5177865" y="2533512"/>
+              <a:chExt cx="949101" cy="974732"/>
+            </a:xfrm>
+          </p:grpSpPr>
+          <p:grpSp>
+            <p:nvGrpSpPr>
+              <p:cNvPr id="48" name="Group 47">
+                <a:extLst>
+                  <a:ext uri="{FF2B5EF4-FFF2-40B4-BE49-F238E27FC236}">
+                    <a16:creationId xmlns:a16="http://schemas.microsoft.com/office/drawing/2014/main" id="{A1A2EE73-B73A-4210-8FF8-53F2A89C63C6}"/>
+                  </a:ext>
+                </a:extLst>
+              </p:cNvPr>
+              <p:cNvGrpSpPr/>
+              <p:nvPr/>
+            </p:nvGrpSpPr>
+            <p:grpSpPr>
+              <a:xfrm>
+                <a:off x="5177865" y="2533512"/>
+                <a:ext cx="949101" cy="974732"/>
+                <a:chOff x="7353181" y="1755914"/>
+                <a:chExt cx="1275682" cy="1275682"/>
+              </a:xfrm>
+            </p:grpSpPr>
+            <p:sp>
+              <p:nvSpPr>
+                <p:cNvPr id="50" name="Teardrop 49">
+                  <a:extLst>
+                    <a:ext uri="{FF2B5EF4-FFF2-40B4-BE49-F238E27FC236}">
+                      <a16:creationId xmlns:a16="http://schemas.microsoft.com/office/drawing/2014/main" id="{E887F2F6-AFFF-41E0-BE12-6517517FEF40}"/>
+                    </a:ext>
+                  </a:extLst>
+                </p:cNvPr>
+                <p:cNvSpPr/>
+                <p:nvPr/>
+              </p:nvSpPr>
+              <p:spPr>
+                <a:xfrm rot="8100000">
+                  <a:off x="7353181" y="1755914"/>
+                  <a:ext cx="1275682" cy="1275682"/>
+                </a:xfrm>
+                <a:prstGeom prst="teardrop">
+                  <a:avLst>
+                    <a:gd name="adj" fmla="val 109962"/>
+                  </a:avLst>
+                </a:prstGeom>
+                <a:solidFill>
+                  <a:srgbClr val="5E60CE"/>
+                </a:solidFill>
+                <a:ln>
+                  <a:solidFill>
+                    <a:srgbClr val="00133A"/>
+                  </a:solidFill>
+                </a:ln>
+              </p:spPr>
+              <p:style>
+                <a:lnRef idx="2">
+                  <a:schemeClr val="accent1">
+                    <a:shade val="50000"/>
+                  </a:schemeClr>
+                </a:lnRef>
+                <a:fillRef idx="1">
+                  <a:schemeClr val="accent1"/>
+                </a:fillRef>
+                <a:effectRef idx="0">
+                  <a:schemeClr val="accent1"/>
+                </a:effectRef>
+                <a:fontRef idx="minor">
+                  <a:schemeClr val="lt1"/>
+                </a:fontRef>
+              </p:style>
+              <p:txBody>
+                <a:bodyPr rtlCol="0" anchor="ctr"/>
+                <a:lstStyle/>
+                <a:p>
+                  <a:pPr algn="ctr"/>
+                  <a:endParaRPr lang="en-US"/>
+                </a:p>
+              </p:txBody>
+            </p:sp>
+            <p:sp>
+              <p:nvSpPr>
+                <p:cNvPr id="51" name="Oval 50">
+                  <a:extLst>
+                    <a:ext uri="{FF2B5EF4-FFF2-40B4-BE49-F238E27FC236}">
+                      <a16:creationId xmlns:a16="http://schemas.microsoft.com/office/drawing/2014/main" id="{605F4883-C2A6-4269-88D5-734353A98D47}"/>
+                    </a:ext>
+                  </a:extLst>
+                </p:cNvPr>
+                <p:cNvSpPr/>
+                <p:nvPr/>
+              </p:nvSpPr>
+              <p:spPr>
+                <a:xfrm>
+                  <a:off x="7547530" y="1948912"/>
+                  <a:ext cx="889686" cy="889686"/>
+                </a:xfrm>
+                <a:prstGeom prst="ellipse">
+                  <a:avLst/>
+                </a:prstGeom>
+                <a:solidFill>
+                  <a:schemeClr val="bg1"/>
+                </a:solidFill>
+                <a:ln>
+                  <a:noFill/>
+                </a:ln>
+              </p:spPr>
+              <p:style>
+                <a:lnRef idx="2">
+                  <a:schemeClr val="accent1">
+                    <a:shade val="50000"/>
+                  </a:schemeClr>
+                </a:lnRef>
+                <a:fillRef idx="1">
+                  <a:schemeClr val="accent1"/>
+                </a:fillRef>
+                <a:effectRef idx="0">
+                  <a:schemeClr val="accent1"/>
+                </a:effectRef>
+                <a:fontRef idx="minor">
+                  <a:schemeClr val="lt1"/>
+                </a:fontRef>
+              </p:style>
+              <p:txBody>
+                <a:bodyPr rtlCol="0" anchor="ctr"/>
+                <a:lstStyle/>
+                <a:p>
+                  <a:pPr algn="ctr"/>
+                  <a:endParaRPr lang="en-US"/>
+                </a:p>
+              </p:txBody>
+            </p:sp>
+          </p:grpSp>
+          <p:sp>
+            <p:nvSpPr>
+              <p:cNvPr id="49" name="TextBox 48">
+                <a:extLst>
+                  <a:ext uri="{FF2B5EF4-FFF2-40B4-BE49-F238E27FC236}">
+                    <a16:creationId xmlns:a16="http://schemas.microsoft.com/office/drawing/2014/main" id="{55C32883-9BAD-41D5-82F7-7BE56A374523}"/>
+                  </a:ext>
+                </a:extLst>
+              </p:cNvPr>
+              <p:cNvSpPr txBox="1"/>
+              <p:nvPr/>
+            </p:nvSpPr>
+            <p:spPr>
+              <a:xfrm>
+                <a:off x="5266196" y="2618278"/>
+                <a:ext cx="781018" cy="830998"/>
+              </a:xfrm>
+              <a:prstGeom prst="rect">
+                <a:avLst/>
+              </a:prstGeom>
+              <a:noFill/>
+            </p:spPr>
+            <p:txBody>
+              <a:bodyPr wrap="square" rtlCol="0">
+                <a:spAutoFit/>
+              </a:bodyPr>
+              <a:lstStyle>
+                <a:defPPr>
+                  <a:defRPr lang="bg-BG"/>
+                </a:defPPr>
+                <a:lvl1pPr algn="ctr">
+                  <a:defRPr sz="6600" b="1">
+                    <a:solidFill>
+                      <a:srgbClr val="B093ED"/>
+                    </a:solidFill>
+                  </a:defRPr>
+                </a:lvl1pPr>
+              </a:lstStyle>
+              <a:p>
+                <a:r>
+                  <a:rPr lang="bg-BG" sz="4800" dirty="0">
+                    <a:solidFill>
+                      <a:sysClr val="windowText" lastClr="000000"/>
+                    </a:solidFill>
+                  </a:rPr>
+                  <a:t>3</a:t>
+                </a:r>
+                <a:endParaRPr lang="en-US" sz="4800" dirty="0">
+                  <a:solidFill>
+                    <a:sysClr val="windowText" lastClr="000000"/>
+                  </a:solidFill>
+                </a:endParaRPr>
+              </a:p>
+            </p:txBody>
+          </p:sp>
+        </p:grpSp>
+      </p:grpSp>
+      <p:grpSp>
+        <p:nvGrpSpPr>
+          <p:cNvPr id="54" name="Group 53">
+            <a:extLst>
+              <a:ext uri="{FF2B5EF4-FFF2-40B4-BE49-F238E27FC236}">
+                <a16:creationId xmlns:a16="http://schemas.microsoft.com/office/drawing/2014/main" id="{E696B75E-44E3-4814-91B8-1B78F2DA679F}"/>
+              </a:ext>
+            </a:extLst>
+          </p:cNvPr>
+          <p:cNvGrpSpPr/>
+          <p:nvPr/>
+        </p:nvGrpSpPr>
+        <p:grpSpPr>
+          <a:xfrm>
+            <a:off x="6964926" y="2063048"/>
+            <a:ext cx="1703041" cy="1507457"/>
+            <a:chOff x="6435381" y="2511044"/>
+            <a:chExt cx="1703041" cy="1507457"/>
+          </a:xfrm>
+        </p:grpSpPr>
+        <p:grpSp>
+          <p:nvGrpSpPr>
+            <p:cNvPr id="55" name="Group 54">
+              <a:extLst>
+                <a:ext uri="{FF2B5EF4-FFF2-40B4-BE49-F238E27FC236}">
+                  <a16:creationId xmlns:a16="http://schemas.microsoft.com/office/drawing/2014/main" id="{92142D57-A412-4E3F-BDA4-465FB8030634}"/>
+                </a:ext>
+              </a:extLst>
+            </p:cNvPr>
+            <p:cNvGrpSpPr/>
+            <p:nvPr/>
+          </p:nvGrpSpPr>
+          <p:grpSpPr>
+            <a:xfrm>
+              <a:off x="7217826" y="3857207"/>
+              <a:ext cx="157053" cy="161294"/>
+              <a:chOff x="1677812" y="4248152"/>
+              <a:chExt cx="211094" cy="211094"/>
+            </a:xfrm>
+          </p:grpSpPr>
+          <p:sp>
+            <p:nvSpPr>
+              <p:cNvPr id="61" name="Oval 60">
+                <a:extLst>
+                  <a:ext uri="{FF2B5EF4-FFF2-40B4-BE49-F238E27FC236}">
+                    <a16:creationId xmlns:a16="http://schemas.microsoft.com/office/drawing/2014/main" id="{6920C457-6C20-4108-AF73-D4C22736C272}"/>
+                  </a:ext>
+                </a:extLst>
+              </p:cNvPr>
+              <p:cNvSpPr/>
+              <p:nvPr/>
+            </p:nvSpPr>
+            <p:spPr>
+              <a:xfrm>
+                <a:off x="1677812" y="4248152"/>
+                <a:ext cx="211094" cy="211094"/>
+              </a:xfrm>
+              <a:prstGeom prst="ellipse">
+                <a:avLst/>
+              </a:prstGeom>
+              <a:solidFill>
+                <a:schemeClr val="bg1"/>
+              </a:solidFill>
+              <a:ln>
+                <a:solidFill>
+                  <a:schemeClr val="bg1"/>
+                </a:solidFill>
+              </a:ln>
+            </p:spPr>
+            <p:style>
+              <a:lnRef idx="2">
+                <a:schemeClr val="accent1">
+                  <a:shade val="50000"/>
+                </a:schemeClr>
+              </a:lnRef>
+              <a:fillRef idx="1">
+                <a:schemeClr val="accent1"/>
+              </a:fillRef>
+              <a:effectRef idx="0">
+                <a:schemeClr val="accent1"/>
+              </a:effectRef>
+              <a:fontRef idx="minor">
+                <a:schemeClr val="lt1"/>
+              </a:fontRef>
+            </p:style>
+            <p:txBody>
+              <a:bodyPr rtlCol="0" anchor="ctr"/>
+              <a:lstStyle/>
+              <a:p>
+                <a:pPr algn="ctr"/>
+                <a:endParaRPr lang="en-US"/>
+              </a:p>
+            </p:txBody>
+          </p:sp>
+          <p:sp>
+            <p:nvSpPr>
+              <p:cNvPr id="62" name="Oval 61">
+                <a:extLst>
+                  <a:ext uri="{FF2B5EF4-FFF2-40B4-BE49-F238E27FC236}">
+                    <a16:creationId xmlns:a16="http://schemas.microsoft.com/office/drawing/2014/main" id="{057D3FAD-4B54-4627-BAD7-E6A1D632012C}"/>
+                  </a:ext>
+                </a:extLst>
+              </p:cNvPr>
+              <p:cNvSpPr/>
+              <p:nvPr/>
+            </p:nvSpPr>
+            <p:spPr>
+              <a:xfrm>
+                <a:off x="1708100" y="4278440"/>
+                <a:ext cx="150518" cy="150518"/>
+              </a:xfrm>
+              <a:prstGeom prst="ellipse">
+                <a:avLst/>
+              </a:prstGeom>
+              <a:solidFill>
+                <a:srgbClr val="5390D9"/>
+              </a:solidFill>
+              <a:ln>
+                <a:solidFill>
+                  <a:srgbClr val="002060"/>
+                </a:solidFill>
+              </a:ln>
+            </p:spPr>
+            <p:style>
+              <a:lnRef idx="2">
+                <a:schemeClr val="accent1">
+                  <a:shade val="50000"/>
+                </a:schemeClr>
+              </a:lnRef>
+              <a:fillRef idx="1">
+                <a:schemeClr val="accent1"/>
+              </a:fillRef>
+              <a:effectRef idx="0">
+                <a:schemeClr val="accent1"/>
+              </a:effectRef>
+              <a:fontRef idx="minor">
+                <a:schemeClr val="lt1"/>
+              </a:fontRef>
+            </p:style>
+            <p:txBody>
+              <a:bodyPr rtlCol="0" anchor="ctr"/>
+              <a:lstStyle/>
+              <a:p>
+                <a:pPr algn="ctr"/>
+                <a:endParaRPr lang="en-US" dirty="0">
+                  <a:solidFill>
+                    <a:srgbClr val="B093ED"/>
+                  </a:solidFill>
+                </a:endParaRPr>
+              </a:p>
+            </p:txBody>
+          </p:sp>
+        </p:grpSp>
+        <p:grpSp>
+          <p:nvGrpSpPr>
+            <p:cNvPr id="56" name="Group 55">
+              <a:extLst>
+                <a:ext uri="{FF2B5EF4-FFF2-40B4-BE49-F238E27FC236}">
+                  <a16:creationId xmlns:a16="http://schemas.microsoft.com/office/drawing/2014/main" id="{21E32282-61CC-4663-B791-22DA302A6A06}"/>
+                </a:ext>
+              </a:extLst>
+            </p:cNvPr>
+            <p:cNvGrpSpPr/>
+            <p:nvPr/>
+          </p:nvGrpSpPr>
+          <p:grpSpPr>
+            <a:xfrm>
+              <a:off x="6435381" y="2511044"/>
+              <a:ext cx="1703041" cy="974732"/>
+              <a:chOff x="6435381" y="2511044"/>
+              <a:chExt cx="1703041" cy="974732"/>
+            </a:xfrm>
+          </p:grpSpPr>
+          <p:grpSp>
+            <p:nvGrpSpPr>
+              <p:cNvPr id="57" name="Group 56">
+                <a:extLst>
+                  <a:ext uri="{FF2B5EF4-FFF2-40B4-BE49-F238E27FC236}">
+                    <a16:creationId xmlns:a16="http://schemas.microsoft.com/office/drawing/2014/main" id="{EBA1BC3F-AD6F-466B-8BD4-F58AA46DC90F}"/>
+                  </a:ext>
+                </a:extLst>
+              </p:cNvPr>
+              <p:cNvGrpSpPr/>
+              <p:nvPr/>
+            </p:nvGrpSpPr>
+            <p:grpSpPr>
+              <a:xfrm>
+                <a:off x="6817779" y="2511044"/>
+                <a:ext cx="949101" cy="974732"/>
+                <a:chOff x="3063120" y="1755914"/>
+                <a:chExt cx="1275682" cy="1275682"/>
+              </a:xfrm>
+            </p:grpSpPr>
+            <p:sp>
+              <p:nvSpPr>
+                <p:cNvPr id="59" name="Teardrop 58">
+                  <a:extLst>
+                    <a:ext uri="{FF2B5EF4-FFF2-40B4-BE49-F238E27FC236}">
+                      <a16:creationId xmlns:a16="http://schemas.microsoft.com/office/drawing/2014/main" id="{721FC081-4085-4135-807A-4A35B6EE976B}"/>
+                    </a:ext>
+                  </a:extLst>
+                </p:cNvPr>
+                <p:cNvSpPr/>
+                <p:nvPr/>
+              </p:nvSpPr>
+              <p:spPr>
+                <a:xfrm rot="8100000">
+                  <a:off x="3063120" y="1755914"/>
+                  <a:ext cx="1275682" cy="1275682"/>
+                </a:xfrm>
+                <a:prstGeom prst="teardrop">
+                  <a:avLst>
+                    <a:gd name="adj" fmla="val 109962"/>
+                  </a:avLst>
+                </a:prstGeom>
+                <a:solidFill>
+                  <a:srgbClr val="48BEE2"/>
+                </a:solidFill>
+                <a:ln>
+                  <a:solidFill>
+                    <a:srgbClr val="002060"/>
+                  </a:solidFill>
+                </a:ln>
+              </p:spPr>
+              <p:style>
+                <a:lnRef idx="2">
+                  <a:schemeClr val="accent1">
+                    <a:shade val="50000"/>
+                  </a:schemeClr>
+                </a:lnRef>
+                <a:fillRef idx="1">
+                  <a:schemeClr val="accent1"/>
+                </a:fillRef>
+                <a:effectRef idx="0">
+                  <a:schemeClr val="accent1"/>
+                </a:effectRef>
+                <a:fontRef idx="minor">
+                  <a:schemeClr val="lt1"/>
+                </a:fontRef>
+              </p:style>
+              <p:txBody>
+                <a:bodyPr rtlCol="0" anchor="ctr"/>
+                <a:lstStyle/>
+                <a:p>
+                  <a:pPr algn="ctr"/>
+                  <a:endParaRPr lang="en-US"/>
+                </a:p>
+              </p:txBody>
+            </p:sp>
+            <p:sp>
+              <p:nvSpPr>
+                <p:cNvPr id="60" name="Oval 59">
+                  <a:extLst>
+                    <a:ext uri="{FF2B5EF4-FFF2-40B4-BE49-F238E27FC236}">
+                      <a16:creationId xmlns:a16="http://schemas.microsoft.com/office/drawing/2014/main" id="{FB7586A7-5687-47DA-9277-52D5021271DD}"/>
+                    </a:ext>
+                  </a:extLst>
+                </p:cNvPr>
+                <p:cNvSpPr/>
+                <p:nvPr/>
+              </p:nvSpPr>
+              <p:spPr>
+                <a:xfrm>
+                  <a:off x="3257469" y="1948912"/>
+                  <a:ext cx="889686" cy="889686"/>
+                </a:xfrm>
+                <a:prstGeom prst="ellipse">
+                  <a:avLst/>
+                </a:prstGeom>
+                <a:solidFill>
+                  <a:schemeClr val="bg1"/>
+                </a:solidFill>
+                <a:ln>
+                  <a:noFill/>
+                </a:ln>
+              </p:spPr>
+              <p:style>
+                <a:lnRef idx="2">
+                  <a:schemeClr val="accent1">
+                    <a:shade val="50000"/>
+                  </a:schemeClr>
+                </a:lnRef>
+                <a:fillRef idx="1">
+                  <a:schemeClr val="accent1"/>
+                </a:fillRef>
+                <a:effectRef idx="0">
+                  <a:schemeClr val="accent1"/>
+                </a:effectRef>
+                <a:fontRef idx="minor">
+                  <a:schemeClr val="lt1"/>
+                </a:fontRef>
+              </p:style>
+              <p:txBody>
+                <a:bodyPr rtlCol="0" anchor="ctr"/>
+                <a:lstStyle/>
+                <a:p>
+                  <a:pPr algn="ctr"/>
+                  <a:endParaRPr lang="en-US"/>
+                </a:p>
+              </p:txBody>
+            </p:sp>
+          </p:grpSp>
+          <p:sp>
+            <p:nvSpPr>
+              <p:cNvPr id="58" name="TextBox 57">
+                <a:extLst>
+                  <a:ext uri="{FF2B5EF4-FFF2-40B4-BE49-F238E27FC236}">
+                    <a16:creationId xmlns:a16="http://schemas.microsoft.com/office/drawing/2014/main" id="{EFE34C20-367A-45A1-BC77-021CF170C3F7}"/>
+                  </a:ext>
+                </a:extLst>
+              </p:cNvPr>
+              <p:cNvSpPr txBox="1"/>
+              <p:nvPr/>
+            </p:nvSpPr>
+            <p:spPr>
+              <a:xfrm>
+                <a:off x="6435381" y="2567311"/>
+                <a:ext cx="1703041" cy="830997"/>
+              </a:xfrm>
+              <a:prstGeom prst="rect">
+                <a:avLst/>
+              </a:prstGeom>
+              <a:noFill/>
+            </p:spPr>
+            <p:txBody>
+              <a:bodyPr wrap="square" rtlCol="0">
+                <a:spAutoFit/>
+              </a:bodyPr>
+              <a:lstStyle/>
+              <a:p>
+                <a:pPr algn="ctr"/>
+                <a:r>
+                  <a:rPr lang="en-US" sz="4800" b="1" dirty="0">
+                    <a:solidFill>
+                      <a:sysClr val="windowText" lastClr="000000"/>
+                    </a:solidFill>
+                  </a:rPr>
+                  <a:t>4</a:t>
+                </a:r>
+              </a:p>
+            </p:txBody>
+          </p:sp>
+        </p:grpSp>
+      </p:grpSp>
+      <p:grpSp>
+        <p:nvGrpSpPr>
+          <p:cNvPr id="63" name="Group 62">
+            <a:extLst>
+              <a:ext uri="{FF2B5EF4-FFF2-40B4-BE49-F238E27FC236}">
+                <a16:creationId xmlns:a16="http://schemas.microsoft.com/office/drawing/2014/main" id="{D99B4075-4925-4387-89D2-F41DBC361D4B}"/>
+              </a:ext>
+            </a:extLst>
+          </p:cNvPr>
+          <p:cNvGrpSpPr/>
+          <p:nvPr/>
+        </p:nvGrpSpPr>
+        <p:grpSpPr>
+          <a:xfrm>
+            <a:off x="8574870" y="2058441"/>
+            <a:ext cx="1703041" cy="1507457"/>
+            <a:chOff x="8069346" y="2511044"/>
+            <a:chExt cx="1703041" cy="1507457"/>
+          </a:xfrm>
+        </p:grpSpPr>
+        <p:grpSp>
+          <p:nvGrpSpPr>
+            <p:cNvPr id="64" name="Group 63">
+              <a:extLst>
+                <a:ext uri="{FF2B5EF4-FFF2-40B4-BE49-F238E27FC236}">
+                  <a16:creationId xmlns:a16="http://schemas.microsoft.com/office/drawing/2014/main" id="{7CC31B01-5693-4788-86EB-79DBC12DFC1C}"/>
+                </a:ext>
+              </a:extLst>
+            </p:cNvPr>
+            <p:cNvGrpSpPr/>
+            <p:nvPr/>
+          </p:nvGrpSpPr>
+          <p:grpSpPr>
+            <a:xfrm>
+              <a:off x="8838252" y="3857207"/>
+              <a:ext cx="157053" cy="161294"/>
+              <a:chOff x="3855819" y="4248152"/>
+              <a:chExt cx="211094" cy="211094"/>
+            </a:xfrm>
+          </p:grpSpPr>
+          <p:sp>
+            <p:nvSpPr>
+              <p:cNvPr id="70" name="Oval 69">
+                <a:extLst>
+                  <a:ext uri="{FF2B5EF4-FFF2-40B4-BE49-F238E27FC236}">
+                    <a16:creationId xmlns:a16="http://schemas.microsoft.com/office/drawing/2014/main" id="{60A62AA4-0749-4B0B-B704-41EFC66416C9}"/>
+                  </a:ext>
+                </a:extLst>
+              </p:cNvPr>
+              <p:cNvSpPr/>
+              <p:nvPr/>
+            </p:nvSpPr>
+            <p:spPr>
+              <a:xfrm>
+                <a:off x="3855819" y="4248152"/>
+                <a:ext cx="211094" cy="211094"/>
+              </a:xfrm>
+              <a:prstGeom prst="ellipse">
+                <a:avLst/>
+              </a:prstGeom>
+              <a:solidFill>
+                <a:schemeClr val="bg1"/>
+              </a:solidFill>
+              <a:ln>
+                <a:solidFill>
+                  <a:schemeClr val="bg1"/>
+                </a:solidFill>
+              </a:ln>
+            </p:spPr>
+            <p:style>
+              <a:lnRef idx="2">
+                <a:schemeClr val="accent1">
+                  <a:shade val="50000"/>
+                </a:schemeClr>
+              </a:lnRef>
+              <a:fillRef idx="1">
+                <a:schemeClr val="accent1"/>
+              </a:fillRef>
+              <a:effectRef idx="0">
+                <a:schemeClr val="accent1"/>
+              </a:effectRef>
+              <a:fontRef idx="minor">
+                <a:schemeClr val="lt1"/>
+              </a:fontRef>
+            </p:style>
+            <p:txBody>
+              <a:bodyPr rtlCol="0" anchor="ctr"/>
+              <a:lstStyle/>
+              <a:p>
+                <a:pPr algn="ctr"/>
+                <a:endParaRPr lang="en-US" dirty="0"/>
+              </a:p>
+            </p:txBody>
+          </p:sp>
+          <p:sp>
+            <p:nvSpPr>
+              <p:cNvPr id="71" name="Oval 70">
+                <a:extLst>
+                  <a:ext uri="{FF2B5EF4-FFF2-40B4-BE49-F238E27FC236}">
+                    <a16:creationId xmlns:a16="http://schemas.microsoft.com/office/drawing/2014/main" id="{F55478E2-B363-46DB-AC01-8FA1214FE008}"/>
+                  </a:ext>
+                </a:extLst>
+              </p:cNvPr>
+              <p:cNvSpPr/>
+              <p:nvPr/>
+            </p:nvSpPr>
+            <p:spPr>
+              <a:xfrm>
+                <a:off x="3886107" y="4278440"/>
+                <a:ext cx="150518" cy="150518"/>
+              </a:xfrm>
+              <a:prstGeom prst="ellipse">
+                <a:avLst/>
+              </a:prstGeom>
+              <a:solidFill>
+                <a:srgbClr val="64DFDF"/>
+              </a:solidFill>
+              <a:ln>
+                <a:solidFill>
+                  <a:srgbClr val="002060"/>
+                </a:solidFill>
+              </a:ln>
+            </p:spPr>
+            <p:style>
+              <a:lnRef idx="2">
+                <a:schemeClr val="accent1">
+                  <a:shade val="50000"/>
+                </a:schemeClr>
+              </a:lnRef>
+              <a:fillRef idx="1">
+                <a:schemeClr val="accent1"/>
+              </a:fillRef>
+              <a:effectRef idx="0">
+                <a:schemeClr val="accent1"/>
+              </a:effectRef>
+              <a:fontRef idx="minor">
+                <a:schemeClr val="lt1"/>
+              </a:fontRef>
+            </p:style>
+            <p:txBody>
+              <a:bodyPr rtlCol="0" anchor="ctr"/>
+              <a:lstStyle/>
+              <a:p>
+                <a:pPr algn="ctr"/>
+                <a:endParaRPr lang="en-US"/>
+              </a:p>
+            </p:txBody>
+          </p:sp>
+        </p:grpSp>
+        <p:grpSp>
+          <p:nvGrpSpPr>
+            <p:cNvPr id="65" name="Group 64">
+              <a:extLst>
+                <a:ext uri="{FF2B5EF4-FFF2-40B4-BE49-F238E27FC236}">
+                  <a16:creationId xmlns:a16="http://schemas.microsoft.com/office/drawing/2014/main" id="{35C844B7-5E2E-42BF-83E2-405E36EF2E5E}"/>
+                </a:ext>
+              </a:extLst>
+            </p:cNvPr>
+            <p:cNvGrpSpPr/>
+            <p:nvPr/>
+          </p:nvGrpSpPr>
+          <p:grpSpPr>
+            <a:xfrm>
+              <a:off x="8069346" y="2511044"/>
+              <a:ext cx="1703041" cy="974732"/>
+              <a:chOff x="8069346" y="2511044"/>
+              <a:chExt cx="1703041" cy="974732"/>
+            </a:xfrm>
+          </p:grpSpPr>
+          <p:grpSp>
+            <p:nvGrpSpPr>
+              <p:cNvPr id="66" name="Group 65">
+                <a:extLst>
+                  <a:ext uri="{FF2B5EF4-FFF2-40B4-BE49-F238E27FC236}">
+                    <a16:creationId xmlns:a16="http://schemas.microsoft.com/office/drawing/2014/main" id="{B6F293DB-6473-4280-84E1-2C314F4307AE}"/>
+                  </a:ext>
+                </a:extLst>
+              </p:cNvPr>
+              <p:cNvGrpSpPr/>
+              <p:nvPr/>
+            </p:nvGrpSpPr>
+            <p:grpSpPr>
+              <a:xfrm>
+                <a:off x="8439181" y="2511044"/>
+                <a:ext cx="949101" cy="974732"/>
+                <a:chOff x="5242440" y="1755914"/>
+                <a:chExt cx="1275682" cy="1275682"/>
+              </a:xfrm>
+            </p:grpSpPr>
+            <p:sp>
+              <p:nvSpPr>
+                <p:cNvPr id="68" name="Teardrop 67">
+                  <a:extLst>
+                    <a:ext uri="{FF2B5EF4-FFF2-40B4-BE49-F238E27FC236}">
+                      <a16:creationId xmlns:a16="http://schemas.microsoft.com/office/drawing/2014/main" id="{8104B3EC-3587-413F-A8E9-79240CE08F3F}"/>
+                    </a:ext>
+                  </a:extLst>
+                </p:cNvPr>
+                <p:cNvSpPr/>
+                <p:nvPr/>
+              </p:nvSpPr>
+              <p:spPr>
+                <a:xfrm rot="8100000">
+                  <a:off x="5242440" y="1755914"/>
+                  <a:ext cx="1275682" cy="1275682"/>
+                </a:xfrm>
+                <a:prstGeom prst="teardrop">
+                  <a:avLst>
+                    <a:gd name="adj" fmla="val 109962"/>
+                  </a:avLst>
+                </a:prstGeom>
+                <a:solidFill>
+                  <a:srgbClr val="64DFDF"/>
+                </a:solidFill>
+                <a:ln>
+                  <a:solidFill>
+                    <a:srgbClr val="002060"/>
+                  </a:solidFill>
+                </a:ln>
+              </p:spPr>
+              <p:style>
+                <a:lnRef idx="2">
+                  <a:schemeClr val="accent1">
+                    <a:shade val="50000"/>
+                  </a:schemeClr>
+                </a:lnRef>
+                <a:fillRef idx="1">
+                  <a:schemeClr val="accent1"/>
+                </a:fillRef>
+                <a:effectRef idx="0">
+                  <a:schemeClr val="accent1"/>
+                </a:effectRef>
+                <a:fontRef idx="minor">
+                  <a:schemeClr val="lt1"/>
+                </a:fontRef>
+              </p:style>
+              <p:txBody>
+                <a:bodyPr rtlCol="0" anchor="ctr"/>
+                <a:lstStyle/>
+                <a:p>
+                  <a:pPr algn="ctr"/>
+                  <a:endParaRPr lang="en-US" dirty="0"/>
+                </a:p>
+              </p:txBody>
+            </p:sp>
+            <p:sp>
+              <p:nvSpPr>
+                <p:cNvPr id="69" name="Oval 68">
+                  <a:extLst>
+                    <a:ext uri="{FF2B5EF4-FFF2-40B4-BE49-F238E27FC236}">
+                      <a16:creationId xmlns:a16="http://schemas.microsoft.com/office/drawing/2014/main" id="{94F371E9-4453-44D5-BF56-59806D7CC5B8}"/>
+                    </a:ext>
+                  </a:extLst>
+                </p:cNvPr>
+                <p:cNvSpPr/>
+                <p:nvPr/>
+              </p:nvSpPr>
+              <p:spPr>
+                <a:xfrm>
+                  <a:off x="5436789" y="1948912"/>
+                  <a:ext cx="889686" cy="889686"/>
+                </a:xfrm>
+                <a:prstGeom prst="ellipse">
+                  <a:avLst/>
+                </a:prstGeom>
+                <a:solidFill>
+                  <a:schemeClr val="bg1"/>
+                </a:solidFill>
+                <a:ln>
+                  <a:noFill/>
+                </a:ln>
+              </p:spPr>
+              <p:style>
+                <a:lnRef idx="2">
+                  <a:schemeClr val="accent1">
+                    <a:shade val="50000"/>
+                  </a:schemeClr>
+                </a:lnRef>
+                <a:fillRef idx="1">
+                  <a:schemeClr val="accent1"/>
+                </a:fillRef>
+                <a:effectRef idx="0">
+                  <a:schemeClr val="accent1"/>
+                </a:effectRef>
+                <a:fontRef idx="minor">
+                  <a:schemeClr val="lt1"/>
+                </a:fontRef>
+              </p:style>
+              <p:txBody>
+                <a:bodyPr rtlCol="0" anchor="ctr"/>
+                <a:lstStyle/>
+                <a:p>
+                  <a:pPr algn="ctr"/>
+                  <a:endParaRPr lang="en-US"/>
+                </a:p>
+              </p:txBody>
+            </p:sp>
+          </p:grpSp>
+          <p:sp>
+            <p:nvSpPr>
+              <p:cNvPr id="67" name="TextBox 66">
+                <a:extLst>
+                  <a:ext uri="{FF2B5EF4-FFF2-40B4-BE49-F238E27FC236}">
+                    <a16:creationId xmlns:a16="http://schemas.microsoft.com/office/drawing/2014/main" id="{BC2DAA98-244F-4C63-8479-B4B2D484000A}"/>
+                  </a:ext>
+                </a:extLst>
+              </p:cNvPr>
+              <p:cNvSpPr txBox="1"/>
+              <p:nvPr/>
+            </p:nvSpPr>
+            <p:spPr>
+              <a:xfrm>
+                <a:off x="8069346" y="2591365"/>
+                <a:ext cx="1703041" cy="830997"/>
+              </a:xfrm>
+              <a:prstGeom prst="rect">
+                <a:avLst/>
+              </a:prstGeom>
+              <a:noFill/>
+            </p:spPr>
+            <p:txBody>
+              <a:bodyPr wrap="square" rtlCol="0">
+                <a:spAutoFit/>
+              </a:bodyPr>
+              <a:lstStyle/>
+              <a:p>
+                <a:pPr algn="ctr"/>
+                <a:r>
+                  <a:rPr lang="en-US" sz="4800" b="1" dirty="0">
+                    <a:solidFill>
+                      <a:sysClr val="windowText" lastClr="000000"/>
+                    </a:solidFill>
+                  </a:rPr>
+                  <a:t>5</a:t>
+                </a:r>
+              </a:p>
+            </p:txBody>
+          </p:sp>
+        </p:grpSp>
+      </p:grpSp>
+      <p:grpSp>
+        <p:nvGrpSpPr>
+          <p:cNvPr id="72" name="Group 71">
+            <a:extLst>
+              <a:ext uri="{FF2B5EF4-FFF2-40B4-BE49-F238E27FC236}">
+                <a16:creationId xmlns:a16="http://schemas.microsoft.com/office/drawing/2014/main" id="{6163CFC3-0C1D-47EB-8A47-633CEF9BEFFF}"/>
+              </a:ext>
+            </a:extLst>
+          </p:cNvPr>
+          <p:cNvGrpSpPr/>
+          <p:nvPr/>
+        </p:nvGrpSpPr>
+        <p:grpSpPr>
+          <a:xfrm>
+            <a:off x="2524243" y="2058441"/>
+            <a:ext cx="949101" cy="1507457"/>
+            <a:chOff x="1993739" y="2527745"/>
+            <a:chExt cx="949101" cy="1507457"/>
+          </a:xfrm>
+        </p:grpSpPr>
+        <p:grpSp>
+          <p:nvGrpSpPr>
+            <p:cNvPr id="73" name="Group 72">
+              <a:extLst>
+                <a:ext uri="{FF2B5EF4-FFF2-40B4-BE49-F238E27FC236}">
+                  <a16:creationId xmlns:a16="http://schemas.microsoft.com/office/drawing/2014/main" id="{61161B67-10D4-424F-96DF-EFE8693AF5C9}"/>
+                </a:ext>
+              </a:extLst>
+            </p:cNvPr>
+            <p:cNvGrpSpPr/>
+            <p:nvPr/>
+          </p:nvGrpSpPr>
+          <p:grpSpPr>
+            <a:xfrm>
+              <a:off x="2393786" y="3873908"/>
+              <a:ext cx="157053" cy="161294"/>
+              <a:chOff x="1677812" y="4248152"/>
+              <a:chExt cx="211094" cy="211094"/>
+            </a:xfrm>
+          </p:grpSpPr>
+          <p:sp>
+            <p:nvSpPr>
+              <p:cNvPr id="79" name="Oval 78">
+                <a:extLst>
+                  <a:ext uri="{FF2B5EF4-FFF2-40B4-BE49-F238E27FC236}">
+                    <a16:creationId xmlns:a16="http://schemas.microsoft.com/office/drawing/2014/main" id="{21E80B73-A6C0-449F-B177-7ECA34C6BCD1}"/>
+                  </a:ext>
+                </a:extLst>
+              </p:cNvPr>
+              <p:cNvSpPr/>
+              <p:nvPr/>
+            </p:nvSpPr>
+            <p:spPr>
+              <a:xfrm>
+                <a:off x="1677812" y="4248152"/>
+                <a:ext cx="211094" cy="211094"/>
+              </a:xfrm>
+              <a:prstGeom prst="ellipse">
+                <a:avLst/>
+              </a:prstGeom>
+              <a:solidFill>
+                <a:schemeClr val="bg1"/>
+              </a:solidFill>
+              <a:ln>
+                <a:solidFill>
+                  <a:schemeClr val="bg1"/>
+                </a:solidFill>
+              </a:ln>
+            </p:spPr>
+            <p:style>
+              <a:lnRef idx="2">
+                <a:schemeClr val="accent1">
+                  <a:shade val="50000"/>
+                </a:schemeClr>
+              </a:lnRef>
+              <a:fillRef idx="1">
+                <a:schemeClr val="accent1"/>
+              </a:fillRef>
+              <a:effectRef idx="0">
+                <a:schemeClr val="accent1"/>
+              </a:effectRef>
+              <a:fontRef idx="minor">
+                <a:schemeClr val="lt1"/>
+              </a:fontRef>
+            </p:style>
+            <p:txBody>
+              <a:bodyPr rtlCol="0" anchor="ctr"/>
+              <a:lstStyle/>
+              <a:p>
+                <a:pPr algn="ctr"/>
+                <a:endParaRPr lang="en-US" dirty="0"/>
+              </a:p>
+            </p:txBody>
+          </p:sp>
+          <p:sp>
+            <p:nvSpPr>
+              <p:cNvPr id="80" name="Oval 79">
+                <a:extLst>
+                  <a:ext uri="{FF2B5EF4-FFF2-40B4-BE49-F238E27FC236}">
+                    <a16:creationId xmlns:a16="http://schemas.microsoft.com/office/drawing/2014/main" id="{A13EFD5A-F60A-4222-946F-DF0E25A6006F}"/>
+                  </a:ext>
+                </a:extLst>
+              </p:cNvPr>
+              <p:cNvSpPr/>
+              <p:nvPr/>
+            </p:nvSpPr>
+            <p:spPr>
+              <a:xfrm>
+                <a:off x="1708100" y="4278440"/>
+                <a:ext cx="150518" cy="150518"/>
+              </a:xfrm>
+              <a:prstGeom prst="ellipse">
+                <a:avLst/>
+              </a:prstGeom>
+              <a:solidFill>
+                <a:srgbClr val="00133A"/>
+              </a:solidFill>
+              <a:ln>
+                <a:solidFill>
+                  <a:srgbClr val="002060"/>
+                </a:solidFill>
+              </a:ln>
+            </p:spPr>
+            <p:style>
+              <a:lnRef idx="2">
+                <a:schemeClr val="accent1">
+                  <a:shade val="50000"/>
+                </a:schemeClr>
+              </a:lnRef>
+              <a:fillRef idx="1">
+                <a:schemeClr val="accent1"/>
+              </a:fillRef>
+              <a:effectRef idx="0">
+                <a:schemeClr val="accent1"/>
+              </a:effectRef>
+              <a:fontRef idx="minor">
+                <a:schemeClr val="lt1"/>
+              </a:fontRef>
+            </p:style>
+            <p:txBody>
+              <a:bodyPr rtlCol="0" anchor="ctr"/>
+              <a:lstStyle/>
+              <a:p>
+                <a:pPr algn="ctr"/>
+                <a:endParaRPr lang="en-US">
+                  <a:solidFill>
+                    <a:srgbClr val="B093ED"/>
+                  </a:solidFill>
+                </a:endParaRPr>
+              </a:p>
+            </p:txBody>
+          </p:sp>
+        </p:grpSp>
+        <p:grpSp>
+          <p:nvGrpSpPr>
+            <p:cNvPr id="74" name="Group 73">
+              <a:extLst>
+                <a:ext uri="{FF2B5EF4-FFF2-40B4-BE49-F238E27FC236}">
+                  <a16:creationId xmlns:a16="http://schemas.microsoft.com/office/drawing/2014/main" id="{12D8E9B5-7AD1-4F25-8401-13FF0F726DD5}"/>
+                </a:ext>
+              </a:extLst>
+            </p:cNvPr>
+            <p:cNvGrpSpPr/>
+            <p:nvPr/>
+          </p:nvGrpSpPr>
+          <p:grpSpPr>
+            <a:xfrm>
+              <a:off x="1993739" y="2527745"/>
+              <a:ext cx="949101" cy="974732"/>
+              <a:chOff x="1993739" y="2527745"/>
+              <a:chExt cx="949101" cy="974732"/>
+            </a:xfrm>
+          </p:grpSpPr>
+          <p:grpSp>
+            <p:nvGrpSpPr>
+              <p:cNvPr id="75" name="Group 74">
+                <a:extLst>
+                  <a:ext uri="{FF2B5EF4-FFF2-40B4-BE49-F238E27FC236}">
+                    <a16:creationId xmlns:a16="http://schemas.microsoft.com/office/drawing/2014/main" id="{679DAAE4-AB9A-4E79-83B4-04E8CD5ACE3D}"/>
+                  </a:ext>
+                </a:extLst>
+              </p:cNvPr>
+              <p:cNvGrpSpPr/>
+              <p:nvPr/>
+            </p:nvGrpSpPr>
+            <p:grpSpPr>
+              <a:xfrm>
+                <a:off x="1993739" y="2527745"/>
+                <a:ext cx="949101" cy="974732"/>
+                <a:chOff x="3063120" y="1755914"/>
+                <a:chExt cx="1275682" cy="1275682"/>
+              </a:xfrm>
+            </p:grpSpPr>
+            <p:sp>
+              <p:nvSpPr>
+                <p:cNvPr id="77" name="Teardrop 76">
+                  <a:extLst>
+                    <a:ext uri="{FF2B5EF4-FFF2-40B4-BE49-F238E27FC236}">
+                      <a16:creationId xmlns:a16="http://schemas.microsoft.com/office/drawing/2014/main" id="{07E86D03-87D1-4741-A349-AF2AC2CA55B3}"/>
+                    </a:ext>
+                  </a:extLst>
+                </p:cNvPr>
+                <p:cNvSpPr/>
+                <p:nvPr/>
+              </p:nvSpPr>
+              <p:spPr>
+                <a:xfrm rot="8100000">
+                  <a:off x="3063120" y="1755914"/>
+                  <a:ext cx="1275682" cy="1275682"/>
+                </a:xfrm>
+                <a:prstGeom prst="teardrop">
+                  <a:avLst>
+                    <a:gd name="adj" fmla="val 109962"/>
+                  </a:avLst>
+                </a:prstGeom>
+                <a:solidFill>
+                  <a:srgbClr val="00133A"/>
+                </a:solidFill>
+                <a:ln>
+                  <a:solidFill>
+                    <a:srgbClr val="002060"/>
+                  </a:solidFill>
+                </a:ln>
+              </p:spPr>
+              <p:style>
+                <a:lnRef idx="2">
+                  <a:schemeClr val="accent1">
+                    <a:shade val="50000"/>
+                  </a:schemeClr>
+                </a:lnRef>
+                <a:fillRef idx="1">
+                  <a:schemeClr val="accent1"/>
+                </a:fillRef>
+                <a:effectRef idx="0">
+                  <a:schemeClr val="accent1"/>
+                </a:effectRef>
+                <a:fontRef idx="minor">
+                  <a:schemeClr val="lt1"/>
+                </a:fontRef>
+              </p:style>
+              <p:txBody>
+                <a:bodyPr rtlCol="0" anchor="ctr"/>
+                <a:lstStyle/>
+                <a:p>
+                  <a:pPr algn="ctr"/>
+                  <a:endParaRPr lang="en-US" dirty="0"/>
+                </a:p>
+              </p:txBody>
+            </p:sp>
+            <p:sp>
+              <p:nvSpPr>
+                <p:cNvPr id="78" name="Oval 77">
+                  <a:extLst>
+                    <a:ext uri="{FF2B5EF4-FFF2-40B4-BE49-F238E27FC236}">
+                      <a16:creationId xmlns:a16="http://schemas.microsoft.com/office/drawing/2014/main" id="{D263B1F9-0996-4775-9134-11C6BF11040B}"/>
+                    </a:ext>
+                  </a:extLst>
+                </p:cNvPr>
+                <p:cNvSpPr/>
+                <p:nvPr/>
+              </p:nvSpPr>
+              <p:spPr>
+                <a:xfrm>
+                  <a:off x="3257469" y="1948912"/>
+                  <a:ext cx="889686" cy="889686"/>
+                </a:xfrm>
+                <a:prstGeom prst="ellipse">
+                  <a:avLst/>
+                </a:prstGeom>
+                <a:solidFill>
+                  <a:schemeClr val="bg1"/>
+                </a:solidFill>
+                <a:ln>
+                  <a:noFill/>
+                </a:ln>
+              </p:spPr>
+              <p:style>
+                <a:lnRef idx="2">
+                  <a:schemeClr val="accent1">
+                    <a:shade val="50000"/>
+                  </a:schemeClr>
+                </a:lnRef>
+                <a:fillRef idx="1">
+                  <a:schemeClr val="accent1"/>
+                </a:fillRef>
+                <a:effectRef idx="0">
+                  <a:schemeClr val="accent1"/>
+                </a:effectRef>
+                <a:fontRef idx="minor">
+                  <a:schemeClr val="lt1"/>
+                </a:fontRef>
+              </p:style>
+              <p:txBody>
+                <a:bodyPr rtlCol="0" anchor="ctr"/>
+                <a:lstStyle/>
+                <a:p>
+                  <a:pPr algn="ctr"/>
+                  <a:endParaRPr lang="en-US"/>
+                </a:p>
+              </p:txBody>
+            </p:sp>
+          </p:grpSp>
+          <p:sp>
+            <p:nvSpPr>
+              <p:cNvPr id="76" name="TextBox 75">
+                <a:extLst>
+                  <a:ext uri="{FF2B5EF4-FFF2-40B4-BE49-F238E27FC236}">
+                    <a16:creationId xmlns:a16="http://schemas.microsoft.com/office/drawing/2014/main" id="{B2BFD5A6-367B-4B61-80E3-97E0A50C2B7C}"/>
+                  </a:ext>
+                </a:extLst>
+              </p:cNvPr>
+              <p:cNvSpPr txBox="1"/>
+              <p:nvPr/>
+            </p:nvSpPr>
+            <p:spPr>
+              <a:xfrm>
+                <a:off x="2230467" y="2595332"/>
+                <a:ext cx="509223" cy="830997"/>
+              </a:xfrm>
+              <a:prstGeom prst="rect">
+                <a:avLst/>
+              </a:prstGeom>
+              <a:noFill/>
+            </p:spPr>
+            <p:txBody>
+              <a:bodyPr wrap="square" rtlCol="0">
+                <a:spAutoFit/>
+              </a:bodyPr>
+              <a:lstStyle/>
+              <a:p>
+                <a:pPr algn="ctr"/>
+                <a:r>
+                  <a:rPr lang="bg-BG" sz="4800" b="1" dirty="0">
+                    <a:solidFill>
+                      <a:sysClr val="windowText" lastClr="000000"/>
+                    </a:solidFill>
+                    <a:latin typeface="Tw Cen MT" panose="020B0602020104020603" pitchFamily="34" charset="0"/>
+                  </a:rPr>
+                  <a:t>1</a:t>
+                </a:r>
+                <a:endParaRPr lang="en-US" sz="4800" b="1" dirty="0">
+                  <a:solidFill>
+                    <a:sysClr val="windowText" lastClr="000000"/>
+                  </a:solidFill>
+                  <a:latin typeface="Tw Cen MT" panose="020B0602020104020603" pitchFamily="34" charset="0"/>
+                </a:endParaRPr>
+              </a:p>
+            </p:txBody>
+          </p:sp>
+        </p:grpSp>
       </p:grpSp>
       <p:grpSp>
         <p:nvGrpSpPr>
@@ -9419,6 +13089,223 @@
           </p:txBody>
         </p:sp>
       </p:grpSp>
+      <p:sp>
+        <p:nvSpPr>
+          <p:cNvPr id="31" name="TextBox 30">
+            <a:extLst>
+              <a:ext uri="{FF2B5EF4-FFF2-40B4-BE49-F238E27FC236}">
+                <a16:creationId xmlns:a16="http://schemas.microsoft.com/office/drawing/2014/main" id="{FC067D11-4A35-4B03-8176-834CF25B3796}"/>
+              </a:ext>
+            </a:extLst>
+          </p:cNvPr>
+          <p:cNvSpPr txBox="1"/>
+          <p:nvPr/>
+        </p:nvSpPr>
+        <p:spPr>
+          <a:xfrm>
+            <a:off x="1981035" y="3530931"/>
+            <a:ext cx="1703041" cy="830997"/>
+          </a:xfrm>
+          <a:prstGeom prst="rect">
+            <a:avLst/>
+          </a:prstGeom>
+          <a:noFill/>
+        </p:spPr>
+        <p:txBody>
+          <a:bodyPr wrap="square" rtlCol="0">
+            <a:spAutoFit/>
+          </a:bodyPr>
+          <a:lstStyle/>
+          <a:p>
+            <a:pPr algn="ctr"/>
+            <a:r>
+              <a:rPr lang="en-US" sz="2400" b="1" dirty="0">
+                <a:solidFill>
+                  <a:schemeClr val="bg1"/>
+                </a:solidFill>
+                <a:latin typeface="Tw Cen MT" panose="020B0602020104020603" pitchFamily="34" charset="0"/>
+              </a:rPr>
+              <a:t>Choosing the team</a:t>
+            </a:r>
+          </a:p>
+        </p:txBody>
+      </p:sp>
+      <p:sp>
+        <p:nvSpPr>
+          <p:cNvPr id="32" name="TextBox 31">
+            <a:extLst>
+              <a:ext uri="{FF2B5EF4-FFF2-40B4-BE49-F238E27FC236}">
+                <a16:creationId xmlns:a16="http://schemas.microsoft.com/office/drawing/2014/main" id="{C23579E3-24EC-47F1-B863-F5385CC87539}"/>
+              </a:ext>
+            </a:extLst>
+          </p:cNvPr>
+          <p:cNvSpPr txBox="1"/>
+          <p:nvPr/>
+        </p:nvSpPr>
+        <p:spPr>
+          <a:xfrm>
+            <a:off x="3353803" y="3563910"/>
+            <a:ext cx="2155644" cy="830997"/>
+          </a:xfrm>
+          <a:prstGeom prst="rect">
+            <a:avLst/>
+          </a:prstGeom>
+          <a:noFill/>
+        </p:spPr>
+        <p:txBody>
+          <a:bodyPr wrap="square" rtlCol="0">
+            <a:spAutoFit/>
+          </a:bodyPr>
+          <a:lstStyle/>
+          <a:p>
+            <a:pPr algn="ctr"/>
+            <a:r>
+              <a:rPr lang="en-US" sz="2400" b="1" dirty="0">
+                <a:solidFill>
+                  <a:schemeClr val="bg1"/>
+                </a:solidFill>
+                <a:latin typeface="Tw Cen MT" panose="020B0602020104020603" pitchFamily="34" charset="0"/>
+              </a:rPr>
+              <a:t>Dividing </a:t>
+            </a:r>
+          </a:p>
+          <a:p>
+            <a:pPr algn="ctr"/>
+            <a:r>
+              <a:rPr lang="en-US" sz="2400" b="1" dirty="0">
+                <a:solidFill>
+                  <a:schemeClr val="bg1"/>
+                </a:solidFill>
+                <a:latin typeface="Tw Cen MT" panose="020B0602020104020603" pitchFamily="34" charset="0"/>
+              </a:rPr>
+              <a:t>roles</a:t>
+            </a:r>
+          </a:p>
+        </p:txBody>
+      </p:sp>
+      <p:sp>
+        <p:nvSpPr>
+          <p:cNvPr id="33" name="TextBox 32">
+            <a:extLst>
+              <a:ext uri="{FF2B5EF4-FFF2-40B4-BE49-F238E27FC236}">
+                <a16:creationId xmlns:a16="http://schemas.microsoft.com/office/drawing/2014/main" id="{855DBE4E-EFDB-4DEE-947D-95549D10DB20}"/>
+              </a:ext>
+            </a:extLst>
+          </p:cNvPr>
+          <p:cNvSpPr txBox="1"/>
+          <p:nvPr/>
+        </p:nvSpPr>
+        <p:spPr>
+          <a:xfrm>
+            <a:off x="5405795" y="3549198"/>
+            <a:ext cx="1703041" cy="1200329"/>
+          </a:xfrm>
+          <a:prstGeom prst="rect">
+            <a:avLst/>
+          </a:prstGeom>
+          <a:noFill/>
+        </p:spPr>
+        <p:txBody>
+          <a:bodyPr wrap="square" rtlCol="0">
+            <a:spAutoFit/>
+          </a:bodyPr>
+          <a:lstStyle/>
+          <a:p>
+            <a:pPr algn="ctr"/>
+            <a:r>
+              <a:rPr lang="en-US" sz="2400" b="1" dirty="0">
+                <a:solidFill>
+                  <a:schemeClr val="bg1"/>
+                </a:solidFill>
+                <a:latin typeface="Tw Cen MT" panose="020B0602020104020603" pitchFamily="34" charset="0"/>
+              </a:rPr>
+              <a:t>Research and Idea generating</a:t>
+            </a:r>
+          </a:p>
+        </p:txBody>
+      </p:sp>
+      <p:sp>
+        <p:nvSpPr>
+          <p:cNvPr id="34" name="TextBox 33">
+            <a:extLst>
+              <a:ext uri="{FF2B5EF4-FFF2-40B4-BE49-F238E27FC236}">
+                <a16:creationId xmlns:a16="http://schemas.microsoft.com/office/drawing/2014/main" id="{8CF33F83-AD51-4C1B-AA09-E0605D5B4620}"/>
+              </a:ext>
+            </a:extLst>
+          </p:cNvPr>
+          <p:cNvSpPr txBox="1"/>
+          <p:nvPr/>
+        </p:nvSpPr>
+        <p:spPr>
+          <a:xfrm>
+            <a:off x="6934029" y="3530931"/>
+            <a:ext cx="1703041" cy="830997"/>
+          </a:xfrm>
+          <a:prstGeom prst="rect">
+            <a:avLst/>
+          </a:prstGeom>
+          <a:noFill/>
+        </p:spPr>
+        <p:txBody>
+          <a:bodyPr wrap="square" rtlCol="0">
+            <a:spAutoFit/>
+          </a:bodyPr>
+          <a:lstStyle/>
+          <a:p>
+            <a:pPr algn="ctr"/>
+            <a:r>
+              <a:rPr lang="en-US" sz="2400" b="1" dirty="0">
+                <a:solidFill>
+                  <a:schemeClr val="bg1"/>
+                </a:solidFill>
+                <a:latin typeface="Tw Cen MT" panose="020B0602020104020603" pitchFamily="34" charset="0"/>
+              </a:rPr>
+              <a:t>Working on project</a:t>
+            </a:r>
+          </a:p>
+        </p:txBody>
+      </p:sp>
+      <p:sp>
+        <p:nvSpPr>
+          <p:cNvPr id="35" name="TextBox 34">
+            <a:extLst>
+              <a:ext uri="{FF2B5EF4-FFF2-40B4-BE49-F238E27FC236}">
+                <a16:creationId xmlns:a16="http://schemas.microsoft.com/office/drawing/2014/main" id="{08221A78-0210-40DB-BECA-3FEBFC0F4622}"/>
+              </a:ext>
+            </a:extLst>
+          </p:cNvPr>
+          <p:cNvSpPr txBox="1"/>
+          <p:nvPr/>
+        </p:nvSpPr>
+        <p:spPr>
+          <a:xfrm>
+            <a:off x="8599850" y="3549198"/>
+            <a:ext cx="2068088" cy="461665"/>
+          </a:xfrm>
+          <a:prstGeom prst="rect">
+            <a:avLst/>
+          </a:prstGeom>
+          <a:noFill/>
+        </p:spPr>
+        <p:txBody>
+          <a:bodyPr wrap="square" rtlCol="0">
+            <a:spAutoFit/>
+          </a:bodyPr>
+          <a:lstStyle/>
+          <a:p>
+            <a:pPr algn="ctr"/>
+            <a:r>
+              <a:rPr lang="en-US" sz="2400" b="1" dirty="0">
+                <a:solidFill>
+                  <a:schemeClr val="bg1"/>
+                </a:solidFill>
+                <a:latin typeface="Tw Cen MT" panose="020B0602020104020603" pitchFamily="34" charset="0"/>
+              </a:rPr>
+              <a:t>Presenting</a:t>
+            </a:r>
+          </a:p>
+        </p:txBody>
+      </p:sp>
     </p:spTree>
     <p:extLst>
       <p:ext uri="{BB962C8B-B14F-4D97-AF65-F5344CB8AC3E}">
@@ -9471,6 +13358,1517 @@
                                   </p:childTnLst>
                                 </p:cTn>
                               </p:par>
+                              <p:par>
+                                <p:cTn id="7" presetID="1" presetClass="exit" presetSubtype="0" fill="hold" nodeType="withEffect">
+                                  <p:stCondLst>
+                                    <p:cond delay="0"/>
+                                  </p:stCondLst>
+                                  <p:childTnLst>
+                                    <p:set>
+                                      <p:cBhvr>
+                                        <p:cTn id="8" dur="1" fill="hold">
+                                          <p:stCondLst>
+                                            <p:cond delay="0"/>
+                                          </p:stCondLst>
+                                        </p:cTn>
+                                        <p:tgtEl>
+                                          <p:spTgt spid="29"/>
+                                        </p:tgtEl>
+                                        <p:attrNameLst>
+                                          <p:attrName>style.visibility</p:attrName>
+                                        </p:attrNameLst>
+                                      </p:cBhvr>
+                                      <p:to>
+                                        <p:strVal val="hidden"/>
+                                      </p:to>
+                                    </p:set>
+                                  </p:childTnLst>
+                                </p:cTn>
+                              </p:par>
+                            </p:childTnLst>
+                          </p:cTn>
+                        </p:par>
+                        <p:par>
+                          <p:cTn id="9" fill="hold">
+                            <p:stCondLst>
+                              <p:cond delay="2000"/>
+                            </p:stCondLst>
+                            <p:childTnLst>
+                              <p:par>
+                                <p:cTn id="10" presetID="1" presetClass="exit" presetSubtype="0" fill="hold" grpId="0" nodeType="afterEffect">
+                                  <p:stCondLst>
+                                    <p:cond delay="0"/>
+                                  </p:stCondLst>
+                                  <p:childTnLst>
+                                    <p:set>
+                                      <p:cBhvr>
+                                        <p:cTn id="11" dur="1" fill="hold">
+                                          <p:stCondLst>
+                                            <p:cond delay="0"/>
+                                          </p:stCondLst>
+                                        </p:cTn>
+                                        <p:tgtEl>
+                                          <p:spTgt spid="32"/>
+                                        </p:tgtEl>
+                                        <p:attrNameLst>
+                                          <p:attrName>style.visibility</p:attrName>
+                                        </p:attrNameLst>
+                                      </p:cBhvr>
+                                      <p:to>
+                                        <p:strVal val="hidden"/>
+                                      </p:to>
+                                    </p:set>
+                                  </p:childTnLst>
+                                </p:cTn>
+                              </p:par>
+                            </p:childTnLst>
+                          </p:cTn>
+                        </p:par>
+                        <p:par>
+                          <p:cTn id="12" fill="hold">
+                            <p:stCondLst>
+                              <p:cond delay="2000"/>
+                            </p:stCondLst>
+                            <p:childTnLst>
+                              <p:par>
+                                <p:cTn id="13" presetID="1" presetClass="exit" presetSubtype="0" fill="hold" grpId="0" nodeType="afterEffect">
+                                  <p:stCondLst>
+                                    <p:cond delay="0"/>
+                                  </p:stCondLst>
+                                  <p:childTnLst>
+                                    <p:set>
+                                      <p:cBhvr>
+                                        <p:cTn id="14" dur="1" fill="hold">
+                                          <p:stCondLst>
+                                            <p:cond delay="0"/>
+                                          </p:stCondLst>
+                                        </p:cTn>
+                                        <p:tgtEl>
+                                          <p:spTgt spid="33"/>
+                                        </p:tgtEl>
+                                        <p:attrNameLst>
+                                          <p:attrName>style.visibility</p:attrName>
+                                        </p:attrNameLst>
+                                      </p:cBhvr>
+                                      <p:to>
+                                        <p:strVal val="hidden"/>
+                                      </p:to>
+                                    </p:set>
+                                  </p:childTnLst>
+                                </p:cTn>
+                              </p:par>
+                            </p:childTnLst>
+                          </p:cTn>
+                        </p:par>
+                        <p:par>
+                          <p:cTn id="15" fill="hold">
+                            <p:stCondLst>
+                              <p:cond delay="2000"/>
+                            </p:stCondLst>
+                            <p:childTnLst>
+                              <p:par>
+                                <p:cTn id="16" presetID="1" presetClass="exit" presetSubtype="0" fill="hold" grpId="0" nodeType="afterEffect">
+                                  <p:stCondLst>
+                                    <p:cond delay="0"/>
+                                  </p:stCondLst>
+                                  <p:childTnLst>
+                                    <p:set>
+                                      <p:cBhvr>
+                                        <p:cTn id="17" dur="1" fill="hold">
+                                          <p:stCondLst>
+                                            <p:cond delay="0"/>
+                                          </p:stCondLst>
+                                        </p:cTn>
+                                        <p:tgtEl>
+                                          <p:spTgt spid="34"/>
+                                        </p:tgtEl>
+                                        <p:attrNameLst>
+                                          <p:attrName>style.visibility</p:attrName>
+                                        </p:attrNameLst>
+                                      </p:cBhvr>
+                                      <p:to>
+                                        <p:strVal val="hidden"/>
+                                      </p:to>
+                                    </p:set>
+                                  </p:childTnLst>
+                                </p:cTn>
+                              </p:par>
+                            </p:childTnLst>
+                          </p:cTn>
+                        </p:par>
+                        <p:par>
+                          <p:cTn id="18" fill="hold">
+                            <p:stCondLst>
+                              <p:cond delay="2000"/>
+                            </p:stCondLst>
+                            <p:childTnLst>
+                              <p:par>
+                                <p:cTn id="19" presetID="1" presetClass="exit" presetSubtype="0" fill="hold" nodeType="afterEffect">
+                                  <p:stCondLst>
+                                    <p:cond delay="0"/>
+                                  </p:stCondLst>
+                                  <p:childTnLst>
+                                    <p:set>
+                                      <p:cBhvr>
+                                        <p:cTn id="20" dur="1" fill="hold">
+                                          <p:stCondLst>
+                                            <p:cond delay="0"/>
+                                          </p:stCondLst>
+                                        </p:cTn>
+                                        <p:tgtEl>
+                                          <p:spTgt spid="36"/>
+                                        </p:tgtEl>
+                                        <p:attrNameLst>
+                                          <p:attrName>style.visibility</p:attrName>
+                                        </p:attrNameLst>
+                                      </p:cBhvr>
+                                      <p:to>
+                                        <p:strVal val="hidden"/>
+                                      </p:to>
+                                    </p:set>
+                                  </p:childTnLst>
+                                </p:cTn>
+                              </p:par>
+                            </p:childTnLst>
+                          </p:cTn>
+                        </p:par>
+                        <p:par>
+                          <p:cTn id="21" fill="hold">
+                            <p:stCondLst>
+                              <p:cond delay="2000"/>
+                            </p:stCondLst>
+                            <p:childTnLst>
+                              <p:par>
+                                <p:cTn id="22" presetID="1" presetClass="exit" presetSubtype="0" fill="hold" nodeType="afterEffect">
+                                  <p:stCondLst>
+                                    <p:cond delay="0"/>
+                                  </p:stCondLst>
+                                  <p:childTnLst>
+                                    <p:set>
+                                      <p:cBhvr>
+                                        <p:cTn id="23" dur="1" fill="hold">
+                                          <p:stCondLst>
+                                            <p:cond delay="0"/>
+                                          </p:stCondLst>
+                                        </p:cTn>
+                                        <p:tgtEl>
+                                          <p:spTgt spid="45"/>
+                                        </p:tgtEl>
+                                        <p:attrNameLst>
+                                          <p:attrName>style.visibility</p:attrName>
+                                        </p:attrNameLst>
+                                      </p:cBhvr>
+                                      <p:to>
+                                        <p:strVal val="hidden"/>
+                                      </p:to>
+                                    </p:set>
+                                  </p:childTnLst>
+                                </p:cTn>
+                              </p:par>
+                            </p:childTnLst>
+                          </p:cTn>
+                        </p:par>
+                        <p:par>
+                          <p:cTn id="24" fill="hold">
+                            <p:stCondLst>
+                              <p:cond delay="2000"/>
+                            </p:stCondLst>
+                            <p:childTnLst>
+                              <p:par>
+                                <p:cTn id="25" presetID="1" presetClass="exit" presetSubtype="0" fill="hold" nodeType="afterEffect">
+                                  <p:stCondLst>
+                                    <p:cond delay="0"/>
+                                  </p:stCondLst>
+                                  <p:childTnLst>
+                                    <p:set>
+                                      <p:cBhvr>
+                                        <p:cTn id="26" dur="1" fill="hold">
+                                          <p:stCondLst>
+                                            <p:cond delay="0"/>
+                                          </p:stCondLst>
+                                        </p:cTn>
+                                        <p:tgtEl>
+                                          <p:spTgt spid="54"/>
+                                        </p:tgtEl>
+                                        <p:attrNameLst>
+                                          <p:attrName>style.visibility</p:attrName>
+                                        </p:attrNameLst>
+                                      </p:cBhvr>
+                                      <p:to>
+                                        <p:strVal val="hidden"/>
+                                      </p:to>
+                                    </p:set>
+                                  </p:childTnLst>
+                                </p:cTn>
+                              </p:par>
+                            </p:childTnLst>
+                          </p:cTn>
+                        </p:par>
+                        <p:par>
+                          <p:cTn id="27" fill="hold">
+                            <p:stCondLst>
+                              <p:cond delay="2000"/>
+                            </p:stCondLst>
+                            <p:childTnLst>
+                              <p:par>
+                                <p:cTn id="28" presetID="1" presetClass="exit" presetSubtype="0" fill="hold" nodeType="afterEffect">
+                                  <p:stCondLst>
+                                    <p:cond delay="0"/>
+                                  </p:stCondLst>
+                                  <p:childTnLst>
+                                    <p:set>
+                                      <p:cBhvr>
+                                        <p:cTn id="29" dur="1" fill="hold">
+                                          <p:stCondLst>
+                                            <p:cond delay="0"/>
+                                          </p:stCondLst>
+                                        </p:cTn>
+                                        <p:tgtEl>
+                                          <p:spTgt spid="63"/>
+                                        </p:tgtEl>
+                                        <p:attrNameLst>
+                                          <p:attrName>style.visibility</p:attrName>
+                                        </p:attrNameLst>
+                                      </p:cBhvr>
+                                      <p:to>
+                                        <p:strVal val="hidden"/>
+                                      </p:to>
+                                    </p:set>
+                                  </p:childTnLst>
+                                </p:cTn>
+                              </p:par>
+                            </p:childTnLst>
+                          </p:cTn>
+                        </p:par>
+                        <p:par>
+                          <p:cTn id="30" fill="hold">
+                            <p:stCondLst>
+                              <p:cond delay="2000"/>
+                            </p:stCondLst>
+                            <p:childTnLst>
+                              <p:par>
+                                <p:cTn id="31" presetID="1" presetClass="exit" presetSubtype="0" fill="hold" nodeType="afterEffect">
+                                  <p:stCondLst>
+                                    <p:cond delay="0"/>
+                                  </p:stCondLst>
+                                  <p:childTnLst>
+                                    <p:set>
+                                      <p:cBhvr>
+                                        <p:cTn id="32" dur="1" fill="hold">
+                                          <p:stCondLst>
+                                            <p:cond delay="0"/>
+                                          </p:stCondLst>
+                                        </p:cTn>
+                                        <p:tgtEl>
+                                          <p:spTgt spid="72"/>
+                                        </p:tgtEl>
+                                        <p:attrNameLst>
+                                          <p:attrName>style.visibility</p:attrName>
+                                        </p:attrNameLst>
+                                      </p:cBhvr>
+                                      <p:to>
+                                        <p:strVal val="hidden"/>
+                                      </p:to>
+                                    </p:set>
+                                  </p:childTnLst>
+                                </p:cTn>
+                              </p:par>
+                            </p:childTnLst>
+                          </p:cTn>
+                        </p:par>
+                        <p:par>
+                          <p:cTn id="33" fill="hold">
+                            <p:stCondLst>
+                              <p:cond delay="2000"/>
+                            </p:stCondLst>
+                            <p:childTnLst>
+                              <p:par>
+                                <p:cTn id="34" presetID="1" presetClass="exit" presetSubtype="0" fill="hold" grpId="0" nodeType="afterEffect">
+                                  <p:stCondLst>
+                                    <p:cond delay="0"/>
+                                  </p:stCondLst>
+                                  <p:childTnLst>
+                                    <p:set>
+                                      <p:cBhvr>
+                                        <p:cTn id="35" dur="1" fill="hold">
+                                          <p:stCondLst>
+                                            <p:cond delay="0"/>
+                                          </p:stCondLst>
+                                        </p:cTn>
+                                        <p:tgtEl>
+                                          <p:spTgt spid="35"/>
+                                        </p:tgtEl>
+                                        <p:attrNameLst>
+                                          <p:attrName>style.visibility</p:attrName>
+                                        </p:attrNameLst>
+                                      </p:cBhvr>
+                                      <p:to>
+                                        <p:strVal val="hidden"/>
+                                      </p:to>
+                                    </p:set>
+                                  </p:childTnLst>
+                                </p:cTn>
+                              </p:par>
+                            </p:childTnLst>
+                          </p:cTn>
+                        </p:par>
+                        <p:par>
+                          <p:cTn id="36" fill="hold">
+                            <p:stCondLst>
+                              <p:cond delay="2000"/>
+                            </p:stCondLst>
+                            <p:childTnLst>
+                              <p:par>
+                                <p:cTn id="37" presetID="1" presetClass="exit" presetSubtype="0" fill="hold" grpId="0" nodeType="afterEffect">
+                                  <p:stCondLst>
+                                    <p:cond delay="0"/>
+                                  </p:stCondLst>
+                                  <p:childTnLst>
+                                    <p:set>
+                                      <p:cBhvr>
+                                        <p:cTn id="38" dur="1" fill="hold">
+                                          <p:stCondLst>
+                                            <p:cond delay="0"/>
+                                          </p:stCondLst>
+                                        </p:cTn>
+                                        <p:tgtEl>
+                                          <p:spTgt spid="31"/>
+                                        </p:tgtEl>
+                                        <p:attrNameLst>
+                                          <p:attrName>style.visibility</p:attrName>
+                                        </p:attrNameLst>
+                                      </p:cBhvr>
+                                      <p:to>
+                                        <p:strVal val="hidden"/>
+                                      </p:to>
+                                    </p:set>
+                                  </p:childTnLst>
+                                </p:cTn>
+                              </p:par>
+                            </p:childTnLst>
+                          </p:cTn>
+                        </p:par>
+                        <p:par>
+                          <p:cTn id="39" fill="hold">
+                            <p:stCondLst>
+                              <p:cond delay="2000"/>
+                            </p:stCondLst>
+                            <p:childTnLst>
+                              <p:par>
+                                <p:cTn id="40" presetID="1" presetClass="entr" presetSubtype="0" fill="hold" nodeType="afterEffect">
+                                  <p:stCondLst>
+                                    <p:cond delay="0"/>
+                                  </p:stCondLst>
+                                  <p:childTnLst>
+                                    <p:set>
+                                      <p:cBhvr>
+                                        <p:cTn id="41" dur="1" fill="hold">
+                                          <p:stCondLst>
+                                            <p:cond delay="0"/>
+                                          </p:stCondLst>
+                                        </p:cTn>
+                                        <p:tgtEl>
+                                          <p:spTgt spid="72"/>
+                                        </p:tgtEl>
+                                        <p:attrNameLst>
+                                          <p:attrName>style.visibility</p:attrName>
+                                        </p:attrNameLst>
+                                      </p:cBhvr>
+                                      <p:to>
+                                        <p:strVal val="visible"/>
+                                      </p:to>
+                                    </p:set>
+                                  </p:childTnLst>
+                                </p:cTn>
+                              </p:par>
+                            </p:childTnLst>
+                          </p:cTn>
+                        </p:par>
+                        <p:par>
+                          <p:cTn id="42" fill="hold">
+                            <p:stCondLst>
+                              <p:cond delay="2000"/>
+                            </p:stCondLst>
+                            <p:childTnLst>
+                              <p:par>
+                                <p:cTn id="43" presetID="1" presetClass="entr" presetSubtype="0" fill="hold" grpId="1" nodeType="afterEffect">
+                                  <p:stCondLst>
+                                    <p:cond delay="0"/>
+                                  </p:stCondLst>
+                                  <p:childTnLst>
+                                    <p:set>
+                                      <p:cBhvr>
+                                        <p:cTn id="44" dur="1" fill="hold">
+                                          <p:stCondLst>
+                                            <p:cond delay="0"/>
+                                          </p:stCondLst>
+                                        </p:cTn>
+                                        <p:tgtEl>
+                                          <p:spTgt spid="31"/>
+                                        </p:tgtEl>
+                                        <p:attrNameLst>
+                                          <p:attrName>style.visibility</p:attrName>
+                                        </p:attrNameLst>
+                                      </p:cBhvr>
+                                      <p:to>
+                                        <p:strVal val="visible"/>
+                                      </p:to>
+                                    </p:set>
+                                  </p:childTnLst>
+                                </p:cTn>
+                              </p:par>
+                            </p:childTnLst>
+                          </p:cTn>
+                        </p:par>
+                        <p:par>
+                          <p:cTn id="45" fill="hold">
+                            <p:stCondLst>
+                              <p:cond delay="2000"/>
+                            </p:stCondLst>
+                            <p:childTnLst>
+                              <p:par>
+                                <p:cTn id="46" presetID="10" presetClass="entr" presetSubtype="0" fill="hold" nodeType="afterEffect">
+                                  <p:stCondLst>
+                                    <p:cond delay="0"/>
+                                  </p:stCondLst>
+                                  <p:childTnLst>
+                                    <p:set>
+                                      <p:cBhvr>
+                                        <p:cTn id="47" dur="1" fill="hold">
+                                          <p:stCondLst>
+                                            <p:cond delay="0"/>
+                                          </p:stCondLst>
+                                        </p:cTn>
+                                        <p:tgtEl>
+                                          <p:spTgt spid="29"/>
+                                        </p:tgtEl>
+                                        <p:attrNameLst>
+                                          <p:attrName>style.visibility</p:attrName>
+                                        </p:attrNameLst>
+                                      </p:cBhvr>
+                                      <p:to>
+                                        <p:strVal val="visible"/>
+                                      </p:to>
+                                    </p:set>
+                                    <p:animEffect transition="in" filter="fade">
+                                      <p:cBhvr>
+                                        <p:cTn id="48" dur="500"/>
+                                        <p:tgtEl>
+                                          <p:spTgt spid="29"/>
+                                        </p:tgtEl>
+                                      </p:cBhvr>
+                                    </p:animEffect>
+                                  </p:childTnLst>
+                                </p:cTn>
+                              </p:par>
+                            </p:childTnLst>
+                          </p:cTn>
+                        </p:par>
+                        <p:par>
+                          <p:cTn id="49" fill="hold">
+                            <p:stCondLst>
+                              <p:cond delay="2500"/>
+                            </p:stCondLst>
+                            <p:childTnLst>
+                              <p:par>
+                                <p:cTn id="50" presetID="1" presetClass="entr" presetSubtype="0" fill="hold" nodeType="afterEffect">
+                                  <p:stCondLst>
+                                    <p:cond delay="0"/>
+                                  </p:stCondLst>
+                                  <p:childTnLst>
+                                    <p:set>
+                                      <p:cBhvr>
+                                        <p:cTn id="51" dur="1" fill="hold">
+                                          <p:stCondLst>
+                                            <p:cond delay="0"/>
+                                          </p:stCondLst>
+                                        </p:cTn>
+                                        <p:tgtEl>
+                                          <p:spTgt spid="36"/>
+                                        </p:tgtEl>
+                                        <p:attrNameLst>
+                                          <p:attrName>style.visibility</p:attrName>
+                                        </p:attrNameLst>
+                                      </p:cBhvr>
+                                      <p:to>
+                                        <p:strVal val="visible"/>
+                                      </p:to>
+                                    </p:set>
+                                  </p:childTnLst>
+                                </p:cTn>
+                              </p:par>
+                            </p:childTnLst>
+                          </p:cTn>
+                        </p:par>
+                        <p:par>
+                          <p:cTn id="52" fill="hold">
+                            <p:stCondLst>
+                              <p:cond delay="2500"/>
+                            </p:stCondLst>
+                            <p:childTnLst>
+                              <p:par>
+                                <p:cTn id="53" presetID="1" presetClass="entr" presetSubtype="0" fill="hold" grpId="1" nodeType="afterEffect">
+                                  <p:stCondLst>
+                                    <p:cond delay="0"/>
+                                  </p:stCondLst>
+                                  <p:childTnLst>
+                                    <p:set>
+                                      <p:cBhvr>
+                                        <p:cTn id="54" dur="1" fill="hold">
+                                          <p:stCondLst>
+                                            <p:cond delay="0"/>
+                                          </p:stCondLst>
+                                        </p:cTn>
+                                        <p:tgtEl>
+                                          <p:spTgt spid="32"/>
+                                        </p:tgtEl>
+                                        <p:attrNameLst>
+                                          <p:attrName>style.visibility</p:attrName>
+                                        </p:attrNameLst>
+                                      </p:cBhvr>
+                                      <p:to>
+                                        <p:strVal val="visible"/>
+                                      </p:to>
+                                    </p:set>
+                                  </p:childTnLst>
+                                </p:cTn>
+                              </p:par>
+                            </p:childTnLst>
+                          </p:cTn>
+                        </p:par>
+                        <p:par>
+                          <p:cTn id="55" fill="hold">
+                            <p:stCondLst>
+                              <p:cond delay="2500"/>
+                            </p:stCondLst>
+                            <p:childTnLst>
+                              <p:par>
+                                <p:cTn id="56" presetID="1" presetClass="entr" presetSubtype="0" fill="hold" nodeType="afterEffect">
+                                  <p:stCondLst>
+                                    <p:cond delay="0"/>
+                                  </p:stCondLst>
+                                  <p:childTnLst>
+                                    <p:set>
+                                      <p:cBhvr>
+                                        <p:cTn id="57" dur="1" fill="hold">
+                                          <p:stCondLst>
+                                            <p:cond delay="0"/>
+                                          </p:stCondLst>
+                                        </p:cTn>
+                                        <p:tgtEl>
+                                          <p:spTgt spid="45"/>
+                                        </p:tgtEl>
+                                        <p:attrNameLst>
+                                          <p:attrName>style.visibility</p:attrName>
+                                        </p:attrNameLst>
+                                      </p:cBhvr>
+                                      <p:to>
+                                        <p:strVal val="visible"/>
+                                      </p:to>
+                                    </p:set>
+                                  </p:childTnLst>
+                                </p:cTn>
+                              </p:par>
+                            </p:childTnLst>
+                          </p:cTn>
+                        </p:par>
+                        <p:par>
+                          <p:cTn id="58" fill="hold">
+                            <p:stCondLst>
+                              <p:cond delay="2500"/>
+                            </p:stCondLst>
+                            <p:childTnLst>
+                              <p:par>
+                                <p:cTn id="59" presetID="1" presetClass="entr" presetSubtype="0" fill="hold" grpId="1" nodeType="afterEffect">
+                                  <p:stCondLst>
+                                    <p:cond delay="0"/>
+                                  </p:stCondLst>
+                                  <p:childTnLst>
+                                    <p:set>
+                                      <p:cBhvr>
+                                        <p:cTn id="60" dur="1" fill="hold">
+                                          <p:stCondLst>
+                                            <p:cond delay="0"/>
+                                          </p:stCondLst>
+                                        </p:cTn>
+                                        <p:tgtEl>
+                                          <p:spTgt spid="33"/>
+                                        </p:tgtEl>
+                                        <p:attrNameLst>
+                                          <p:attrName>style.visibility</p:attrName>
+                                        </p:attrNameLst>
+                                      </p:cBhvr>
+                                      <p:to>
+                                        <p:strVal val="visible"/>
+                                      </p:to>
+                                    </p:set>
+                                  </p:childTnLst>
+                                </p:cTn>
+                              </p:par>
+                            </p:childTnLst>
+                          </p:cTn>
+                        </p:par>
+                        <p:par>
+                          <p:cTn id="61" fill="hold">
+                            <p:stCondLst>
+                              <p:cond delay="2500"/>
+                            </p:stCondLst>
+                            <p:childTnLst>
+                              <p:par>
+                                <p:cTn id="62" presetID="1" presetClass="entr" presetSubtype="0" fill="hold" nodeType="afterEffect">
+                                  <p:stCondLst>
+                                    <p:cond delay="0"/>
+                                  </p:stCondLst>
+                                  <p:childTnLst>
+                                    <p:set>
+                                      <p:cBhvr>
+                                        <p:cTn id="63" dur="1" fill="hold">
+                                          <p:stCondLst>
+                                            <p:cond delay="0"/>
+                                          </p:stCondLst>
+                                        </p:cTn>
+                                        <p:tgtEl>
+                                          <p:spTgt spid="54"/>
+                                        </p:tgtEl>
+                                        <p:attrNameLst>
+                                          <p:attrName>style.visibility</p:attrName>
+                                        </p:attrNameLst>
+                                      </p:cBhvr>
+                                      <p:to>
+                                        <p:strVal val="visible"/>
+                                      </p:to>
+                                    </p:set>
+                                  </p:childTnLst>
+                                </p:cTn>
+                              </p:par>
+                            </p:childTnLst>
+                          </p:cTn>
+                        </p:par>
+                        <p:par>
+                          <p:cTn id="64" fill="hold">
+                            <p:stCondLst>
+                              <p:cond delay="2500"/>
+                            </p:stCondLst>
+                            <p:childTnLst>
+                              <p:par>
+                                <p:cTn id="65" presetID="1" presetClass="entr" presetSubtype="0" fill="hold" grpId="1" nodeType="afterEffect">
+                                  <p:stCondLst>
+                                    <p:cond delay="0"/>
+                                  </p:stCondLst>
+                                  <p:childTnLst>
+                                    <p:set>
+                                      <p:cBhvr>
+                                        <p:cTn id="66" dur="1" fill="hold">
+                                          <p:stCondLst>
+                                            <p:cond delay="0"/>
+                                          </p:stCondLst>
+                                        </p:cTn>
+                                        <p:tgtEl>
+                                          <p:spTgt spid="34"/>
+                                        </p:tgtEl>
+                                        <p:attrNameLst>
+                                          <p:attrName>style.visibility</p:attrName>
+                                        </p:attrNameLst>
+                                      </p:cBhvr>
+                                      <p:to>
+                                        <p:strVal val="visible"/>
+                                      </p:to>
+                                    </p:set>
+                                  </p:childTnLst>
+                                </p:cTn>
+                              </p:par>
+                            </p:childTnLst>
+                          </p:cTn>
+                        </p:par>
+                        <p:par>
+                          <p:cTn id="67" fill="hold">
+                            <p:stCondLst>
+                              <p:cond delay="2500"/>
+                            </p:stCondLst>
+                            <p:childTnLst>
+                              <p:par>
+                                <p:cTn id="68" presetID="1" presetClass="entr" presetSubtype="0" fill="hold" nodeType="afterEffect">
+                                  <p:stCondLst>
+                                    <p:cond delay="0"/>
+                                  </p:stCondLst>
+                                  <p:childTnLst>
+                                    <p:set>
+                                      <p:cBhvr>
+                                        <p:cTn id="69" dur="1" fill="hold">
+                                          <p:stCondLst>
+                                            <p:cond delay="0"/>
+                                          </p:stCondLst>
+                                        </p:cTn>
+                                        <p:tgtEl>
+                                          <p:spTgt spid="63"/>
+                                        </p:tgtEl>
+                                        <p:attrNameLst>
+                                          <p:attrName>style.visibility</p:attrName>
+                                        </p:attrNameLst>
+                                      </p:cBhvr>
+                                      <p:to>
+                                        <p:strVal val="visible"/>
+                                      </p:to>
+                                    </p:set>
+                                  </p:childTnLst>
+                                </p:cTn>
+                              </p:par>
+                            </p:childTnLst>
+                          </p:cTn>
+                        </p:par>
+                        <p:par>
+                          <p:cTn id="70" fill="hold">
+                            <p:stCondLst>
+                              <p:cond delay="2500"/>
+                            </p:stCondLst>
+                            <p:childTnLst>
+                              <p:par>
+                                <p:cTn id="71" presetID="1" presetClass="entr" presetSubtype="0" fill="hold" grpId="1" nodeType="afterEffect">
+                                  <p:stCondLst>
+                                    <p:cond delay="0"/>
+                                  </p:stCondLst>
+                                  <p:childTnLst>
+                                    <p:set>
+                                      <p:cBhvr>
+                                        <p:cTn id="72" dur="1" fill="hold">
+                                          <p:stCondLst>
+                                            <p:cond delay="0"/>
+                                          </p:stCondLst>
+                                        </p:cTn>
+                                        <p:tgtEl>
+                                          <p:spTgt spid="35"/>
+                                        </p:tgtEl>
+                                        <p:attrNameLst>
+                                          <p:attrName>style.visibility</p:attrName>
+                                        </p:attrNameLst>
+                                      </p:cBhvr>
+                                      <p:to>
+                                        <p:strVal val="visible"/>
+                                      </p:to>
+                                    </p:set>
+                                  </p:childTnLst>
+                                </p:cTn>
+                              </p:par>
+                            </p:childTnLst>
+                          </p:cTn>
+                        </p:par>
+                        <p:par>
+                          <p:cTn id="73" fill="hold">
+                            <p:stCondLst>
+                              <p:cond delay="2500"/>
+                            </p:stCondLst>
+                            <p:childTnLst>
+                              <p:par>
+                                <p:cTn id="74" presetID="1" presetClass="exit" presetSubtype="0" fill="hold" nodeType="afterEffect">
+                                  <p:stCondLst>
+                                    <p:cond delay="0"/>
+                                  </p:stCondLst>
+                                  <p:childTnLst>
+                                    <p:set>
+                                      <p:cBhvr>
+                                        <p:cTn id="75" dur="1" fill="hold">
+                                          <p:stCondLst>
+                                            <p:cond delay="0"/>
+                                          </p:stCondLst>
+                                        </p:cTn>
+                                        <p:tgtEl>
+                                          <p:spTgt spid="29"/>
+                                        </p:tgtEl>
+                                        <p:attrNameLst>
+                                          <p:attrName>style.visibility</p:attrName>
+                                        </p:attrNameLst>
+                                      </p:cBhvr>
+                                      <p:to>
+                                        <p:strVal val="hidden"/>
+                                      </p:to>
+                                    </p:set>
+                                  </p:childTnLst>
+                                </p:cTn>
+                              </p:par>
+                            </p:childTnLst>
+                          </p:cTn>
+                        </p:par>
+                        <p:par>
+                          <p:cTn id="76" fill="hold">
+                            <p:stCondLst>
+                              <p:cond delay="2500"/>
+                            </p:stCondLst>
+                            <p:childTnLst>
+                              <p:par>
+                                <p:cTn id="77" presetID="1" presetClass="exit" presetSubtype="0" fill="hold" grpId="2" nodeType="afterEffect">
+                                  <p:stCondLst>
+                                    <p:cond delay="0"/>
+                                  </p:stCondLst>
+                                  <p:childTnLst>
+                                    <p:set>
+                                      <p:cBhvr>
+                                        <p:cTn id="78" dur="1" fill="hold">
+                                          <p:stCondLst>
+                                            <p:cond delay="0"/>
+                                          </p:stCondLst>
+                                        </p:cTn>
+                                        <p:tgtEl>
+                                          <p:spTgt spid="32"/>
+                                        </p:tgtEl>
+                                        <p:attrNameLst>
+                                          <p:attrName>style.visibility</p:attrName>
+                                        </p:attrNameLst>
+                                      </p:cBhvr>
+                                      <p:to>
+                                        <p:strVal val="hidden"/>
+                                      </p:to>
+                                    </p:set>
+                                  </p:childTnLst>
+                                </p:cTn>
+                              </p:par>
+                            </p:childTnLst>
+                          </p:cTn>
+                        </p:par>
+                        <p:par>
+                          <p:cTn id="79" fill="hold">
+                            <p:stCondLst>
+                              <p:cond delay="2500"/>
+                            </p:stCondLst>
+                            <p:childTnLst>
+                              <p:par>
+                                <p:cTn id="80" presetID="1" presetClass="exit" presetSubtype="0" fill="hold" grpId="2" nodeType="afterEffect">
+                                  <p:stCondLst>
+                                    <p:cond delay="0"/>
+                                  </p:stCondLst>
+                                  <p:childTnLst>
+                                    <p:set>
+                                      <p:cBhvr>
+                                        <p:cTn id="81" dur="1" fill="hold">
+                                          <p:stCondLst>
+                                            <p:cond delay="0"/>
+                                          </p:stCondLst>
+                                        </p:cTn>
+                                        <p:tgtEl>
+                                          <p:spTgt spid="33"/>
+                                        </p:tgtEl>
+                                        <p:attrNameLst>
+                                          <p:attrName>style.visibility</p:attrName>
+                                        </p:attrNameLst>
+                                      </p:cBhvr>
+                                      <p:to>
+                                        <p:strVal val="hidden"/>
+                                      </p:to>
+                                    </p:set>
+                                  </p:childTnLst>
+                                </p:cTn>
+                              </p:par>
+                            </p:childTnLst>
+                          </p:cTn>
+                        </p:par>
+                        <p:par>
+                          <p:cTn id="82" fill="hold">
+                            <p:stCondLst>
+                              <p:cond delay="2500"/>
+                            </p:stCondLst>
+                            <p:childTnLst>
+                              <p:par>
+                                <p:cTn id="83" presetID="1" presetClass="exit" presetSubtype="0" fill="hold" grpId="2" nodeType="afterEffect">
+                                  <p:stCondLst>
+                                    <p:cond delay="0"/>
+                                  </p:stCondLst>
+                                  <p:childTnLst>
+                                    <p:set>
+                                      <p:cBhvr>
+                                        <p:cTn id="84" dur="1" fill="hold">
+                                          <p:stCondLst>
+                                            <p:cond delay="0"/>
+                                          </p:stCondLst>
+                                        </p:cTn>
+                                        <p:tgtEl>
+                                          <p:spTgt spid="34"/>
+                                        </p:tgtEl>
+                                        <p:attrNameLst>
+                                          <p:attrName>style.visibility</p:attrName>
+                                        </p:attrNameLst>
+                                      </p:cBhvr>
+                                      <p:to>
+                                        <p:strVal val="hidden"/>
+                                      </p:to>
+                                    </p:set>
+                                  </p:childTnLst>
+                                </p:cTn>
+                              </p:par>
+                            </p:childTnLst>
+                          </p:cTn>
+                        </p:par>
+                        <p:par>
+                          <p:cTn id="85" fill="hold">
+                            <p:stCondLst>
+                              <p:cond delay="2500"/>
+                            </p:stCondLst>
+                            <p:childTnLst>
+                              <p:par>
+                                <p:cTn id="86" presetID="1" presetClass="exit" presetSubtype="0" fill="hold" nodeType="afterEffect">
+                                  <p:stCondLst>
+                                    <p:cond delay="0"/>
+                                  </p:stCondLst>
+                                  <p:childTnLst>
+                                    <p:set>
+                                      <p:cBhvr>
+                                        <p:cTn id="87" dur="1" fill="hold">
+                                          <p:stCondLst>
+                                            <p:cond delay="0"/>
+                                          </p:stCondLst>
+                                        </p:cTn>
+                                        <p:tgtEl>
+                                          <p:spTgt spid="36"/>
+                                        </p:tgtEl>
+                                        <p:attrNameLst>
+                                          <p:attrName>style.visibility</p:attrName>
+                                        </p:attrNameLst>
+                                      </p:cBhvr>
+                                      <p:to>
+                                        <p:strVal val="hidden"/>
+                                      </p:to>
+                                    </p:set>
+                                  </p:childTnLst>
+                                </p:cTn>
+                              </p:par>
+                            </p:childTnLst>
+                          </p:cTn>
+                        </p:par>
+                        <p:par>
+                          <p:cTn id="88" fill="hold">
+                            <p:stCondLst>
+                              <p:cond delay="2500"/>
+                            </p:stCondLst>
+                            <p:childTnLst>
+                              <p:par>
+                                <p:cTn id="89" presetID="1" presetClass="exit" presetSubtype="0" fill="hold" nodeType="afterEffect">
+                                  <p:stCondLst>
+                                    <p:cond delay="0"/>
+                                  </p:stCondLst>
+                                  <p:childTnLst>
+                                    <p:set>
+                                      <p:cBhvr>
+                                        <p:cTn id="90" dur="1" fill="hold">
+                                          <p:stCondLst>
+                                            <p:cond delay="0"/>
+                                          </p:stCondLst>
+                                        </p:cTn>
+                                        <p:tgtEl>
+                                          <p:spTgt spid="45"/>
+                                        </p:tgtEl>
+                                        <p:attrNameLst>
+                                          <p:attrName>style.visibility</p:attrName>
+                                        </p:attrNameLst>
+                                      </p:cBhvr>
+                                      <p:to>
+                                        <p:strVal val="hidden"/>
+                                      </p:to>
+                                    </p:set>
+                                  </p:childTnLst>
+                                </p:cTn>
+                              </p:par>
+                            </p:childTnLst>
+                          </p:cTn>
+                        </p:par>
+                        <p:par>
+                          <p:cTn id="91" fill="hold">
+                            <p:stCondLst>
+                              <p:cond delay="2500"/>
+                            </p:stCondLst>
+                            <p:childTnLst>
+                              <p:par>
+                                <p:cTn id="92" presetID="1" presetClass="exit" presetSubtype="0" fill="hold" nodeType="afterEffect">
+                                  <p:stCondLst>
+                                    <p:cond delay="0"/>
+                                  </p:stCondLst>
+                                  <p:childTnLst>
+                                    <p:set>
+                                      <p:cBhvr>
+                                        <p:cTn id="93" dur="1" fill="hold">
+                                          <p:stCondLst>
+                                            <p:cond delay="0"/>
+                                          </p:stCondLst>
+                                        </p:cTn>
+                                        <p:tgtEl>
+                                          <p:spTgt spid="54"/>
+                                        </p:tgtEl>
+                                        <p:attrNameLst>
+                                          <p:attrName>style.visibility</p:attrName>
+                                        </p:attrNameLst>
+                                      </p:cBhvr>
+                                      <p:to>
+                                        <p:strVal val="hidden"/>
+                                      </p:to>
+                                    </p:set>
+                                  </p:childTnLst>
+                                </p:cTn>
+                              </p:par>
+                            </p:childTnLst>
+                          </p:cTn>
+                        </p:par>
+                        <p:par>
+                          <p:cTn id="94" fill="hold">
+                            <p:stCondLst>
+                              <p:cond delay="2500"/>
+                            </p:stCondLst>
+                            <p:childTnLst>
+                              <p:par>
+                                <p:cTn id="95" presetID="1" presetClass="exit" presetSubtype="0" fill="hold" nodeType="afterEffect">
+                                  <p:stCondLst>
+                                    <p:cond delay="0"/>
+                                  </p:stCondLst>
+                                  <p:childTnLst>
+                                    <p:set>
+                                      <p:cBhvr>
+                                        <p:cTn id="96" dur="1" fill="hold">
+                                          <p:stCondLst>
+                                            <p:cond delay="0"/>
+                                          </p:stCondLst>
+                                        </p:cTn>
+                                        <p:tgtEl>
+                                          <p:spTgt spid="63"/>
+                                        </p:tgtEl>
+                                        <p:attrNameLst>
+                                          <p:attrName>style.visibility</p:attrName>
+                                        </p:attrNameLst>
+                                      </p:cBhvr>
+                                      <p:to>
+                                        <p:strVal val="hidden"/>
+                                      </p:to>
+                                    </p:set>
+                                  </p:childTnLst>
+                                </p:cTn>
+                              </p:par>
+                            </p:childTnLst>
+                          </p:cTn>
+                        </p:par>
+                        <p:par>
+                          <p:cTn id="97" fill="hold">
+                            <p:stCondLst>
+                              <p:cond delay="2500"/>
+                            </p:stCondLst>
+                            <p:childTnLst>
+                              <p:par>
+                                <p:cTn id="98" presetID="1" presetClass="exit" presetSubtype="0" fill="hold" nodeType="afterEffect">
+                                  <p:stCondLst>
+                                    <p:cond delay="0"/>
+                                  </p:stCondLst>
+                                  <p:childTnLst>
+                                    <p:set>
+                                      <p:cBhvr>
+                                        <p:cTn id="99" dur="1" fill="hold">
+                                          <p:stCondLst>
+                                            <p:cond delay="0"/>
+                                          </p:stCondLst>
+                                        </p:cTn>
+                                        <p:tgtEl>
+                                          <p:spTgt spid="72"/>
+                                        </p:tgtEl>
+                                        <p:attrNameLst>
+                                          <p:attrName>style.visibility</p:attrName>
+                                        </p:attrNameLst>
+                                      </p:cBhvr>
+                                      <p:to>
+                                        <p:strVal val="hidden"/>
+                                      </p:to>
+                                    </p:set>
+                                  </p:childTnLst>
+                                </p:cTn>
+                              </p:par>
+                            </p:childTnLst>
+                          </p:cTn>
+                        </p:par>
+                        <p:par>
+                          <p:cTn id="100" fill="hold">
+                            <p:stCondLst>
+                              <p:cond delay="2500"/>
+                            </p:stCondLst>
+                            <p:childTnLst>
+                              <p:par>
+                                <p:cTn id="101" presetID="1" presetClass="exit" presetSubtype="0" fill="hold" grpId="2" nodeType="afterEffect">
+                                  <p:stCondLst>
+                                    <p:cond delay="0"/>
+                                  </p:stCondLst>
+                                  <p:childTnLst>
+                                    <p:set>
+                                      <p:cBhvr>
+                                        <p:cTn id="102" dur="1" fill="hold">
+                                          <p:stCondLst>
+                                            <p:cond delay="0"/>
+                                          </p:stCondLst>
+                                        </p:cTn>
+                                        <p:tgtEl>
+                                          <p:spTgt spid="35"/>
+                                        </p:tgtEl>
+                                        <p:attrNameLst>
+                                          <p:attrName>style.visibility</p:attrName>
+                                        </p:attrNameLst>
+                                      </p:cBhvr>
+                                      <p:to>
+                                        <p:strVal val="hidden"/>
+                                      </p:to>
+                                    </p:set>
+                                  </p:childTnLst>
+                                </p:cTn>
+                              </p:par>
+                            </p:childTnLst>
+                          </p:cTn>
+                        </p:par>
+                        <p:par>
+                          <p:cTn id="103" fill="hold">
+                            <p:stCondLst>
+                              <p:cond delay="2500"/>
+                            </p:stCondLst>
+                            <p:childTnLst>
+                              <p:par>
+                                <p:cTn id="104" presetID="1" presetClass="exit" presetSubtype="0" fill="hold" grpId="2" nodeType="afterEffect">
+                                  <p:stCondLst>
+                                    <p:cond delay="0"/>
+                                  </p:stCondLst>
+                                  <p:childTnLst>
+                                    <p:set>
+                                      <p:cBhvr>
+                                        <p:cTn id="105" dur="1" fill="hold">
+                                          <p:stCondLst>
+                                            <p:cond delay="0"/>
+                                          </p:stCondLst>
+                                        </p:cTn>
+                                        <p:tgtEl>
+                                          <p:spTgt spid="31"/>
+                                        </p:tgtEl>
+                                        <p:attrNameLst>
+                                          <p:attrName>style.visibility</p:attrName>
+                                        </p:attrNameLst>
+                                      </p:cBhvr>
+                                      <p:to>
+                                        <p:strVal val="hidden"/>
+                                      </p:to>
+                                    </p:set>
+                                  </p:childTnLst>
+                                </p:cTn>
+                              </p:par>
+                            </p:childTnLst>
+                          </p:cTn>
+                        </p:par>
+                        <p:par>
+                          <p:cTn id="106" fill="hold">
+                            <p:stCondLst>
+                              <p:cond delay="2500"/>
+                            </p:stCondLst>
+                            <p:childTnLst>
+                              <p:par>
+                                <p:cTn id="107" presetID="1" presetClass="exit" presetSubtype="0" fill="hold" nodeType="afterEffect">
+                                  <p:stCondLst>
+                                    <p:cond delay="0"/>
+                                  </p:stCondLst>
+                                  <p:childTnLst>
+                                    <p:set>
+                                      <p:cBhvr>
+                                        <p:cTn id="108" dur="1" fill="hold">
+                                          <p:stCondLst>
+                                            <p:cond delay="0"/>
+                                          </p:stCondLst>
+                                        </p:cTn>
+                                        <p:tgtEl>
+                                          <p:spTgt spid="87"/>
+                                        </p:tgtEl>
+                                        <p:attrNameLst>
+                                          <p:attrName>style.visibility</p:attrName>
+                                        </p:attrNameLst>
+                                      </p:cBhvr>
+                                      <p:to>
+                                        <p:strVal val="hidden"/>
+                                      </p:to>
+                                    </p:set>
+                                  </p:childTnLst>
+                                </p:cTn>
+                              </p:par>
+                            </p:childTnLst>
+                          </p:cTn>
+                        </p:par>
+                        <p:par>
+                          <p:cTn id="109" fill="hold">
+                            <p:stCondLst>
+                              <p:cond delay="2500"/>
+                            </p:stCondLst>
+                            <p:childTnLst>
+                              <p:par>
+                                <p:cTn id="110" presetID="1" presetClass="exit" presetSubtype="0" fill="hold" nodeType="afterEffect">
+                                  <p:stCondLst>
+                                    <p:cond delay="0"/>
+                                  </p:stCondLst>
+                                  <p:childTnLst>
+                                    <p:set>
+                                      <p:cBhvr>
+                                        <p:cTn id="111" dur="1" fill="hold">
+                                          <p:stCondLst>
+                                            <p:cond delay="0"/>
+                                          </p:stCondLst>
+                                        </p:cTn>
+                                        <p:tgtEl>
+                                          <p:spTgt spid="88"/>
+                                        </p:tgtEl>
+                                        <p:attrNameLst>
+                                          <p:attrName>style.visibility</p:attrName>
+                                        </p:attrNameLst>
+                                      </p:cBhvr>
+                                      <p:to>
+                                        <p:strVal val="hidden"/>
+                                      </p:to>
+                                    </p:set>
+                                  </p:childTnLst>
+                                </p:cTn>
+                              </p:par>
+                            </p:childTnLst>
+                          </p:cTn>
+                        </p:par>
+                        <p:par>
+                          <p:cTn id="112" fill="hold">
+                            <p:stCondLst>
+                              <p:cond delay="2500"/>
+                            </p:stCondLst>
+                            <p:childTnLst>
+                              <p:par>
+                                <p:cTn id="113" presetID="1" presetClass="exit" presetSubtype="0" fill="hold" nodeType="afterEffect">
+                                  <p:stCondLst>
+                                    <p:cond delay="0"/>
+                                  </p:stCondLst>
+                                  <p:childTnLst>
+                                    <p:set>
+                                      <p:cBhvr>
+                                        <p:cTn id="114" dur="1" fill="hold">
+                                          <p:stCondLst>
+                                            <p:cond delay="0"/>
+                                          </p:stCondLst>
+                                        </p:cTn>
+                                        <p:tgtEl>
+                                          <p:spTgt spid="89"/>
+                                        </p:tgtEl>
+                                        <p:attrNameLst>
+                                          <p:attrName>style.visibility</p:attrName>
+                                        </p:attrNameLst>
+                                      </p:cBhvr>
+                                      <p:to>
+                                        <p:strVal val="hidden"/>
+                                      </p:to>
+                                    </p:set>
+                                  </p:childTnLst>
+                                </p:cTn>
+                              </p:par>
+                            </p:childTnLst>
+                          </p:cTn>
+                        </p:par>
+                        <p:par>
+                          <p:cTn id="115" fill="hold">
+                            <p:stCondLst>
+                              <p:cond delay="2500"/>
+                            </p:stCondLst>
+                            <p:childTnLst>
+                              <p:par>
+                                <p:cTn id="116" presetID="1" presetClass="entr" presetSubtype="0" fill="hold" nodeType="afterEffect">
+                                  <p:stCondLst>
+                                    <p:cond delay="0"/>
+                                  </p:stCondLst>
+                                  <p:childTnLst>
+                                    <p:set>
+                                      <p:cBhvr>
+                                        <p:cTn id="117" dur="1" fill="hold">
+                                          <p:stCondLst>
+                                            <p:cond delay="0"/>
+                                          </p:stCondLst>
+                                        </p:cTn>
+                                        <p:tgtEl>
+                                          <p:spTgt spid="87"/>
+                                        </p:tgtEl>
+                                        <p:attrNameLst>
+                                          <p:attrName>style.visibility</p:attrName>
+                                        </p:attrNameLst>
+                                      </p:cBhvr>
+                                      <p:to>
+                                        <p:strVal val="visible"/>
+                                      </p:to>
+                                    </p:set>
+                                  </p:childTnLst>
+                                </p:cTn>
+                              </p:par>
+                            </p:childTnLst>
+                          </p:cTn>
+                        </p:par>
+                        <p:par>
+                          <p:cTn id="118" fill="hold">
+                            <p:stCondLst>
+                              <p:cond delay="2500"/>
+                            </p:stCondLst>
+                            <p:childTnLst>
+                              <p:par>
+                                <p:cTn id="119" presetID="1" presetClass="entr" presetSubtype="0" fill="hold" nodeType="afterEffect">
+                                  <p:stCondLst>
+                                    <p:cond delay="0"/>
+                                  </p:stCondLst>
+                                  <p:childTnLst>
+                                    <p:set>
+                                      <p:cBhvr>
+                                        <p:cTn id="120" dur="1" fill="hold">
+                                          <p:stCondLst>
+                                            <p:cond delay="0"/>
+                                          </p:stCondLst>
+                                        </p:cTn>
+                                        <p:tgtEl>
+                                          <p:spTgt spid="89"/>
+                                        </p:tgtEl>
+                                        <p:attrNameLst>
+                                          <p:attrName>style.visibility</p:attrName>
+                                        </p:attrNameLst>
+                                      </p:cBhvr>
+                                      <p:to>
+                                        <p:strVal val="visible"/>
+                                      </p:to>
+                                    </p:set>
+                                  </p:childTnLst>
+                                </p:cTn>
+                              </p:par>
+                            </p:childTnLst>
+                          </p:cTn>
+                        </p:par>
+                        <p:par>
+                          <p:cTn id="121" fill="hold">
+                            <p:stCondLst>
+                              <p:cond delay="2500"/>
+                            </p:stCondLst>
+                            <p:childTnLst>
+                              <p:par>
+                                <p:cTn id="122" presetID="1" presetClass="entr" presetSubtype="0" fill="hold" nodeType="afterEffect">
+                                  <p:stCondLst>
+                                    <p:cond delay="0"/>
+                                  </p:stCondLst>
+                                  <p:childTnLst>
+                                    <p:set>
+                                      <p:cBhvr>
+                                        <p:cTn id="123" dur="1" fill="hold">
+                                          <p:stCondLst>
+                                            <p:cond delay="0"/>
+                                          </p:stCondLst>
+                                        </p:cTn>
+                                        <p:tgtEl>
+                                          <p:spTgt spid="88"/>
+                                        </p:tgtEl>
+                                        <p:attrNameLst>
+                                          <p:attrName>style.visibility</p:attrName>
+                                        </p:attrNameLst>
+                                      </p:cBhvr>
+                                      <p:to>
+                                        <p:strVal val="visible"/>
+                                      </p:to>
+                                    </p:set>
+                                  </p:childTnLst>
+                                </p:cTn>
+                              </p:par>
+                            </p:childTnLst>
+                          </p:cTn>
+                        </p:par>
+                        <p:par>
+                          <p:cTn id="124" fill="hold">
+                            <p:stCondLst>
+                              <p:cond delay="2500"/>
+                            </p:stCondLst>
+                            <p:childTnLst>
+                              <p:par>
+                                <p:cTn id="125" presetID="1" presetClass="exit" presetSubtype="0" fill="hold" nodeType="afterEffect">
+                                  <p:stCondLst>
+                                    <p:cond delay="0"/>
+                                  </p:stCondLst>
+                                  <p:childTnLst>
+                                    <p:set>
+                                      <p:cBhvr>
+                                        <p:cTn id="126" dur="1" fill="hold">
+                                          <p:stCondLst>
+                                            <p:cond delay="0"/>
+                                          </p:stCondLst>
+                                        </p:cTn>
+                                        <p:tgtEl>
+                                          <p:spTgt spid="87"/>
+                                        </p:tgtEl>
+                                        <p:attrNameLst>
+                                          <p:attrName>style.visibility</p:attrName>
+                                        </p:attrNameLst>
+                                      </p:cBhvr>
+                                      <p:to>
+                                        <p:strVal val="hidden"/>
+                                      </p:to>
+                                    </p:set>
+                                  </p:childTnLst>
+                                </p:cTn>
+                              </p:par>
+                            </p:childTnLst>
+                          </p:cTn>
+                        </p:par>
+                        <p:par>
+                          <p:cTn id="127" fill="hold">
+                            <p:stCondLst>
+                              <p:cond delay="2500"/>
+                            </p:stCondLst>
+                            <p:childTnLst>
+                              <p:par>
+                                <p:cTn id="128" presetID="1" presetClass="exit" presetSubtype="0" fill="hold" nodeType="afterEffect">
+                                  <p:stCondLst>
+                                    <p:cond delay="0"/>
+                                  </p:stCondLst>
+                                  <p:childTnLst>
+                                    <p:set>
+                                      <p:cBhvr>
+                                        <p:cTn id="129" dur="1" fill="hold">
+                                          <p:stCondLst>
+                                            <p:cond delay="0"/>
+                                          </p:stCondLst>
+                                        </p:cTn>
+                                        <p:tgtEl>
+                                          <p:spTgt spid="88"/>
+                                        </p:tgtEl>
+                                        <p:attrNameLst>
+                                          <p:attrName>style.visibility</p:attrName>
+                                        </p:attrNameLst>
+                                      </p:cBhvr>
+                                      <p:to>
+                                        <p:strVal val="hidden"/>
+                                      </p:to>
+                                    </p:set>
+                                  </p:childTnLst>
+                                </p:cTn>
+                              </p:par>
+                            </p:childTnLst>
+                          </p:cTn>
+                        </p:par>
+                        <p:par>
+                          <p:cTn id="130" fill="hold">
+                            <p:stCondLst>
+                              <p:cond delay="2500"/>
+                            </p:stCondLst>
+                            <p:childTnLst>
+                              <p:par>
+                                <p:cTn id="131" presetID="1" presetClass="exit" presetSubtype="0" fill="hold" nodeType="afterEffect">
+                                  <p:stCondLst>
+                                    <p:cond delay="0"/>
+                                  </p:stCondLst>
+                                  <p:childTnLst>
+                                    <p:set>
+                                      <p:cBhvr>
+                                        <p:cTn id="132" dur="1" fill="hold">
+                                          <p:stCondLst>
+                                            <p:cond delay="0"/>
+                                          </p:stCondLst>
+                                        </p:cTn>
+                                        <p:tgtEl>
+                                          <p:spTgt spid="89"/>
+                                        </p:tgtEl>
+                                        <p:attrNameLst>
+                                          <p:attrName>style.visibility</p:attrName>
+                                        </p:attrNameLst>
+                                      </p:cBhvr>
+                                      <p:to>
+                                        <p:strVal val="hidden"/>
+                                      </p:to>
+                                    </p:set>
+                                  </p:childTnLst>
+                                </p:cTn>
+                              </p:par>
                             </p:childTnLst>
                           </p:cTn>
                         </p:par>
@@ -9498,6 +14896,23 @@
         </p:cTn>
       </p:par>
     </p:tnLst>
+    <p:bldLst>
+      <p:bldP spid="31" grpId="0"/>
+      <p:bldP spid="31" grpId="1"/>
+      <p:bldP spid="31" grpId="2"/>
+      <p:bldP spid="32" grpId="0"/>
+      <p:bldP spid="32" grpId="1"/>
+      <p:bldP spid="32" grpId="2"/>
+      <p:bldP spid="33" grpId="0"/>
+      <p:bldP spid="33" grpId="1"/>
+      <p:bldP spid="33" grpId="2"/>
+      <p:bldP spid="34" grpId="0"/>
+      <p:bldP spid="34" grpId="1"/>
+      <p:bldP spid="34" grpId="2"/>
+      <p:bldP spid="35" grpId="0"/>
+      <p:bldP spid="35" grpId="1"/>
+      <p:bldP spid="35" grpId="2"/>
+    </p:bldLst>
   </p:timing>
 </p:sld>
 </file>
@@ -10203,11 +15618,7 @@
               <a:pPr algn="ctr"/>
               <a:r>
                 <a:rPr lang="en-US" sz="4000" dirty="0"/>
-                <a:t>Thanks for </a:t>
-              </a:r>
-              <a:r>
-                <a:rPr lang="en-US" sz="4000"/>
-                <a:t>your attention!</a:t>
+                <a:t>Thanks for your attention!</a:t>
               </a:r>
               <a:endParaRPr lang="bg-BG" sz="4000" dirty="0"/>
             </a:p>

--- a/Presentation and Documentation/Presentation.pptx
+++ b/Presentation and Documentation/Presentation.pptx
@@ -10612,6 +10612,145 @@
       </p:grpSp>
       <p:grpSp>
         <p:nvGrpSpPr>
+          <p:cNvPr id="19" name="Group 18">
+            <a:extLst>
+              <a:ext uri="{FF2B5EF4-FFF2-40B4-BE49-F238E27FC236}">
+                <a16:creationId xmlns:a16="http://schemas.microsoft.com/office/drawing/2014/main" id="{FFB8A8F9-FC54-4329-B011-50DCD6AE37B4}"/>
+              </a:ext>
+            </a:extLst>
+          </p:cNvPr>
+          <p:cNvGrpSpPr/>
+          <p:nvPr/>
+        </p:nvGrpSpPr>
+        <p:grpSpPr>
+          <a:xfrm>
+            <a:off x="442913" y="0"/>
+            <a:ext cx="12440557" cy="6858000"/>
+            <a:chOff x="190500" y="0"/>
+            <a:chExt cx="12001500" cy="6858000"/>
+          </a:xfrm>
+          <a:solidFill>
+            <a:schemeClr val="accent3"/>
+          </a:solidFill>
+          <a:effectLst>
+            <a:outerShdw blurRad="127000" dist="25400" dir="12780000" algn="ctr" rotWithShape="0">
+              <a:schemeClr val="tx1">
+                <a:alpha val="59000"/>
+              </a:schemeClr>
+            </a:outerShdw>
+          </a:effectLst>
+        </p:grpSpPr>
+        <p:sp>
+          <p:nvSpPr>
+            <p:cNvPr id="18" name="Rectangle 17">
+              <a:extLst>
+                <a:ext uri="{FF2B5EF4-FFF2-40B4-BE49-F238E27FC236}">
+                  <a16:creationId xmlns:a16="http://schemas.microsoft.com/office/drawing/2014/main" id="{BFCA6F2F-D9E6-4220-BCA0-5F1773C75D0B}"/>
+                </a:ext>
+              </a:extLst>
+            </p:cNvPr>
+            <p:cNvSpPr/>
+            <p:nvPr/>
+          </p:nvSpPr>
+          <p:spPr>
+            <a:xfrm>
+              <a:off x="838200" y="0"/>
+              <a:ext cx="11353800" cy="6858000"/>
+            </a:xfrm>
+            <a:prstGeom prst="rect">
+              <a:avLst/>
+            </a:prstGeom>
+            <a:grpFill/>
+            <a:ln>
+              <a:noFill/>
+            </a:ln>
+          </p:spPr>
+          <p:style>
+            <a:lnRef idx="2">
+              <a:schemeClr val="accent1">
+                <a:shade val="50000"/>
+              </a:schemeClr>
+            </a:lnRef>
+            <a:fillRef idx="1">
+              <a:schemeClr val="accent1"/>
+            </a:fillRef>
+            <a:effectRef idx="0">
+              <a:schemeClr val="accent1"/>
+            </a:effectRef>
+            <a:fontRef idx="minor">
+              <a:schemeClr val="lt1"/>
+            </a:fontRef>
+          </p:style>
+          <p:txBody>
+            <a:bodyPr rtlCol="0" anchor="ctr"/>
+            <a:lstStyle/>
+            <a:p>
+              <a:pPr algn="ctr"/>
+              <a:endParaRPr lang="bg-BG"/>
+            </a:p>
+          </p:txBody>
+        </p:sp>
+        <p:sp>
+          <p:nvSpPr>
+            <p:cNvPr id="13" name="Rectangle: Rounded Corners 12">
+              <a:extLst>
+                <a:ext uri="{FF2B5EF4-FFF2-40B4-BE49-F238E27FC236}">
+                  <a16:creationId xmlns:a16="http://schemas.microsoft.com/office/drawing/2014/main" id="{E8B2C438-FDD3-4882-B2EA-EABCE0DE78E6}"/>
+                </a:ext>
+              </a:extLst>
+            </p:cNvPr>
+            <p:cNvSpPr/>
+            <p:nvPr/>
+          </p:nvSpPr>
+          <p:spPr>
+            <a:xfrm>
+              <a:off x="190500" y="1968500"/>
+              <a:ext cx="2184400" cy="838200"/>
+            </a:xfrm>
+            <a:prstGeom prst="roundRect">
+              <a:avLst/>
+            </a:prstGeom>
+            <a:grpFill/>
+            <a:ln>
+              <a:noFill/>
+            </a:ln>
+          </p:spPr>
+          <p:style>
+            <a:lnRef idx="2">
+              <a:schemeClr val="accent1">
+                <a:shade val="50000"/>
+              </a:schemeClr>
+            </a:lnRef>
+            <a:fillRef idx="1">
+              <a:schemeClr val="accent1"/>
+            </a:fillRef>
+            <a:effectRef idx="0">
+              <a:schemeClr val="accent1"/>
+            </a:effectRef>
+            <a:fontRef idx="minor">
+              <a:schemeClr val="lt1"/>
+            </a:fontRef>
+          </p:style>
+          <p:txBody>
+            <a:bodyPr vert="vert270" rtlCol="0" anchor="t"/>
+            <a:lstStyle/>
+            <a:p>
+              <a:pPr algn="ctr"/>
+              <a:r>
+                <a:rPr lang="en-US" dirty="0"/>
+                <a:t>Apps used</a:t>
+              </a:r>
+              <a:endParaRPr lang="bg-BG" dirty="0"/>
+            </a:p>
+            <a:p>
+              <a:pPr algn="ctr"/>
+              <a:endParaRPr lang="bg-BG" dirty="0"/>
+            </a:p>
+          </p:txBody>
+        </p:sp>
+      </p:grpSp>
+      <p:grpSp>
+        <p:nvGrpSpPr>
           <p:cNvPr id="23" name="Group 22">
             <a:extLst>
               <a:ext uri="{FF2B5EF4-FFF2-40B4-BE49-F238E27FC236}">
@@ -10704,145 +10843,6 @@
               <a:extLst>
                 <a:ext uri="{FF2B5EF4-FFF2-40B4-BE49-F238E27FC236}">
                   <a16:creationId xmlns:a16="http://schemas.microsoft.com/office/drawing/2014/main" id="{0172BA64-F84E-4A96-A3B4-03EED0D0E654}"/>
-                </a:ext>
-              </a:extLst>
-            </p:cNvPr>
-            <p:cNvSpPr/>
-            <p:nvPr/>
-          </p:nvSpPr>
-          <p:spPr>
-            <a:xfrm>
-              <a:off x="838200" y="0"/>
-              <a:ext cx="11353800" cy="6858000"/>
-            </a:xfrm>
-            <a:prstGeom prst="rect">
-              <a:avLst/>
-            </a:prstGeom>
-            <a:grpFill/>
-            <a:ln>
-              <a:noFill/>
-            </a:ln>
-          </p:spPr>
-          <p:style>
-            <a:lnRef idx="2">
-              <a:schemeClr val="accent1">
-                <a:shade val="50000"/>
-              </a:schemeClr>
-            </a:lnRef>
-            <a:fillRef idx="1">
-              <a:schemeClr val="accent1"/>
-            </a:fillRef>
-            <a:effectRef idx="0">
-              <a:schemeClr val="accent1"/>
-            </a:effectRef>
-            <a:fontRef idx="minor">
-              <a:schemeClr val="lt1"/>
-            </a:fontRef>
-          </p:style>
-          <p:txBody>
-            <a:bodyPr rtlCol="0" anchor="ctr"/>
-            <a:lstStyle/>
-            <a:p>
-              <a:pPr algn="ctr"/>
-              <a:endParaRPr lang="bg-BG"/>
-            </a:p>
-          </p:txBody>
-        </p:sp>
-      </p:grpSp>
-      <p:grpSp>
-        <p:nvGrpSpPr>
-          <p:cNvPr id="19" name="Group 18">
-            <a:extLst>
-              <a:ext uri="{FF2B5EF4-FFF2-40B4-BE49-F238E27FC236}">
-                <a16:creationId xmlns:a16="http://schemas.microsoft.com/office/drawing/2014/main" id="{FFB8A8F9-FC54-4329-B011-50DCD6AE37B4}"/>
-              </a:ext>
-            </a:extLst>
-          </p:cNvPr>
-          <p:cNvGrpSpPr/>
-          <p:nvPr/>
-        </p:nvGrpSpPr>
-        <p:grpSpPr>
-          <a:xfrm>
-            <a:off x="442913" y="0"/>
-            <a:ext cx="12440557" cy="6858000"/>
-            <a:chOff x="190500" y="0"/>
-            <a:chExt cx="12001500" cy="6858000"/>
-          </a:xfrm>
-          <a:solidFill>
-            <a:schemeClr val="accent3"/>
-          </a:solidFill>
-          <a:effectLst>
-            <a:outerShdw blurRad="127000" dist="25400" dir="12780000" algn="ctr" rotWithShape="0">
-              <a:schemeClr val="tx1">
-                <a:alpha val="59000"/>
-              </a:schemeClr>
-            </a:outerShdw>
-          </a:effectLst>
-        </p:grpSpPr>
-        <p:sp>
-          <p:nvSpPr>
-            <p:cNvPr id="13" name="Rectangle: Rounded Corners 12">
-              <a:extLst>
-                <a:ext uri="{FF2B5EF4-FFF2-40B4-BE49-F238E27FC236}">
-                  <a16:creationId xmlns:a16="http://schemas.microsoft.com/office/drawing/2014/main" id="{E8B2C438-FDD3-4882-B2EA-EABCE0DE78E6}"/>
-                </a:ext>
-              </a:extLst>
-            </p:cNvPr>
-            <p:cNvSpPr/>
-            <p:nvPr/>
-          </p:nvSpPr>
-          <p:spPr>
-            <a:xfrm>
-              <a:off x="190500" y="1968500"/>
-              <a:ext cx="2184400" cy="838200"/>
-            </a:xfrm>
-            <a:prstGeom prst="roundRect">
-              <a:avLst/>
-            </a:prstGeom>
-            <a:grpFill/>
-            <a:ln>
-              <a:noFill/>
-            </a:ln>
-          </p:spPr>
-          <p:style>
-            <a:lnRef idx="2">
-              <a:schemeClr val="accent1">
-                <a:shade val="50000"/>
-              </a:schemeClr>
-            </a:lnRef>
-            <a:fillRef idx="1">
-              <a:schemeClr val="accent1"/>
-            </a:fillRef>
-            <a:effectRef idx="0">
-              <a:schemeClr val="accent1"/>
-            </a:effectRef>
-            <a:fontRef idx="minor">
-              <a:schemeClr val="lt1"/>
-            </a:fontRef>
-          </p:style>
-          <p:txBody>
-            <a:bodyPr vert="vert270" rtlCol="0" anchor="t"/>
-            <a:lstStyle/>
-            <a:p>
-              <a:pPr algn="ctr"/>
-              <a:r>
-                <a:rPr lang="en-US" dirty="0"/>
-                <a:t>Apps used</a:t>
-              </a:r>
-              <a:endParaRPr lang="bg-BG" dirty="0"/>
-            </a:p>
-            <a:p>
-              <a:pPr algn="ctr"/>
-              <a:endParaRPr lang="bg-BG" dirty="0"/>
-            </a:p>
-          </p:txBody>
-        </p:sp>
-        <p:sp>
-          <p:nvSpPr>
-            <p:cNvPr id="18" name="Rectangle 17">
-              <a:extLst>
-                <a:ext uri="{FF2B5EF4-FFF2-40B4-BE49-F238E27FC236}">
-                  <a16:creationId xmlns:a16="http://schemas.microsoft.com/office/drawing/2014/main" id="{BFCA6F2F-D9E6-4220-BCA0-5F1773C75D0B}"/>
                 </a:ext>
               </a:extLst>
             </p:cNvPr>

--- a/Presentation and Documentation/Presentation.pptx
+++ b/Presentation and Documentation/Presentation.pptx
@@ -1367,6 +1367,10 @@
                 <a:latin typeface="PT Sans"/>
               </a:rPr>
               <a:t>, rivers broke their banks, homes collapsed, and high winds and waters resulted in the deaths of hundreds of people and the displacement of thousands more. </a:t>
+            </a:r>
+            <a:r>
+              <a:rPr lang="bg-BG" dirty="0"/>
+              <a:t/>
             </a:r>
             <a:br>
               <a:rPr lang="bg-BG" dirty="0"/>
@@ -4247,7 +4251,7 @@
     <p:bg>
       <p:bgPr>
         <a:solidFill>
-          <a:srgbClr val="00133A"/>
+          <a:schemeClr val="bg1"/>
         </a:solidFill>
         <a:effectLst/>
       </p:bgPr>
@@ -4956,11 +4960,28 @@
             <a:bodyPr vert="vert270" rtlCol="0" anchor="t"/>
             <a:lstStyle/>
             <a:p>
+              <a:pPr algn="ctr"/>
               <a:r>
-                <a:rPr lang="en-US" dirty="0"/>
-                <a:t>About us</a:t>
+                <a:rPr lang="en-US" sz="1600" dirty="0" smtClean="0">
+                  <a:latin typeface="Century Gothic" panose="020B0502020202020204" pitchFamily="34" charset="0"/>
+                </a:rPr>
+                <a:t>About</a:t>
               </a:r>
-              <a:endParaRPr lang="bg-BG" dirty="0"/>
+              <a:r>
+                <a:rPr lang="en-US" dirty="0" smtClean="0">
+                  <a:latin typeface="Century Gothic" panose="020B0502020202020204" pitchFamily="34" charset="0"/>
+                </a:rPr>
+                <a:t> </a:t>
+              </a:r>
+              <a:r>
+                <a:rPr lang="en-US" sz="1600" dirty="0" smtClean="0">
+                  <a:latin typeface="Century Gothic" panose="020B0502020202020204" pitchFamily="34" charset="0"/>
+                </a:rPr>
+                <a:t>us</a:t>
+              </a:r>
+              <a:endParaRPr lang="bg-BG" dirty="0">
+                <a:latin typeface="Century Gothic" panose="020B0502020202020204" pitchFamily="34" charset="0"/>
+              </a:endParaRPr>
             </a:p>
           </p:txBody>
         </p:sp>
@@ -5092,10 +5113,14 @@
             <a:p>
               <a:pPr algn="ctr"/>
               <a:r>
-                <a:rPr lang="en-US" dirty="0"/>
+                <a:rPr lang="en-US" sz="1600" dirty="0">
+                  <a:latin typeface="Century Gothic" panose="020B0502020202020204" pitchFamily="34" charset="0"/>
+                </a:rPr>
                 <a:t>Idea</a:t>
               </a:r>
-              <a:endParaRPr lang="bg-BG" dirty="0"/>
+              <a:endParaRPr lang="bg-BG" dirty="0">
+                <a:latin typeface="Century Gothic" panose="020B0502020202020204" pitchFamily="34" charset="0"/>
+              </a:endParaRPr>
             </a:p>
           </p:txBody>
         </p:sp>
@@ -5177,10 +5202,26 @@
             <a:p>
               <a:pPr algn="ctr"/>
               <a:r>
-                <a:rPr lang="en-US" dirty="0"/>
-                <a:t>Apps used</a:t>
+                <a:rPr lang="en-US" sz="1600" dirty="0">
+                  <a:latin typeface="Century Gothic" panose="020B0502020202020204" pitchFamily="34" charset="0"/>
+                </a:rPr>
+                <a:t>Apps</a:t>
               </a:r>
-              <a:endParaRPr lang="bg-BG" dirty="0"/>
+              <a:r>
+                <a:rPr lang="en-US" dirty="0">
+                  <a:latin typeface="Century Gothic" panose="020B0502020202020204" pitchFamily="34" charset="0"/>
+                </a:rPr>
+                <a:t> </a:t>
+              </a:r>
+              <a:r>
+                <a:rPr lang="en-US" sz="1600" dirty="0">
+                  <a:latin typeface="Century Gothic" panose="020B0502020202020204" pitchFamily="34" charset="0"/>
+                </a:rPr>
+                <a:t>used</a:t>
+              </a:r>
+              <a:endParaRPr lang="bg-BG" dirty="0">
+                <a:latin typeface="Century Gothic" panose="020B0502020202020204" pitchFamily="34" charset="0"/>
+              </a:endParaRPr>
             </a:p>
           </p:txBody>
         </p:sp>
@@ -5312,10 +5353,14 @@
             <a:p>
               <a:pPr algn="ctr"/>
               <a:r>
-                <a:rPr lang="en-US" dirty="0"/>
+                <a:rPr lang="en-US" sz="1600" dirty="0">
+                  <a:latin typeface="Century Gothic" panose="020B0502020202020204" pitchFamily="34" charset="0"/>
+                </a:rPr>
                 <a:t>Stages</a:t>
               </a:r>
-              <a:endParaRPr lang="bg-BG" dirty="0"/>
+              <a:endParaRPr lang="bg-BG" sz="1600" dirty="0">
+                <a:latin typeface="Century Gothic" panose="020B0502020202020204" pitchFamily="34" charset="0"/>
+              </a:endParaRPr>
             </a:p>
           </p:txBody>
         </p:sp>
@@ -5447,10 +5492,14 @@
             <a:p>
               <a:pPr algn="ctr"/>
               <a:r>
-                <a:rPr lang="en-US" dirty="0"/>
+                <a:rPr lang="en-US" sz="1600" dirty="0">
+                  <a:latin typeface="Century Gothic" panose="020B0502020202020204" pitchFamily="34" charset="0"/>
+                </a:rPr>
                 <a:t>Thanks</a:t>
               </a:r>
-              <a:endParaRPr lang="bg-BG" dirty="0"/>
+              <a:endParaRPr lang="bg-BG" sz="1600" dirty="0">
+                <a:latin typeface="Century Gothic" panose="020B0502020202020204" pitchFamily="34" charset="0"/>
+              </a:endParaRPr>
             </a:p>
             <a:p>
               <a:pPr algn="ctr"/>
@@ -5586,17 +5635,19 @@
             <a:p>
               <a:pPr algn="ctr"/>
               <a:r>
-                <a:rPr lang="en-US" dirty="0">
+                <a:rPr lang="en-US" sz="1600" dirty="0">
                   <a:solidFill>
                     <a:schemeClr val="bg1"/>
                   </a:solidFill>
+                  <a:latin typeface="Century Gothic" panose="020B0502020202020204" pitchFamily="34" charset="0"/>
                 </a:rPr>
                 <a:t>Q&amp;A</a:t>
               </a:r>
-              <a:endParaRPr lang="bg-BG" dirty="0">
+              <a:endParaRPr lang="bg-BG" sz="1600" dirty="0">
                 <a:solidFill>
                   <a:schemeClr val="bg1"/>
                 </a:solidFill>
+                <a:latin typeface="Century Gothic" panose="020B0502020202020204" pitchFamily="34" charset="0"/>
               </a:endParaRPr>
             </a:p>
             <a:p>
@@ -5677,7 +5728,7 @@
                 <a14:useLocalDpi xmlns:a14="http://schemas.microsoft.com/office/drawing/2010/main" val="0"/>
               </a:ext>
               <a:ext uri="{96DAC541-7B7A-43D3-8B79-37D633B846F1}">
-                <asvg:svgBlip xmlns:asvg="http://schemas.microsoft.com/office/drawing/2016/SVG/main" r:embed="rId4"/>
+                <asvg:svgBlip xmlns:asvg="http://schemas.microsoft.com/office/drawing/2016/SVG/main" xmlns="" r:embed="rId4"/>
               </a:ext>
             </a:extLst>
           </a:blip>
@@ -5809,7 +5860,7 @@
         </p:nvGrpSpPr>
         <p:grpSpPr>
           <a:xfrm>
-            <a:off x="237905" y="0"/>
+            <a:off x="237533" y="0"/>
             <a:ext cx="11967639" cy="6858000"/>
             <a:chOff x="190500" y="0"/>
             <a:chExt cx="12001500" cy="6858000"/>
@@ -5922,10 +5973,14 @@
             <a:p>
               <a:pPr algn="ctr"/>
               <a:r>
-                <a:rPr lang="en-US" dirty="0"/>
+                <a:rPr lang="en-US" sz="1600" dirty="0">
+                  <a:latin typeface="Century Gothic" panose="020B0502020202020204" pitchFamily="34" charset="0"/>
+                </a:rPr>
                 <a:t>About us</a:t>
               </a:r>
-              <a:endParaRPr lang="bg-BG" dirty="0"/>
+              <a:endParaRPr lang="bg-BG" sz="1600" dirty="0">
+                <a:latin typeface="Century Gothic" panose="020B0502020202020204" pitchFamily="34" charset="0"/>
+              </a:endParaRPr>
             </a:p>
           </p:txBody>
         </p:sp>
@@ -6057,10 +6112,14 @@
             <a:p>
               <a:pPr algn="ctr"/>
               <a:r>
-                <a:rPr lang="en-US" dirty="0"/>
+                <a:rPr lang="en-US" sz="1600" dirty="0">
+                  <a:latin typeface="Century Gothic" panose="020B0502020202020204" pitchFamily="34" charset="0"/>
+                </a:rPr>
                 <a:t>Idea</a:t>
               </a:r>
-              <a:endParaRPr lang="bg-BG" dirty="0"/>
+              <a:endParaRPr lang="bg-BG" dirty="0">
+                <a:latin typeface="Century Gothic" panose="020B0502020202020204" pitchFamily="34" charset="0"/>
+              </a:endParaRPr>
             </a:p>
           </p:txBody>
         </p:sp>
@@ -6142,10 +6201,26 @@
             <a:p>
               <a:pPr algn="ctr"/>
               <a:r>
-                <a:rPr lang="en-US" dirty="0"/>
-                <a:t>Apps used</a:t>
+                <a:rPr lang="en-US" sz="1600" dirty="0">
+                  <a:latin typeface="Century Gothic" panose="020B0502020202020204" pitchFamily="34" charset="0"/>
+                </a:rPr>
+                <a:t>Apps</a:t>
               </a:r>
-              <a:endParaRPr lang="bg-BG" dirty="0"/>
+              <a:r>
+                <a:rPr lang="en-US" dirty="0">
+                  <a:latin typeface="Century Gothic" panose="020B0502020202020204" pitchFamily="34" charset="0"/>
+                </a:rPr>
+                <a:t> </a:t>
+              </a:r>
+              <a:r>
+                <a:rPr lang="en-US" sz="1600" dirty="0">
+                  <a:latin typeface="Century Gothic" panose="020B0502020202020204" pitchFamily="34" charset="0"/>
+                </a:rPr>
+                <a:t>used</a:t>
+              </a:r>
+              <a:endParaRPr lang="bg-BG" dirty="0">
+                <a:latin typeface="Century Gothic" panose="020B0502020202020204" pitchFamily="34" charset="0"/>
+              </a:endParaRPr>
             </a:p>
           </p:txBody>
         </p:sp>
@@ -6277,10 +6352,14 @@
             <a:p>
               <a:pPr algn="ctr"/>
               <a:r>
-                <a:rPr lang="en-US" dirty="0"/>
+                <a:rPr lang="en-US" sz="1600" dirty="0">
+                  <a:latin typeface="Century Gothic" panose="020B0502020202020204" pitchFamily="34" charset="0"/>
+                </a:rPr>
                 <a:t>Stages</a:t>
               </a:r>
-              <a:endParaRPr lang="bg-BG" dirty="0"/>
+              <a:endParaRPr lang="bg-BG" sz="1600" dirty="0">
+                <a:latin typeface="Century Gothic" panose="020B0502020202020204" pitchFamily="34" charset="0"/>
+              </a:endParaRPr>
             </a:p>
             <a:p>
               <a:pPr algn="ctr"/>
@@ -6416,10 +6495,14 @@
             <a:p>
               <a:pPr algn="ctr"/>
               <a:r>
-                <a:rPr lang="en-US" dirty="0"/>
+                <a:rPr lang="en-US" sz="1600" dirty="0">
+                  <a:latin typeface="Century Gothic" panose="020B0502020202020204" pitchFamily="34" charset="0"/>
+                </a:rPr>
                 <a:t>Thanks</a:t>
               </a:r>
-              <a:endParaRPr lang="bg-BG" dirty="0"/>
+              <a:endParaRPr lang="bg-BG" sz="1600" dirty="0">
+                <a:latin typeface="Century Gothic" panose="020B0502020202020204" pitchFamily="34" charset="0"/>
+              </a:endParaRPr>
             </a:p>
             <a:p>
               <a:pPr algn="ctr"/>
@@ -6555,10 +6638,11 @@
             <a:p>
               <a:pPr algn="ctr"/>
               <a:r>
-                <a:rPr lang="en-US" dirty="0">
+                <a:rPr lang="en-US" sz="1600" dirty="0">
                   <a:solidFill>
                     <a:schemeClr val="bg1"/>
                   </a:solidFill>
+                  <a:latin typeface="Century Gothic" panose="020B0502020202020204" pitchFamily="34" charset="0"/>
                 </a:rPr>
                 <a:t>Q&amp;A</a:t>
               </a:r>
@@ -6566,6 +6650,7 @@
                 <a:solidFill>
                   <a:schemeClr val="bg1"/>
                 </a:solidFill>
+                <a:latin typeface="Century Gothic" panose="020B0502020202020204" pitchFamily="34" charset="0"/>
               </a:endParaRPr>
             </a:p>
             <a:p>
@@ -6625,6 +6710,1011 @@
           </p:txBody>
         </p:sp>
       </p:grpSp>
+      <p:sp>
+        <p:nvSpPr>
+          <p:cNvPr id="32" name="TextBox 31"/>
+          <p:cNvSpPr txBox="1"/>
+          <p:nvPr/>
+        </p:nvSpPr>
+        <p:spPr>
+          <a:xfrm>
+            <a:off x="4551884" y="63097"/>
+            <a:ext cx="2930906" cy="584775"/>
+          </a:xfrm>
+          <a:prstGeom prst="rect">
+            <a:avLst/>
+          </a:prstGeom>
+          <a:noFill/>
+        </p:spPr>
+        <p:txBody>
+          <a:bodyPr wrap="square" rtlCol="0">
+            <a:spAutoFit/>
+          </a:bodyPr>
+          <a:lstStyle/>
+          <a:p>
+            <a:r>
+              <a:rPr lang="de-DE" sz="3200" dirty="0" smtClean="0">
+                <a:solidFill>
+                  <a:schemeClr val="bg1"/>
+                </a:solidFill>
+                <a:latin typeface="Century Gothic" panose="020B0502020202020204" pitchFamily="34" charset="0"/>
+              </a:rPr>
+              <a:t>Who are we?</a:t>
+            </a:r>
+            <a:endParaRPr lang="bg-BG" sz="3200" dirty="0">
+              <a:solidFill>
+                <a:schemeClr val="bg1"/>
+              </a:solidFill>
+              <a:latin typeface="Century Gothic" panose="020B0502020202020204" pitchFamily="34" charset="0"/>
+            </a:endParaRPr>
+          </a:p>
+        </p:txBody>
+      </p:sp>
+      <p:cxnSp>
+        <p:nvCxnSpPr>
+          <p:cNvPr id="34" name="Straight Connector 33"/>
+          <p:cNvCxnSpPr>
+            <a:stCxn id="29" idx="4"/>
+            <a:endCxn id="29" idx="4"/>
+          </p:cNvCxnSpPr>
+          <p:nvPr/>
+        </p:nvCxnSpPr>
+        <p:spPr>
+          <a:xfrm>
+            <a:off x="5954606" y="2242916"/>
+            <a:ext cx="0" cy="0"/>
+          </a:xfrm>
+          <a:prstGeom prst="line">
+            <a:avLst/>
+          </a:prstGeom>
+        </p:spPr>
+        <p:style>
+          <a:lnRef idx="1">
+            <a:schemeClr val="accent1"/>
+          </a:lnRef>
+          <a:fillRef idx="0">
+            <a:schemeClr val="accent1"/>
+          </a:fillRef>
+          <a:effectRef idx="0">
+            <a:schemeClr val="accent1"/>
+          </a:effectRef>
+          <a:fontRef idx="minor">
+            <a:schemeClr val="tx1"/>
+          </a:fontRef>
+        </p:style>
+      </p:cxnSp>
+      <p:sp>
+        <p:nvSpPr>
+          <p:cNvPr id="92" name="TextBox 91"/>
+          <p:cNvSpPr txBox="1"/>
+          <p:nvPr/>
+        </p:nvSpPr>
+        <p:spPr>
+          <a:xfrm>
+            <a:off x="5220720" y="2568119"/>
+            <a:ext cx="1609154" cy="338554"/>
+          </a:xfrm>
+          <a:prstGeom prst="rect">
+            <a:avLst/>
+          </a:prstGeom>
+          <a:noFill/>
+        </p:spPr>
+        <p:txBody>
+          <a:bodyPr wrap="square" rtlCol="0">
+            <a:spAutoFit/>
+          </a:bodyPr>
+          <a:lstStyle/>
+          <a:p>
+            <a:r>
+              <a:rPr lang="en-US" sz="1600" dirty="0" smtClean="0">
+                <a:solidFill>
+                  <a:schemeClr val="bg1"/>
+                </a:solidFill>
+                <a:latin typeface="Century Gothic" panose="020B0502020202020204" pitchFamily="34" charset="0"/>
+              </a:rPr>
+              <a:t>Scrum Trainer</a:t>
+            </a:r>
+            <a:endParaRPr lang="bg-BG" sz="1600" dirty="0">
+              <a:solidFill>
+                <a:schemeClr val="bg1"/>
+              </a:solidFill>
+              <a:latin typeface="Century Gothic" panose="020B0502020202020204" pitchFamily="34" charset="0"/>
+            </a:endParaRPr>
+          </a:p>
+        </p:txBody>
+      </p:sp>
+      <p:pic>
+        <p:nvPicPr>
+          <p:cNvPr id="29" name="Picture 28"/>
+          <p:cNvPicPr>
+            <a:picLocks noChangeAspect="1"/>
+          </p:cNvPicPr>
+          <p:nvPr/>
+        </p:nvPicPr>
+        <p:blipFill>
+          <a:blip r:embed="rId3"/>
+          <a:stretch>
+            <a:fillRect/>
+          </a:stretch>
+        </p:blipFill>
+        <p:spPr>
+          <a:xfrm>
+            <a:off x="5446385" y="1240305"/>
+            <a:ext cx="1016441" cy="1002611"/>
+          </a:xfrm>
+          <a:prstGeom prst="ellipse">
+            <a:avLst/>
+          </a:prstGeom>
+          <a:ln w="63500" cap="rnd">
+            <a:solidFill>
+              <a:schemeClr val="accent1">
+                <a:lumMod val="60000"/>
+                <a:lumOff val="40000"/>
+              </a:schemeClr>
+            </a:solidFill>
+          </a:ln>
+          <a:effectLst/>
+          <a:scene3d>
+            <a:camera prst="orthographicFront"/>
+            <a:lightRig rig="contrasting" dir="t">
+              <a:rot lat="0" lon="0" rev="3000000"/>
+            </a:lightRig>
+          </a:scene3d>
+          <a:sp3d contourW="7620">
+            <a:bevelT w="95250" h="31750"/>
+            <a:contourClr>
+              <a:srgbClr val="333333"/>
+            </a:contourClr>
+          </a:sp3d>
+        </p:spPr>
+      </p:pic>
+      <p:pic>
+        <p:nvPicPr>
+          <p:cNvPr id="30" name="Picture 29"/>
+          <p:cNvPicPr>
+            <a:picLocks noChangeAspect="1"/>
+          </p:cNvPicPr>
+          <p:nvPr/>
+        </p:nvPicPr>
+        <p:blipFill>
+          <a:blip r:embed="rId4"/>
+          <a:stretch>
+            <a:fillRect/>
+          </a:stretch>
+        </p:blipFill>
+        <p:spPr>
+          <a:xfrm>
+            <a:off x="3818827" y="2341525"/>
+            <a:ext cx="997896" cy="1006635"/>
+          </a:xfrm>
+          <a:prstGeom prst="ellipse">
+            <a:avLst/>
+          </a:prstGeom>
+          <a:ln w="63500" cap="rnd">
+            <a:solidFill>
+              <a:schemeClr val="accent1">
+                <a:lumMod val="60000"/>
+                <a:lumOff val="40000"/>
+              </a:schemeClr>
+            </a:solidFill>
+          </a:ln>
+          <a:effectLst/>
+          <a:scene3d>
+            <a:camera prst="orthographicFront"/>
+            <a:lightRig rig="contrasting" dir="t">
+              <a:rot lat="0" lon="0" rev="3000000"/>
+            </a:lightRig>
+          </a:scene3d>
+          <a:sp3d contourW="7620">
+            <a:bevelT w="95250" h="31750"/>
+            <a:contourClr>
+              <a:srgbClr val="333333"/>
+            </a:contourClr>
+          </a:sp3d>
+        </p:spPr>
+      </p:pic>
+      <p:pic>
+        <p:nvPicPr>
+          <p:cNvPr id="3" name="Picture 2"/>
+          <p:cNvPicPr>
+            <a:picLocks noChangeAspect="1"/>
+          </p:cNvPicPr>
+          <p:nvPr/>
+        </p:nvPicPr>
+        <p:blipFill>
+          <a:blip r:embed="rId5"/>
+          <a:stretch>
+            <a:fillRect/>
+          </a:stretch>
+        </p:blipFill>
+        <p:spPr>
+          <a:xfrm>
+            <a:off x="7066001" y="2306319"/>
+            <a:ext cx="1040522" cy="1040522"/>
+          </a:xfrm>
+          <a:prstGeom prst="ellipse">
+            <a:avLst/>
+          </a:prstGeom>
+          <a:ln w="63500" cap="rnd">
+            <a:solidFill>
+              <a:schemeClr val="accent1">
+                <a:lumMod val="60000"/>
+                <a:lumOff val="40000"/>
+              </a:schemeClr>
+            </a:solidFill>
+          </a:ln>
+          <a:effectLst/>
+          <a:scene3d>
+            <a:camera prst="orthographicFront"/>
+            <a:lightRig rig="contrasting" dir="t">
+              <a:rot lat="0" lon="0" rev="3000000"/>
+            </a:lightRig>
+          </a:scene3d>
+          <a:sp3d contourW="7620">
+            <a:bevelT w="95250" h="31750"/>
+            <a:contourClr>
+              <a:srgbClr val="333333"/>
+            </a:contourClr>
+          </a:sp3d>
+        </p:spPr>
+      </p:pic>
+      <p:pic>
+        <p:nvPicPr>
+          <p:cNvPr id="21" name="Picture 20"/>
+          <p:cNvPicPr>
+            <a:picLocks noChangeAspect="1"/>
+          </p:cNvPicPr>
+          <p:nvPr/>
+        </p:nvPicPr>
+        <p:blipFill rotWithShape="1">
+          <a:blip r:embed="rId6"/>
+          <a:srcRect l="11233" t="8234" r="13067" b="7893"/>
+          <a:stretch/>
+        </p:blipFill>
+        <p:spPr>
+          <a:xfrm>
+            <a:off x="3823665" y="3774860"/>
+            <a:ext cx="988219" cy="994053"/>
+          </a:xfrm>
+          <a:prstGeom prst="ellipse">
+            <a:avLst/>
+          </a:prstGeom>
+          <a:ln w="63500" cap="rnd">
+            <a:solidFill>
+              <a:schemeClr val="accent1">
+                <a:lumMod val="60000"/>
+                <a:lumOff val="40000"/>
+              </a:schemeClr>
+            </a:solidFill>
+          </a:ln>
+          <a:effectLst/>
+          <a:scene3d>
+            <a:camera prst="orthographicFront"/>
+            <a:lightRig rig="contrasting" dir="t">
+              <a:rot lat="0" lon="0" rev="3000000"/>
+            </a:lightRig>
+          </a:scene3d>
+          <a:sp3d contourW="7620">
+            <a:bevelT w="95250" h="31750"/>
+            <a:contourClr>
+              <a:srgbClr val="333333"/>
+            </a:contourClr>
+          </a:sp3d>
+        </p:spPr>
+      </p:pic>
+      <p:pic>
+        <p:nvPicPr>
+          <p:cNvPr id="28" name="Picture 27"/>
+          <p:cNvPicPr>
+            <a:picLocks noChangeAspect="1"/>
+          </p:cNvPicPr>
+          <p:nvPr/>
+        </p:nvPicPr>
+        <p:blipFill rotWithShape="1">
+          <a:blip r:embed="rId7"/>
+          <a:srcRect l="3938" r="4671"/>
+          <a:stretch/>
+        </p:blipFill>
+        <p:spPr>
+          <a:xfrm>
+            <a:off x="4768514" y="4908104"/>
+            <a:ext cx="1009791" cy="1027526"/>
+          </a:xfrm>
+          <a:prstGeom prst="ellipse">
+            <a:avLst/>
+          </a:prstGeom>
+          <a:ln w="63500" cap="rnd">
+            <a:solidFill>
+              <a:schemeClr val="accent1">
+                <a:lumMod val="60000"/>
+                <a:lumOff val="40000"/>
+              </a:schemeClr>
+            </a:solidFill>
+          </a:ln>
+          <a:effectLst/>
+          <a:scene3d>
+            <a:camera prst="orthographicFront"/>
+            <a:lightRig rig="contrasting" dir="t">
+              <a:rot lat="0" lon="0" rev="3000000"/>
+            </a:lightRig>
+          </a:scene3d>
+          <a:sp3d contourW="7620">
+            <a:bevelT w="95250" h="31750"/>
+            <a:contourClr>
+              <a:srgbClr val="333333"/>
+            </a:contourClr>
+          </a:sp3d>
+        </p:spPr>
+      </p:pic>
+      <p:pic>
+        <p:nvPicPr>
+          <p:cNvPr id="22" name="Picture 21"/>
+          <p:cNvPicPr>
+            <a:picLocks noChangeAspect="1"/>
+          </p:cNvPicPr>
+          <p:nvPr/>
+        </p:nvPicPr>
+        <p:blipFill>
+          <a:blip r:embed="rId8"/>
+          <a:stretch>
+            <a:fillRect/>
+          </a:stretch>
+        </p:blipFill>
+        <p:spPr>
+          <a:xfrm>
+            <a:off x="6166567" y="4941885"/>
+            <a:ext cx="1026596" cy="993745"/>
+          </a:xfrm>
+          <a:prstGeom prst="ellipse">
+            <a:avLst/>
+          </a:prstGeom>
+          <a:ln w="63500" cap="rnd">
+            <a:solidFill>
+              <a:schemeClr val="accent1">
+                <a:lumMod val="60000"/>
+                <a:lumOff val="40000"/>
+              </a:schemeClr>
+            </a:solidFill>
+          </a:ln>
+          <a:effectLst>
+            <a:outerShdw blurRad="50800" dist="38100" dir="2700000" algn="tl" rotWithShape="0">
+              <a:prstClr val="black">
+                <a:alpha val="40000"/>
+              </a:prstClr>
+            </a:outerShdw>
+          </a:effectLst>
+          <a:scene3d>
+            <a:camera prst="orthographicFront"/>
+            <a:lightRig rig="contrasting" dir="t">
+              <a:rot lat="0" lon="0" rev="3000000"/>
+            </a:lightRig>
+          </a:scene3d>
+          <a:sp3d contourW="7620">
+            <a:bevelT w="95250" h="31750"/>
+            <a:contourClr>
+              <a:srgbClr val="333333"/>
+            </a:contourClr>
+          </a:sp3d>
+        </p:spPr>
+      </p:pic>
+      <p:pic>
+        <p:nvPicPr>
+          <p:cNvPr id="31" name="Picture 30"/>
+          <p:cNvPicPr>
+            <a:picLocks noChangeAspect="1"/>
+          </p:cNvPicPr>
+          <p:nvPr/>
+        </p:nvPicPr>
+        <p:blipFill rotWithShape="1">
+          <a:blip r:embed="rId9"/>
+          <a:srcRect l="3319" t="6645" r="3319" b="6645"/>
+          <a:stretch/>
+        </p:blipFill>
+        <p:spPr>
+          <a:xfrm>
+            <a:off x="7026225" y="3789925"/>
+            <a:ext cx="1016441" cy="1004153"/>
+          </a:xfrm>
+          <a:prstGeom prst="ellipse">
+            <a:avLst/>
+          </a:prstGeom>
+          <a:ln w="63500" cap="rnd">
+            <a:solidFill>
+              <a:schemeClr val="accent1">
+                <a:lumMod val="60000"/>
+                <a:lumOff val="40000"/>
+              </a:schemeClr>
+            </a:solidFill>
+          </a:ln>
+          <a:effectLst/>
+          <a:scene3d>
+            <a:camera prst="orthographicFront"/>
+            <a:lightRig rig="contrasting" dir="t">
+              <a:rot lat="0" lon="0" rev="3000000"/>
+            </a:lightRig>
+          </a:scene3d>
+          <a:sp3d contourW="7620">
+            <a:bevelT w="95250" h="31750"/>
+            <a:contourClr>
+              <a:srgbClr val="333333"/>
+            </a:contourClr>
+          </a:sp3d>
+        </p:spPr>
+      </p:pic>
+      <p:sp>
+        <p:nvSpPr>
+          <p:cNvPr id="134" name="Rectangle 133"/>
+          <p:cNvSpPr/>
+          <p:nvPr/>
+        </p:nvSpPr>
+        <p:spPr>
+          <a:xfrm>
+            <a:off x="5261704" y="2270157"/>
+            <a:ext cx="1465466" cy="338554"/>
+          </a:xfrm>
+          <a:prstGeom prst="rect">
+            <a:avLst/>
+          </a:prstGeom>
+        </p:spPr>
+        <p:txBody>
+          <a:bodyPr wrap="none">
+            <a:spAutoFit/>
+          </a:bodyPr>
+          <a:lstStyle/>
+          <a:p>
+            <a:r>
+              <a:rPr lang="en-US" sz="1600" dirty="0">
+                <a:solidFill>
+                  <a:schemeClr val="bg1"/>
+                </a:solidFill>
+                <a:latin typeface="Century Gothic" panose="020B0502020202020204" pitchFamily="34" charset="0"/>
+              </a:rPr>
+              <a:t>Martin </a:t>
+            </a:r>
+            <a:r>
+              <a:rPr lang="en-US" sz="1600" dirty="0" err="1">
+                <a:solidFill>
+                  <a:schemeClr val="bg1"/>
+                </a:solidFill>
+                <a:latin typeface="Century Gothic" panose="020B0502020202020204" pitchFamily="34" charset="0"/>
+              </a:rPr>
+              <a:t>Sevov</a:t>
+            </a:r>
+            <a:endParaRPr lang="en-US" sz="1600" b="0" i="0" dirty="0">
+              <a:solidFill>
+                <a:schemeClr val="bg1"/>
+              </a:solidFill>
+              <a:effectLst/>
+              <a:latin typeface="Century Gothic" panose="020B0502020202020204" pitchFamily="34" charset="0"/>
+            </a:endParaRPr>
+          </a:p>
+        </p:txBody>
+      </p:sp>
+      <p:sp>
+        <p:nvSpPr>
+          <p:cNvPr id="136" name="Rectangle 135"/>
+          <p:cNvSpPr/>
+          <p:nvPr/>
+        </p:nvSpPr>
+        <p:spPr>
+          <a:xfrm>
+            <a:off x="2200965" y="2416307"/>
+            <a:ext cx="1515158" cy="338554"/>
+          </a:xfrm>
+          <a:prstGeom prst="rect">
+            <a:avLst/>
+          </a:prstGeom>
+        </p:spPr>
+        <p:txBody>
+          <a:bodyPr wrap="none">
+            <a:spAutoFit/>
+          </a:bodyPr>
+          <a:lstStyle/>
+          <a:p>
+            <a:r>
+              <a:rPr lang="en-US" sz="1600" dirty="0">
+                <a:solidFill>
+                  <a:schemeClr val="bg1"/>
+                </a:solidFill>
+                <a:latin typeface="Century Gothic" panose="020B0502020202020204" pitchFamily="34" charset="0"/>
+              </a:rPr>
+              <a:t>Stefan </a:t>
+            </a:r>
+            <a:r>
+              <a:rPr lang="en-US" sz="1600" dirty="0" err="1">
+                <a:solidFill>
+                  <a:schemeClr val="bg1"/>
+                </a:solidFill>
+                <a:latin typeface="Century Gothic" panose="020B0502020202020204" pitchFamily="34" charset="0"/>
+              </a:rPr>
+              <a:t>Hristov</a:t>
+            </a:r>
+            <a:endParaRPr lang="en-US" sz="1600" b="0" i="0" dirty="0">
+              <a:solidFill>
+                <a:schemeClr val="bg1"/>
+              </a:solidFill>
+              <a:effectLst/>
+              <a:latin typeface="Century Gothic" panose="020B0502020202020204" pitchFamily="34" charset="0"/>
+            </a:endParaRPr>
+          </a:p>
+        </p:txBody>
+      </p:sp>
+      <p:sp>
+        <p:nvSpPr>
+          <p:cNvPr id="140" name="Rectangle 139"/>
+          <p:cNvSpPr/>
+          <p:nvPr/>
+        </p:nvSpPr>
+        <p:spPr>
+          <a:xfrm>
+            <a:off x="2415770" y="2665542"/>
+            <a:ext cx="1050288" cy="338554"/>
+          </a:xfrm>
+          <a:prstGeom prst="rect">
+            <a:avLst/>
+          </a:prstGeom>
+        </p:spPr>
+        <p:txBody>
+          <a:bodyPr wrap="none">
+            <a:spAutoFit/>
+          </a:bodyPr>
+          <a:lstStyle/>
+          <a:p>
+            <a:r>
+              <a:rPr lang="en-US" sz="1600" dirty="0">
+                <a:solidFill>
+                  <a:schemeClr val="bg1"/>
+                </a:solidFill>
+                <a:latin typeface="Century Gothic" panose="020B0502020202020204" pitchFamily="34" charset="0"/>
+              </a:rPr>
+              <a:t>Designer</a:t>
+            </a:r>
+            <a:endParaRPr lang="en-US" sz="1600" b="0" i="0" dirty="0">
+              <a:solidFill>
+                <a:schemeClr val="bg1"/>
+              </a:solidFill>
+              <a:effectLst/>
+              <a:latin typeface="Century Gothic" panose="020B0502020202020204" pitchFamily="34" charset="0"/>
+            </a:endParaRPr>
+          </a:p>
+        </p:txBody>
+      </p:sp>
+      <p:sp>
+        <p:nvSpPr>
+          <p:cNvPr id="141" name="Rectangle 140"/>
+          <p:cNvSpPr/>
+          <p:nvPr/>
+        </p:nvSpPr>
+        <p:spPr>
+          <a:xfrm>
+            <a:off x="8177044" y="2291893"/>
+            <a:ext cx="1229824" cy="338554"/>
+          </a:xfrm>
+          <a:prstGeom prst="rect">
+            <a:avLst/>
+          </a:prstGeom>
+        </p:spPr>
+        <p:txBody>
+          <a:bodyPr wrap="none">
+            <a:spAutoFit/>
+          </a:bodyPr>
+          <a:lstStyle/>
+          <a:p>
+            <a:r>
+              <a:rPr lang="en-US" sz="1600" dirty="0">
+                <a:solidFill>
+                  <a:schemeClr val="bg1"/>
+                </a:solidFill>
+                <a:latin typeface="Segoe UI" panose="020B0502040204020203" pitchFamily="34" charset="0"/>
+              </a:rPr>
+              <a:t>Boris </a:t>
+            </a:r>
+            <a:r>
+              <a:rPr lang="en-US" sz="1600" dirty="0" err="1" smtClean="0">
+                <a:solidFill>
+                  <a:schemeClr val="bg1"/>
+                </a:solidFill>
+                <a:latin typeface="Segoe UI" panose="020B0502040204020203" pitchFamily="34" charset="0"/>
+              </a:rPr>
+              <a:t>Kanev</a:t>
+            </a:r>
+            <a:endParaRPr lang="en-US" sz="1600" b="0" i="0" dirty="0">
+              <a:solidFill>
+                <a:schemeClr val="bg1"/>
+              </a:solidFill>
+              <a:effectLst/>
+              <a:latin typeface="Segoe UI" panose="020B0502040204020203" pitchFamily="34" charset="0"/>
+            </a:endParaRPr>
+          </a:p>
+        </p:txBody>
+      </p:sp>
+      <p:sp>
+        <p:nvSpPr>
+          <p:cNvPr id="142" name="Rectangle 141"/>
+          <p:cNvSpPr/>
+          <p:nvPr/>
+        </p:nvSpPr>
+        <p:spPr>
+          <a:xfrm>
+            <a:off x="8175391" y="2578759"/>
+            <a:ext cx="1978427" cy="338554"/>
+          </a:xfrm>
+          <a:prstGeom prst="rect">
+            <a:avLst/>
+          </a:prstGeom>
+        </p:spPr>
+        <p:txBody>
+          <a:bodyPr wrap="none">
+            <a:spAutoFit/>
+          </a:bodyPr>
+          <a:lstStyle/>
+          <a:p>
+            <a:r>
+              <a:rPr lang="en-US" sz="1600" dirty="0">
+                <a:solidFill>
+                  <a:schemeClr val="bg1"/>
+                </a:solidFill>
+                <a:latin typeface="Century Gothic" panose="020B0502020202020204" pitchFamily="34" charset="0"/>
+              </a:rPr>
+              <a:t>Quality Assurance</a:t>
+            </a:r>
+          </a:p>
+        </p:txBody>
+      </p:sp>
+      <p:sp>
+        <p:nvSpPr>
+          <p:cNvPr id="143" name="Rectangle 142"/>
+          <p:cNvSpPr/>
+          <p:nvPr/>
+        </p:nvSpPr>
+        <p:spPr>
+          <a:xfrm>
+            <a:off x="6211163" y="5931925"/>
+            <a:ext cx="1906291" cy="338554"/>
+          </a:xfrm>
+          <a:prstGeom prst="rect">
+            <a:avLst/>
+          </a:prstGeom>
+        </p:spPr>
+        <p:txBody>
+          <a:bodyPr wrap="none">
+            <a:spAutoFit/>
+          </a:bodyPr>
+          <a:lstStyle/>
+          <a:p>
+            <a:r>
+              <a:rPr lang="en-US" sz="1600" dirty="0" err="1">
+                <a:solidFill>
+                  <a:schemeClr val="bg1"/>
+                </a:solidFill>
+                <a:latin typeface="Century Gothic" panose="020B0502020202020204" pitchFamily="34" charset="0"/>
+              </a:rPr>
+              <a:t>Kalina</a:t>
+            </a:r>
+            <a:r>
+              <a:rPr lang="en-US" sz="1600" dirty="0">
+                <a:solidFill>
+                  <a:schemeClr val="bg1"/>
+                </a:solidFill>
+                <a:latin typeface="Century Gothic" panose="020B0502020202020204" pitchFamily="34" charset="0"/>
+              </a:rPr>
+              <a:t> </a:t>
+            </a:r>
+            <a:r>
+              <a:rPr lang="en-US" sz="1600" dirty="0" err="1">
+                <a:solidFill>
+                  <a:schemeClr val="bg1"/>
+                </a:solidFill>
+                <a:latin typeface="Century Gothic" panose="020B0502020202020204" pitchFamily="34" charset="0"/>
+              </a:rPr>
+              <a:t>Noncheva</a:t>
+            </a:r>
+            <a:endParaRPr lang="en-US" sz="1600" dirty="0">
+              <a:solidFill>
+                <a:schemeClr val="bg1"/>
+              </a:solidFill>
+              <a:latin typeface="Century Gothic" panose="020B0502020202020204" pitchFamily="34" charset="0"/>
+            </a:endParaRPr>
+          </a:p>
+        </p:txBody>
+      </p:sp>
+      <p:sp>
+        <p:nvSpPr>
+          <p:cNvPr id="144" name="Rectangle 143"/>
+          <p:cNvSpPr/>
+          <p:nvPr/>
+        </p:nvSpPr>
+        <p:spPr>
+          <a:xfrm>
+            <a:off x="6196581" y="6227538"/>
+            <a:ext cx="1927131" cy="338554"/>
+          </a:xfrm>
+          <a:prstGeom prst="rect">
+            <a:avLst/>
+          </a:prstGeom>
+        </p:spPr>
+        <p:txBody>
+          <a:bodyPr wrap="none">
+            <a:spAutoFit/>
+          </a:bodyPr>
+          <a:lstStyle/>
+          <a:p>
+            <a:r>
+              <a:rPr lang="en-US" sz="1600" dirty="0">
+                <a:solidFill>
+                  <a:schemeClr val="bg1"/>
+                </a:solidFill>
+                <a:latin typeface="Century Gothic" panose="020B0502020202020204" pitchFamily="34" charset="0"/>
+              </a:rPr>
+              <a:t>Console </a:t>
+            </a:r>
+            <a:r>
+              <a:rPr lang="en-US" sz="1600" dirty="0" err="1">
+                <a:solidFill>
+                  <a:schemeClr val="bg1"/>
+                </a:solidFill>
+                <a:latin typeface="Century Gothic" panose="020B0502020202020204" pitchFamily="34" charset="0"/>
+              </a:rPr>
+              <a:t>BackEnd</a:t>
+            </a:r>
+            <a:endParaRPr lang="en-US" sz="1600" dirty="0">
+              <a:solidFill>
+                <a:schemeClr val="bg1"/>
+              </a:solidFill>
+              <a:latin typeface="Century Gothic" panose="020B0502020202020204" pitchFamily="34" charset="0"/>
+            </a:endParaRPr>
+          </a:p>
+        </p:txBody>
+      </p:sp>
+      <p:sp>
+        <p:nvSpPr>
+          <p:cNvPr id="145" name="Rectangle 144"/>
+          <p:cNvSpPr/>
+          <p:nvPr/>
+        </p:nvSpPr>
+        <p:spPr>
+          <a:xfrm>
+            <a:off x="1845469" y="4191578"/>
+            <a:ext cx="1927131" cy="338554"/>
+          </a:xfrm>
+          <a:prstGeom prst="rect">
+            <a:avLst/>
+          </a:prstGeom>
+        </p:spPr>
+        <p:txBody>
+          <a:bodyPr wrap="none">
+            <a:spAutoFit/>
+          </a:bodyPr>
+          <a:lstStyle/>
+          <a:p>
+            <a:r>
+              <a:rPr lang="en-US" sz="1600" dirty="0">
+                <a:solidFill>
+                  <a:schemeClr val="bg1"/>
+                </a:solidFill>
+                <a:latin typeface="Century Gothic" panose="020B0502020202020204" pitchFamily="34" charset="0"/>
+              </a:rPr>
+              <a:t>Console </a:t>
+            </a:r>
+            <a:r>
+              <a:rPr lang="en-US" sz="1600" dirty="0" err="1">
+                <a:solidFill>
+                  <a:schemeClr val="bg1"/>
+                </a:solidFill>
+                <a:latin typeface="Century Gothic" panose="020B0502020202020204" pitchFamily="34" charset="0"/>
+              </a:rPr>
+              <a:t>BackEnd</a:t>
+            </a:r>
+            <a:endParaRPr lang="en-US" sz="1600" dirty="0">
+              <a:solidFill>
+                <a:schemeClr val="bg1"/>
+              </a:solidFill>
+              <a:latin typeface="Century Gothic" panose="020B0502020202020204" pitchFamily="34" charset="0"/>
+            </a:endParaRPr>
+          </a:p>
+        </p:txBody>
+      </p:sp>
+      <p:sp>
+        <p:nvSpPr>
+          <p:cNvPr id="146" name="Rectangle 145"/>
+          <p:cNvSpPr/>
+          <p:nvPr/>
+        </p:nvSpPr>
+        <p:spPr>
+          <a:xfrm>
+            <a:off x="1845469" y="3884121"/>
+            <a:ext cx="1980029" cy="369332"/>
+          </a:xfrm>
+          <a:prstGeom prst="rect">
+            <a:avLst/>
+          </a:prstGeom>
+        </p:spPr>
+        <p:txBody>
+          <a:bodyPr wrap="none">
+            <a:spAutoFit/>
+          </a:bodyPr>
+          <a:lstStyle/>
+          <a:p>
+            <a:r>
+              <a:rPr lang="en-US" sz="1600" dirty="0">
+                <a:solidFill>
+                  <a:schemeClr val="bg1"/>
+                </a:solidFill>
+                <a:latin typeface="Century Gothic" panose="020B0502020202020204" pitchFamily="34" charset="0"/>
+              </a:rPr>
+              <a:t>Nikolay</a:t>
+            </a:r>
+            <a:r>
+              <a:rPr lang="en-US" dirty="0" smtClean="0">
+                <a:latin typeface="Segoe UI" panose="020B0502040204020203" pitchFamily="34" charset="0"/>
+              </a:rPr>
+              <a:t> </a:t>
+            </a:r>
+            <a:r>
+              <a:rPr lang="en-US" sz="1600" dirty="0" err="1">
+                <a:solidFill>
+                  <a:schemeClr val="bg1"/>
+                </a:solidFill>
+                <a:latin typeface="Century Gothic" panose="020B0502020202020204" pitchFamily="34" charset="0"/>
+              </a:rPr>
+              <a:t>Despotov</a:t>
+            </a:r>
+            <a:endParaRPr lang="en-US" sz="1600" dirty="0">
+              <a:solidFill>
+                <a:schemeClr val="bg1"/>
+              </a:solidFill>
+              <a:latin typeface="Century Gothic" panose="020B0502020202020204" pitchFamily="34" charset="0"/>
+            </a:endParaRPr>
+          </a:p>
+        </p:txBody>
+      </p:sp>
+      <p:sp>
+        <p:nvSpPr>
+          <p:cNvPr id="147" name="Rectangle 146"/>
+          <p:cNvSpPr/>
+          <p:nvPr/>
+        </p:nvSpPr>
+        <p:spPr>
+          <a:xfrm>
+            <a:off x="3957678" y="5905544"/>
+            <a:ext cx="1728358" cy="338554"/>
+          </a:xfrm>
+          <a:prstGeom prst="rect">
+            <a:avLst/>
+          </a:prstGeom>
+        </p:spPr>
+        <p:txBody>
+          <a:bodyPr wrap="none">
+            <a:spAutoFit/>
+          </a:bodyPr>
+          <a:lstStyle/>
+          <a:p>
+            <a:r>
+              <a:rPr lang="en-US" sz="1600" dirty="0">
+                <a:solidFill>
+                  <a:schemeClr val="bg1"/>
+                </a:solidFill>
+                <a:latin typeface="Century Gothic" panose="020B0502020202020204" pitchFamily="34" charset="0"/>
+              </a:rPr>
+              <a:t>Ivan </a:t>
+            </a:r>
+            <a:r>
+              <a:rPr lang="en-US" sz="1600" dirty="0" err="1">
+                <a:solidFill>
+                  <a:schemeClr val="bg1"/>
+                </a:solidFill>
+                <a:latin typeface="Century Gothic" panose="020B0502020202020204" pitchFamily="34" charset="0"/>
+              </a:rPr>
+              <a:t>Tsrangalov</a:t>
+            </a:r>
+            <a:endParaRPr lang="en-US" sz="1600" dirty="0">
+              <a:solidFill>
+                <a:schemeClr val="bg1"/>
+              </a:solidFill>
+              <a:latin typeface="Century Gothic" panose="020B0502020202020204" pitchFamily="34" charset="0"/>
+            </a:endParaRPr>
+          </a:p>
+        </p:txBody>
+      </p:sp>
+      <p:sp>
+        <p:nvSpPr>
+          <p:cNvPr id="148" name="Rectangle 147"/>
+          <p:cNvSpPr/>
+          <p:nvPr/>
+        </p:nvSpPr>
+        <p:spPr>
+          <a:xfrm>
+            <a:off x="3804948" y="6199619"/>
+            <a:ext cx="1927131" cy="338554"/>
+          </a:xfrm>
+          <a:prstGeom prst="rect">
+            <a:avLst/>
+          </a:prstGeom>
+        </p:spPr>
+        <p:txBody>
+          <a:bodyPr wrap="none">
+            <a:spAutoFit/>
+          </a:bodyPr>
+          <a:lstStyle/>
+          <a:p>
+            <a:r>
+              <a:rPr lang="en-US" sz="1600" dirty="0">
+                <a:solidFill>
+                  <a:schemeClr val="bg1"/>
+                </a:solidFill>
+                <a:latin typeface="Century Gothic" panose="020B0502020202020204" pitchFamily="34" charset="0"/>
+              </a:rPr>
+              <a:t>Website Backend</a:t>
+            </a:r>
+          </a:p>
+        </p:txBody>
+      </p:sp>
+      <p:sp>
+        <p:nvSpPr>
+          <p:cNvPr id="149" name="Rectangle 148"/>
+          <p:cNvSpPr/>
+          <p:nvPr/>
+        </p:nvSpPr>
+        <p:spPr>
+          <a:xfrm>
+            <a:off x="8085848" y="3883298"/>
+            <a:ext cx="1704313" cy="338554"/>
+          </a:xfrm>
+          <a:prstGeom prst="rect">
+            <a:avLst/>
+          </a:prstGeom>
+        </p:spPr>
+        <p:txBody>
+          <a:bodyPr wrap="none">
+            <a:spAutoFit/>
+          </a:bodyPr>
+          <a:lstStyle/>
+          <a:p>
+            <a:r>
+              <a:rPr lang="en-US" sz="1600" dirty="0">
+                <a:solidFill>
+                  <a:schemeClr val="bg1"/>
+                </a:solidFill>
+                <a:latin typeface="Century Gothic" panose="020B0502020202020204" pitchFamily="34" charset="0"/>
+              </a:rPr>
+              <a:t>Niya Runcheva</a:t>
+            </a:r>
+          </a:p>
+        </p:txBody>
+      </p:sp>
+      <p:sp>
+        <p:nvSpPr>
+          <p:cNvPr id="150" name="Rectangle 149"/>
+          <p:cNvSpPr/>
+          <p:nvPr/>
+        </p:nvSpPr>
+        <p:spPr>
+          <a:xfrm>
+            <a:off x="8056567" y="4200381"/>
+            <a:ext cx="1946367" cy="338554"/>
+          </a:xfrm>
+          <a:prstGeom prst="rect">
+            <a:avLst/>
+          </a:prstGeom>
+        </p:spPr>
+        <p:txBody>
+          <a:bodyPr wrap="none">
+            <a:spAutoFit/>
+          </a:bodyPr>
+          <a:lstStyle/>
+          <a:p>
+            <a:r>
+              <a:rPr lang="en-US" sz="1600" dirty="0">
+                <a:solidFill>
+                  <a:schemeClr val="bg1"/>
+                </a:solidFill>
+                <a:latin typeface="Century Gothic" panose="020B0502020202020204" pitchFamily="34" charset="0"/>
+              </a:rPr>
+              <a:t>Console Frontend</a:t>
+            </a:r>
+          </a:p>
+        </p:txBody>
+      </p:sp>
     </p:spTree>
     <p:extLst>
       <p:ext uri="{BB962C8B-B14F-4D97-AF65-F5344CB8AC3E}">
@@ -6852,10 +7942,14 @@
             <a:p>
               <a:pPr algn="ctr"/>
               <a:r>
-                <a:rPr lang="en-US" dirty="0"/>
+                <a:rPr lang="en-US" sz="1600" dirty="0">
+                  <a:latin typeface="Century Gothic" panose="020B0502020202020204" pitchFamily="34" charset="0"/>
+                </a:rPr>
                 <a:t>About us</a:t>
               </a:r>
-              <a:endParaRPr lang="bg-BG" dirty="0"/>
+              <a:endParaRPr lang="bg-BG" sz="1600" dirty="0">
+                <a:latin typeface="Century Gothic" panose="020B0502020202020204" pitchFamily="34" charset="0"/>
+              </a:endParaRPr>
             </a:p>
           </p:txBody>
         </p:sp>
@@ -6987,10 +8081,14 @@
             <a:p>
               <a:pPr algn="ctr"/>
               <a:r>
-                <a:rPr lang="en-US" dirty="0"/>
+                <a:rPr lang="en-US" sz="1600" dirty="0">
+                  <a:latin typeface="Century Gothic" panose="020B0502020202020204" pitchFamily="34" charset="0"/>
+                </a:rPr>
                 <a:t>Idea</a:t>
               </a:r>
-              <a:endParaRPr lang="bg-BG" dirty="0"/>
+              <a:endParaRPr lang="bg-BG" dirty="0">
+                <a:latin typeface="Century Gothic" panose="020B0502020202020204" pitchFamily="34" charset="0"/>
+              </a:endParaRPr>
             </a:p>
           </p:txBody>
         </p:sp>
@@ -7072,10 +8170,26 @@
             <a:p>
               <a:pPr algn="ctr"/>
               <a:r>
-                <a:rPr lang="en-US" dirty="0"/>
-                <a:t>Apps used</a:t>
+                <a:rPr lang="en-US" sz="1600" dirty="0">
+                  <a:latin typeface="Century Gothic" panose="020B0502020202020204" pitchFamily="34" charset="0"/>
+                </a:rPr>
+                <a:t>Apps</a:t>
               </a:r>
-              <a:endParaRPr lang="bg-BG" dirty="0"/>
+              <a:r>
+                <a:rPr lang="en-US" dirty="0">
+                  <a:latin typeface="Century Gothic" panose="020B0502020202020204" pitchFamily="34" charset="0"/>
+                </a:rPr>
+                <a:t> </a:t>
+              </a:r>
+              <a:r>
+                <a:rPr lang="en-US" sz="1600" dirty="0">
+                  <a:latin typeface="Century Gothic" panose="020B0502020202020204" pitchFamily="34" charset="0"/>
+                </a:rPr>
+                <a:t>used</a:t>
+              </a:r>
+              <a:endParaRPr lang="bg-BG" dirty="0">
+                <a:latin typeface="Century Gothic" panose="020B0502020202020204" pitchFamily="34" charset="0"/>
+              </a:endParaRPr>
             </a:p>
           </p:txBody>
         </p:sp>
@@ -7207,10 +8321,14 @@
             <a:p>
               <a:pPr algn="ctr"/>
               <a:r>
-                <a:rPr lang="en-US" dirty="0"/>
+                <a:rPr lang="en-US" sz="1600" dirty="0">
+                  <a:latin typeface="Century Gothic" panose="020B0502020202020204" pitchFamily="34" charset="0"/>
+                </a:rPr>
                 <a:t>Stages</a:t>
               </a:r>
-              <a:endParaRPr lang="bg-BG" dirty="0"/>
+              <a:endParaRPr lang="bg-BG" sz="1600" dirty="0">
+                <a:latin typeface="Century Gothic" panose="020B0502020202020204" pitchFamily="34" charset="0"/>
+              </a:endParaRPr>
             </a:p>
             <a:p>
               <a:pPr algn="ctr"/>
@@ -7346,10 +8464,14 @@
             <a:p>
               <a:pPr algn="ctr"/>
               <a:r>
-                <a:rPr lang="en-US" dirty="0"/>
+                <a:rPr lang="en-US" sz="1600" dirty="0">
+                  <a:latin typeface="Century Gothic" panose="020B0502020202020204" pitchFamily="34" charset="0"/>
+                </a:rPr>
                 <a:t>Thanks</a:t>
               </a:r>
-              <a:endParaRPr lang="bg-BG" dirty="0"/>
+              <a:endParaRPr lang="bg-BG" sz="1600" dirty="0">
+                <a:latin typeface="Century Gothic" panose="020B0502020202020204" pitchFamily="34" charset="0"/>
+              </a:endParaRPr>
             </a:p>
             <a:p>
               <a:pPr algn="ctr"/>
@@ -7485,10 +8607,11 @@
             <a:p>
               <a:pPr algn="ctr"/>
               <a:r>
-                <a:rPr lang="en-US" dirty="0">
+                <a:rPr lang="en-US" sz="1600" dirty="0">
                   <a:solidFill>
                     <a:schemeClr val="bg1"/>
                   </a:solidFill>
+                  <a:latin typeface="Century Gothic" panose="020B0502020202020204" pitchFamily="34" charset="0"/>
                 </a:rPr>
                 <a:t>Q&amp;A</a:t>
               </a:r>
@@ -7496,6 +8619,7 @@
                 <a:solidFill>
                   <a:schemeClr val="bg1"/>
                 </a:solidFill>
+                <a:latin typeface="Century Gothic" panose="020B0502020202020204" pitchFamily="34" charset="0"/>
               </a:endParaRPr>
             </a:p>
             <a:p>
@@ -7782,10 +8906,14 @@
             <a:p>
               <a:pPr algn="ctr"/>
               <a:r>
-                <a:rPr lang="en-US" dirty="0"/>
+                <a:rPr lang="en-US" sz="1600" dirty="0">
+                  <a:latin typeface="Century Gothic" panose="020B0502020202020204" pitchFamily="34" charset="0"/>
+                </a:rPr>
                 <a:t>About us</a:t>
               </a:r>
-              <a:endParaRPr lang="bg-BG" dirty="0"/>
+              <a:endParaRPr lang="bg-BG" sz="1600" dirty="0">
+                <a:latin typeface="Century Gothic" panose="020B0502020202020204" pitchFamily="34" charset="0"/>
+              </a:endParaRPr>
             </a:p>
           </p:txBody>
         </p:sp>
@@ -7917,10 +9045,14 @@
             <a:p>
               <a:pPr algn="ctr"/>
               <a:r>
-                <a:rPr lang="en-US" dirty="0"/>
+                <a:rPr lang="en-US" sz="1600" dirty="0">
+                  <a:latin typeface="Century Gothic" panose="020B0502020202020204" pitchFamily="34" charset="0"/>
+                </a:rPr>
                 <a:t>Idea</a:t>
               </a:r>
-              <a:endParaRPr lang="bg-BG" dirty="0"/>
+              <a:endParaRPr lang="bg-BG" dirty="0">
+                <a:latin typeface="Century Gothic" panose="020B0502020202020204" pitchFamily="34" charset="0"/>
+              </a:endParaRPr>
             </a:p>
           </p:txBody>
         </p:sp>
@@ -8002,10 +9134,26 @@
             <a:p>
               <a:pPr algn="ctr"/>
               <a:r>
-                <a:rPr lang="en-US" dirty="0"/>
-                <a:t>Apps used</a:t>
+                <a:rPr lang="en-US" sz="1600" dirty="0">
+                  <a:latin typeface="Century Gothic" panose="020B0502020202020204" pitchFamily="34" charset="0"/>
+                </a:rPr>
+                <a:t>Apps</a:t>
               </a:r>
-              <a:endParaRPr lang="bg-BG" dirty="0"/>
+              <a:r>
+                <a:rPr lang="en-US" dirty="0">
+                  <a:latin typeface="Century Gothic" panose="020B0502020202020204" pitchFamily="34" charset="0"/>
+                </a:rPr>
+                <a:t> </a:t>
+              </a:r>
+              <a:r>
+                <a:rPr lang="en-US" sz="1600" dirty="0">
+                  <a:latin typeface="Century Gothic" panose="020B0502020202020204" pitchFamily="34" charset="0"/>
+                </a:rPr>
+                <a:t>used</a:t>
+              </a:r>
+              <a:endParaRPr lang="bg-BG" dirty="0">
+                <a:latin typeface="Century Gothic" panose="020B0502020202020204" pitchFamily="34" charset="0"/>
+              </a:endParaRPr>
             </a:p>
           </p:txBody>
         </p:sp>
@@ -8137,10 +9285,14 @@
             <a:p>
               <a:pPr algn="ctr"/>
               <a:r>
-                <a:rPr lang="en-US" dirty="0"/>
+                <a:rPr lang="en-US" sz="1600" dirty="0">
+                  <a:latin typeface="Century Gothic" panose="020B0502020202020204" pitchFamily="34" charset="0"/>
+                </a:rPr>
                 <a:t>Stages</a:t>
               </a:r>
-              <a:endParaRPr lang="bg-BG" dirty="0"/>
+              <a:endParaRPr lang="bg-BG" sz="1600" dirty="0">
+                <a:latin typeface="Century Gothic" panose="020B0502020202020204" pitchFamily="34" charset="0"/>
+              </a:endParaRPr>
             </a:p>
             <a:p>
               <a:pPr algn="ctr"/>
@@ -8276,10 +9428,14 @@
             <a:p>
               <a:pPr algn="ctr"/>
               <a:r>
-                <a:rPr lang="en-US" dirty="0"/>
+                <a:rPr lang="en-US" sz="1600" dirty="0">
+                  <a:latin typeface="Century Gothic" panose="020B0502020202020204" pitchFamily="34" charset="0"/>
+                </a:rPr>
                 <a:t>Thanks</a:t>
               </a:r>
-              <a:endParaRPr lang="bg-BG" dirty="0"/>
+              <a:endParaRPr lang="bg-BG" sz="1600" dirty="0">
+                <a:latin typeface="Century Gothic" panose="020B0502020202020204" pitchFamily="34" charset="0"/>
+              </a:endParaRPr>
             </a:p>
             <a:p>
               <a:pPr algn="ctr"/>
@@ -8415,10 +9571,11 @@
             <a:p>
               <a:pPr algn="ctr"/>
               <a:r>
-                <a:rPr lang="en-US" dirty="0">
+                <a:rPr lang="en-US" sz="1600" dirty="0">
                   <a:solidFill>
                     <a:schemeClr val="bg1"/>
                   </a:solidFill>
+                  <a:latin typeface="Century Gothic" panose="020B0502020202020204" pitchFamily="34" charset="0"/>
                 </a:rPr>
                 <a:t>Q&amp;A</a:t>
               </a:r>
@@ -8426,6 +9583,7 @@
                 <a:solidFill>
                   <a:schemeClr val="bg1"/>
                 </a:solidFill>
+                <a:latin typeface="Century Gothic" panose="020B0502020202020204" pitchFamily="34" charset="0"/>
               </a:endParaRPr>
             </a:p>
             <a:p>
@@ -8572,7 +9730,7 @@
             <p:nvPr/>
           </p:nvPicPr>
           <p:blipFill>
-            <a:blip r:embed="rId3">
+            <a:blip r:embed="rId3" cstate="hqprint">
               <a:extLst>
                 <a:ext uri="{28A0092B-C50C-407E-A947-70E740481C1C}">
                   <a14:useLocalDpi xmlns:a14="http://schemas.microsoft.com/office/drawing/2010/main" val="0"/>
@@ -8795,7 +9953,7 @@
             <p:nvPr/>
           </p:nvPicPr>
           <p:blipFill>
-            <a:blip r:embed="rId5">
+            <a:blip r:embed="rId5" cstate="hqprint">
               <a:extLst>
                 <a:ext uri="{28A0092B-C50C-407E-A947-70E740481C1C}">
                   <a14:useLocalDpi xmlns:a14="http://schemas.microsoft.com/office/drawing/2010/main" val="0"/>
@@ -9035,7 +10193,7 @@
             <p:nvPr/>
           </p:nvPicPr>
           <p:blipFill>
-            <a:blip r:embed="rId7">
+            <a:blip r:embed="rId7" cstate="hqprint">
               <a:extLst>
                 <a:ext uri="{28A0092B-C50C-407E-A947-70E740481C1C}">
                   <a14:useLocalDpi xmlns:a14="http://schemas.microsoft.com/office/drawing/2010/main" val="0"/>
@@ -10467,10 +11625,14 @@
             <a:p>
               <a:pPr algn="ctr"/>
               <a:r>
-                <a:rPr lang="en-US" dirty="0"/>
+                <a:rPr lang="en-US" sz="1600" dirty="0">
+                  <a:latin typeface="Century Gothic" panose="020B0502020202020204" pitchFamily="34" charset="0"/>
+                </a:rPr>
                 <a:t>About us</a:t>
               </a:r>
-              <a:endParaRPr lang="bg-BG" dirty="0"/>
+              <a:endParaRPr lang="bg-BG" sz="1600" dirty="0">
+                <a:latin typeface="Century Gothic" panose="020B0502020202020204" pitchFamily="34" charset="0"/>
+              </a:endParaRPr>
             </a:p>
           </p:txBody>
         </p:sp>
@@ -10602,10 +11764,14 @@
             <a:p>
               <a:pPr algn="ctr"/>
               <a:r>
-                <a:rPr lang="en-US" dirty="0"/>
+                <a:rPr lang="en-US" sz="1600" dirty="0">
+                  <a:latin typeface="Century Gothic" panose="020B0502020202020204" pitchFamily="34" charset="0"/>
+                </a:rPr>
                 <a:t>Idea</a:t>
               </a:r>
-              <a:endParaRPr lang="bg-BG" dirty="0"/>
+              <a:endParaRPr lang="bg-BG" dirty="0">
+                <a:latin typeface="Century Gothic" panose="020B0502020202020204" pitchFamily="34" charset="0"/>
+              </a:endParaRPr>
             </a:p>
           </p:txBody>
         </p:sp>
@@ -10737,10 +11903,26 @@
             <a:p>
               <a:pPr algn="ctr"/>
               <a:r>
-                <a:rPr lang="en-US" dirty="0"/>
-                <a:t>Apps used</a:t>
+                <a:rPr lang="en-US" sz="1600" dirty="0">
+                  <a:latin typeface="Century Gothic" panose="020B0502020202020204" pitchFamily="34" charset="0"/>
+                </a:rPr>
+                <a:t>Apps</a:t>
               </a:r>
-              <a:endParaRPr lang="bg-BG" dirty="0"/>
+              <a:r>
+                <a:rPr lang="en-US" dirty="0">
+                  <a:latin typeface="Century Gothic" panose="020B0502020202020204" pitchFamily="34" charset="0"/>
+                </a:rPr>
+                <a:t> </a:t>
+              </a:r>
+              <a:r>
+                <a:rPr lang="en-US" sz="1600" dirty="0">
+                  <a:latin typeface="Century Gothic" panose="020B0502020202020204" pitchFamily="34" charset="0"/>
+                </a:rPr>
+                <a:t>used</a:t>
+              </a:r>
+              <a:endParaRPr lang="bg-BG" dirty="0">
+                <a:latin typeface="Century Gothic" panose="020B0502020202020204" pitchFamily="34" charset="0"/>
+              </a:endParaRPr>
             </a:p>
             <a:p>
               <a:pPr algn="ctr"/>
@@ -10826,10 +12008,14 @@
             <a:p>
               <a:pPr algn="ctr"/>
               <a:r>
-                <a:rPr lang="en-US" dirty="0"/>
+                <a:rPr lang="en-US" sz="1600" dirty="0" smtClean="0">
+                  <a:latin typeface="Century Gothic" panose="020B0502020202020204" pitchFamily="34" charset="0"/>
+                </a:rPr>
                 <a:t>Stages</a:t>
               </a:r>
-              <a:endParaRPr lang="bg-BG" dirty="0"/>
+              <a:endParaRPr lang="bg-BG" dirty="0">
+                <a:latin typeface="Century Gothic" panose="020B0502020202020204" pitchFamily="34" charset="0"/>
+              </a:endParaRPr>
             </a:p>
             <a:p>
               <a:pPr algn="ctr"/>
@@ -11008,10 +12194,14 @@
             <a:p>
               <a:pPr algn="ctr"/>
               <a:r>
-                <a:rPr lang="en-US" dirty="0"/>
+                <a:rPr lang="en-US" sz="1600" dirty="0">
+                  <a:latin typeface="Century Gothic" panose="020B0502020202020204" pitchFamily="34" charset="0"/>
+                </a:rPr>
                 <a:t>Thanks</a:t>
               </a:r>
-              <a:endParaRPr lang="bg-BG" dirty="0"/>
+              <a:endParaRPr lang="bg-BG" sz="1600" dirty="0">
+                <a:latin typeface="Century Gothic" panose="020B0502020202020204" pitchFamily="34" charset="0"/>
+              </a:endParaRPr>
             </a:p>
             <a:p>
               <a:pPr algn="ctr"/>
@@ -13019,10 +14209,11 @@
             <a:p>
               <a:pPr algn="ctr"/>
               <a:r>
-                <a:rPr lang="en-US" dirty="0">
+                <a:rPr lang="en-US" sz="1600" dirty="0">
                   <a:solidFill>
                     <a:schemeClr val="bg1"/>
                   </a:solidFill>
+                  <a:latin typeface="Century Gothic" panose="020B0502020202020204" pitchFamily="34" charset="0"/>
                 </a:rPr>
                 <a:t>Q&amp;A</a:t>
               </a:r>
@@ -13030,6 +14221,7 @@
                 <a:solidFill>
                   <a:schemeClr val="bg1"/>
                 </a:solidFill>
+                <a:latin typeface="Century Gothic" panose="020B0502020202020204" pitchFamily="34" charset="0"/>
               </a:endParaRPr>
             </a:p>
             <a:p>
@@ -13104,7 +14296,7 @@
         <p:spPr>
           <a:xfrm>
             <a:off x="1981035" y="3530931"/>
-            <a:ext cx="1703041" cy="830997"/>
+            <a:ext cx="1703041" cy="707886"/>
           </a:xfrm>
           <a:prstGeom prst="rect">
             <a:avLst/>
@@ -13119,11 +14311,11 @@
           <a:p>
             <a:pPr algn="ctr"/>
             <a:r>
-              <a:rPr lang="en-US" sz="2400" b="1" dirty="0">
+              <a:rPr lang="en-US" sz="2000" b="1" dirty="0">
                 <a:solidFill>
                   <a:schemeClr val="bg1"/>
                 </a:solidFill>
-                <a:latin typeface="Tw Cen MT" panose="020B0602020104020603" pitchFamily="34" charset="0"/>
+                <a:latin typeface="Century Gothic" panose="020B0502020202020204" pitchFamily="34" charset="0"/>
               </a:rPr>
               <a:t>Choosing the team</a:t>
             </a:r>
@@ -13145,7 +14337,7 @@
         <p:spPr>
           <a:xfrm>
             <a:off x="3353803" y="3563910"/>
-            <a:ext cx="2155644" cy="830997"/>
+            <a:ext cx="2155644" cy="707886"/>
           </a:xfrm>
           <a:prstGeom prst="rect">
             <a:avLst/>
@@ -13160,11 +14352,11 @@
           <a:p>
             <a:pPr algn="ctr"/>
             <a:r>
-              <a:rPr lang="en-US" sz="2400" b="1" dirty="0">
+              <a:rPr lang="en-US" sz="2000" b="1" dirty="0">
                 <a:solidFill>
                   <a:schemeClr val="bg1"/>
                 </a:solidFill>
-                <a:latin typeface="Tw Cen MT" panose="020B0602020104020603" pitchFamily="34" charset="0"/>
+                <a:latin typeface="Century Gothic" panose="020B0502020202020204" pitchFamily="34" charset="0"/>
               </a:rPr>
               <a:t>Dividing </a:t>
             </a:r>
@@ -13172,11 +14364,11 @@
           <a:p>
             <a:pPr algn="ctr"/>
             <a:r>
-              <a:rPr lang="en-US" sz="2400" b="1" dirty="0">
+              <a:rPr lang="en-US" sz="2000" b="1" dirty="0">
                 <a:solidFill>
                   <a:schemeClr val="bg1"/>
                 </a:solidFill>
-                <a:latin typeface="Tw Cen MT" panose="020B0602020104020603" pitchFamily="34" charset="0"/>
+                <a:latin typeface="Century Gothic" panose="020B0502020202020204" pitchFamily="34" charset="0"/>
               </a:rPr>
               <a:t>roles</a:t>
             </a:r>
@@ -13198,7 +14390,7 @@
         <p:spPr>
           <a:xfrm>
             <a:off x="5405795" y="3549198"/>
-            <a:ext cx="1703041" cy="1200329"/>
+            <a:ext cx="1703041" cy="1015663"/>
           </a:xfrm>
           <a:prstGeom prst="rect">
             <a:avLst/>
@@ -13213,11 +14405,11 @@
           <a:p>
             <a:pPr algn="ctr"/>
             <a:r>
-              <a:rPr lang="en-US" sz="2400" b="1" dirty="0">
+              <a:rPr lang="en-US" sz="2000" b="1" dirty="0">
                 <a:solidFill>
                   <a:schemeClr val="bg1"/>
                 </a:solidFill>
-                <a:latin typeface="Tw Cen MT" panose="020B0602020104020603" pitchFamily="34" charset="0"/>
+                <a:latin typeface="Century Gothic" panose="020B0502020202020204" pitchFamily="34" charset="0"/>
               </a:rPr>
               <a:t>Research and Idea generating</a:t>
             </a:r>
@@ -13239,7 +14431,7 @@
         <p:spPr>
           <a:xfrm>
             <a:off x="6934029" y="3530931"/>
-            <a:ext cx="1703041" cy="830997"/>
+            <a:ext cx="1703041" cy="707886"/>
           </a:xfrm>
           <a:prstGeom prst="rect">
             <a:avLst/>
@@ -13254,11 +14446,11 @@
           <a:p>
             <a:pPr algn="ctr"/>
             <a:r>
-              <a:rPr lang="en-US" sz="2400" b="1" dirty="0">
+              <a:rPr lang="en-US" sz="2000" b="1" dirty="0">
                 <a:solidFill>
                   <a:schemeClr val="bg1"/>
                 </a:solidFill>
-                <a:latin typeface="Tw Cen MT" panose="020B0602020104020603" pitchFamily="34" charset="0"/>
+                <a:latin typeface="Century Gothic" panose="020B0502020202020204" pitchFamily="34" charset="0"/>
               </a:rPr>
               <a:t>Working on project</a:t>
             </a:r>
@@ -13280,7 +14472,7 @@
         <p:spPr>
           <a:xfrm>
             <a:off x="8599850" y="3549198"/>
-            <a:ext cx="2068088" cy="461665"/>
+            <a:ext cx="2068088" cy="400110"/>
           </a:xfrm>
           <a:prstGeom prst="rect">
             <a:avLst/>
@@ -13295,11 +14487,11 @@
           <a:p>
             <a:pPr algn="ctr"/>
             <a:r>
-              <a:rPr lang="en-US" sz="2400" b="1" dirty="0">
+              <a:rPr lang="en-US" sz="2000" b="1" dirty="0">
                 <a:solidFill>
                   <a:schemeClr val="bg1"/>
                 </a:solidFill>
-                <a:latin typeface="Tw Cen MT" panose="020B0602020104020603" pitchFamily="34" charset="0"/>
+                <a:latin typeface="Century Gothic" panose="020B0502020202020204" pitchFamily="34" charset="0"/>
               </a:rPr>
               <a:t>Presenting</a:t>
             </a:r>
@@ -15061,10 +16253,14 @@
             <a:p>
               <a:pPr algn="ctr"/>
               <a:r>
-                <a:rPr lang="en-US" dirty="0"/>
+                <a:rPr lang="en-US" sz="1600" dirty="0">
+                  <a:latin typeface="Century Gothic" panose="020B0502020202020204" pitchFamily="34" charset="0"/>
+                </a:rPr>
                 <a:t>About us</a:t>
               </a:r>
-              <a:endParaRPr lang="bg-BG" dirty="0"/>
+              <a:endParaRPr lang="bg-BG" sz="1600" dirty="0">
+                <a:latin typeface="Century Gothic" panose="020B0502020202020204" pitchFamily="34" charset="0"/>
+              </a:endParaRPr>
             </a:p>
           </p:txBody>
         </p:sp>
@@ -15196,10 +16392,14 @@
             <a:p>
               <a:pPr algn="ctr"/>
               <a:r>
-                <a:rPr lang="en-US" dirty="0"/>
+                <a:rPr lang="en-US" sz="1600" dirty="0">
+                  <a:latin typeface="Century Gothic" panose="020B0502020202020204" pitchFamily="34" charset="0"/>
+                </a:rPr>
                 <a:t>Idea</a:t>
               </a:r>
-              <a:endParaRPr lang="bg-BG" dirty="0"/>
+              <a:endParaRPr lang="bg-BG" sz="1600" dirty="0">
+                <a:latin typeface="Century Gothic" panose="020B0502020202020204" pitchFamily="34" charset="0"/>
+              </a:endParaRPr>
             </a:p>
           </p:txBody>
         </p:sp>
@@ -15281,10 +16481,14 @@
             <a:p>
               <a:pPr algn="ctr"/>
               <a:r>
-                <a:rPr lang="en-US" dirty="0"/>
+                <a:rPr lang="en-US" sz="1600" dirty="0">
+                  <a:latin typeface="Century Gothic" panose="020B0502020202020204" pitchFamily="34" charset="0"/>
+                </a:rPr>
                 <a:t>Apps used</a:t>
               </a:r>
-              <a:endParaRPr lang="bg-BG" dirty="0"/>
+              <a:endParaRPr lang="bg-BG" sz="1600" dirty="0">
+                <a:latin typeface="Century Gothic" panose="020B0502020202020204" pitchFamily="34" charset="0"/>
+              </a:endParaRPr>
             </a:p>
             <a:p>
               <a:pPr algn="ctr"/>
@@ -15420,10 +16624,14 @@
             <a:p>
               <a:pPr algn="ctr"/>
               <a:r>
-                <a:rPr lang="en-US" dirty="0"/>
+                <a:rPr lang="en-US" sz="1600" dirty="0">
+                  <a:latin typeface="Century Gothic" panose="020B0502020202020204" pitchFamily="34" charset="0"/>
+                </a:rPr>
                 <a:t>Stages</a:t>
               </a:r>
-              <a:endParaRPr lang="bg-BG" dirty="0"/>
+              <a:endParaRPr lang="bg-BG" sz="1600" dirty="0">
+                <a:latin typeface="Century Gothic" panose="020B0502020202020204" pitchFamily="34" charset="0"/>
+              </a:endParaRPr>
             </a:p>
             <a:p>
               <a:pPr algn="ctr"/>
@@ -15559,10 +16767,14 @@
             <a:p>
               <a:pPr algn="ctr"/>
               <a:r>
-                <a:rPr lang="en-US" dirty="0"/>
+                <a:rPr lang="en-US" sz="1600" dirty="0">
+                  <a:latin typeface="Century Gothic" panose="020B0502020202020204" pitchFamily="34" charset="0"/>
+                </a:rPr>
                 <a:t>Thanks</a:t>
               </a:r>
-              <a:endParaRPr lang="bg-BG" dirty="0"/>
+              <a:endParaRPr lang="bg-BG" sz="1600" dirty="0">
+                <a:latin typeface="Century Gothic" panose="020B0502020202020204" pitchFamily="34" charset="0"/>
+              </a:endParaRPr>
             </a:p>
             <a:p>
               <a:pPr algn="ctr"/>
@@ -15584,8 +16796,8 @@
           </p:nvSpPr>
           <p:spPr>
             <a:xfrm>
-              <a:off x="838200" y="0"/>
-              <a:ext cx="11353800" cy="6858000"/>
+              <a:off x="838201" y="0"/>
+              <a:ext cx="11353799" cy="6858000"/>
             </a:xfrm>
             <a:prstGeom prst="rect">
               <a:avLst/>
@@ -15616,11 +16828,7 @@
             <a:lstStyle/>
             <a:p>
               <a:pPr algn="ctr"/>
-              <a:r>
-                <a:rPr lang="en-US" sz="4000" dirty="0"/>
-                <a:t>Thanks for your attention!</a:t>
-              </a:r>
-              <a:endParaRPr lang="bg-BG" sz="4000" dirty="0"/>
+              <a:endParaRPr lang="bg-BG" sz="5400" dirty="0"/>
             </a:p>
           </p:txBody>
         </p:sp>
@@ -15702,17 +16910,19 @@
             <a:p>
               <a:pPr algn="ctr"/>
               <a:r>
-                <a:rPr lang="en-US" dirty="0">
+                <a:rPr lang="en-US" sz="1600" dirty="0">
                   <a:solidFill>
                     <a:schemeClr val="bg1"/>
                   </a:solidFill>
+                  <a:latin typeface="Century Gothic" panose="020B0502020202020204" pitchFamily="34" charset="0"/>
                 </a:rPr>
                 <a:t>Q&amp;A</a:t>
               </a:r>
-              <a:endParaRPr lang="bg-BG" dirty="0">
+              <a:endParaRPr lang="bg-BG" sz="1600" dirty="0">
                 <a:solidFill>
                   <a:schemeClr val="bg1"/>
                 </a:solidFill>
+                <a:latin typeface="Century Gothic" panose="020B0502020202020204" pitchFamily="34" charset="0"/>
               </a:endParaRPr>
             </a:p>
             <a:p>
@@ -15776,6 +16986,47 @@
           </p:txBody>
         </p:sp>
       </p:grpSp>
+      <p:sp>
+        <p:nvSpPr>
+          <p:cNvPr id="2" name="TextBox 1"/>
+          <p:cNvSpPr txBox="1"/>
+          <p:nvPr/>
+        </p:nvSpPr>
+        <p:spPr>
+          <a:xfrm>
+            <a:off x="2895519" y="1968500"/>
+            <a:ext cx="7947384" cy="2308324"/>
+          </a:xfrm>
+          <a:prstGeom prst="rect">
+            <a:avLst/>
+          </a:prstGeom>
+          <a:noFill/>
+        </p:spPr>
+        <p:txBody>
+          <a:bodyPr wrap="square" rtlCol="0">
+            <a:spAutoFit/>
+          </a:bodyPr>
+          <a:lstStyle/>
+          <a:p>
+            <a:pPr algn="ctr"/>
+            <a:r>
+              <a:rPr lang="en-US" sz="7200" dirty="0" smtClean="0">
+                <a:solidFill>
+                  <a:schemeClr val="bg1"/>
+                </a:solidFill>
+                <a:latin typeface="Century Gothic" panose="020B0502020202020204" pitchFamily="34" charset="0"/>
+              </a:rPr>
+              <a:t>Thank you for your attention!</a:t>
+            </a:r>
+            <a:endParaRPr lang="bg-BG" sz="7200" dirty="0">
+              <a:solidFill>
+                <a:schemeClr val="bg1"/>
+              </a:solidFill>
+              <a:latin typeface="Century Gothic" panose="020B0502020202020204" pitchFamily="34" charset="0"/>
+            </a:endParaRPr>
+          </a:p>
+        </p:txBody>
+      </p:sp>
     </p:spTree>
     <p:extLst>
       <p:ext uri="{BB962C8B-B14F-4D97-AF65-F5344CB8AC3E}">
@@ -16003,10 +17254,14 @@
             <a:p>
               <a:pPr algn="ctr"/>
               <a:r>
-                <a:rPr lang="en-US" dirty="0"/>
+                <a:rPr lang="en-US" sz="1600" dirty="0">
+                  <a:latin typeface="Century Gothic" panose="020B0502020202020204" pitchFamily="34" charset="0"/>
+                </a:rPr>
                 <a:t>About us</a:t>
               </a:r>
-              <a:endParaRPr lang="bg-BG" dirty="0"/>
+              <a:endParaRPr lang="bg-BG" sz="1600" dirty="0">
+                <a:latin typeface="Century Gothic" panose="020B0502020202020204" pitchFamily="34" charset="0"/>
+              </a:endParaRPr>
             </a:p>
           </p:txBody>
         </p:sp>
@@ -16138,10 +17393,14 @@
             <a:p>
               <a:pPr algn="ctr"/>
               <a:r>
-                <a:rPr lang="en-US" dirty="0"/>
+                <a:rPr lang="en-US" sz="1600" dirty="0">
+                  <a:latin typeface="Century Gothic" panose="020B0502020202020204" pitchFamily="34" charset="0"/>
+                </a:rPr>
                 <a:t>Idea</a:t>
               </a:r>
-              <a:endParaRPr lang="bg-BG" dirty="0"/>
+              <a:endParaRPr lang="bg-BG" sz="1600" dirty="0">
+                <a:latin typeface="Century Gothic" panose="020B0502020202020204" pitchFamily="34" charset="0"/>
+              </a:endParaRPr>
             </a:p>
           </p:txBody>
         </p:sp>
@@ -16223,10 +17482,14 @@
             <a:p>
               <a:pPr algn="ctr"/>
               <a:r>
-                <a:rPr lang="en-US" dirty="0"/>
+                <a:rPr lang="en-US" sz="1600" dirty="0">
+                  <a:latin typeface="Century Gothic" panose="020B0502020202020204" pitchFamily="34" charset="0"/>
+                </a:rPr>
                 <a:t>Apps used</a:t>
               </a:r>
-              <a:endParaRPr lang="bg-BG" dirty="0"/>
+              <a:endParaRPr lang="bg-BG" sz="1600" dirty="0">
+                <a:latin typeface="Century Gothic" panose="020B0502020202020204" pitchFamily="34" charset="0"/>
+              </a:endParaRPr>
             </a:p>
           </p:txBody>
         </p:sp>
@@ -16325,8 +17588,8 @@
           </p:nvSpPr>
           <p:spPr>
             <a:xfrm>
-              <a:off x="190500" y="3009900"/>
-              <a:ext cx="2184400" cy="838200"/>
+              <a:off x="190500" y="2916936"/>
+              <a:ext cx="2184400" cy="931164"/>
             </a:xfrm>
             <a:prstGeom prst="roundRect">
               <a:avLst/>
@@ -16358,10 +17621,14 @@
             <a:p>
               <a:pPr algn="ctr"/>
               <a:r>
-                <a:rPr lang="en-US" dirty="0"/>
+                <a:rPr lang="en-US" sz="1600" dirty="0">
+                  <a:latin typeface="Century Gothic" panose="020B0502020202020204" pitchFamily="34" charset="0"/>
+                </a:rPr>
                 <a:t>Stages</a:t>
               </a:r>
-              <a:endParaRPr lang="bg-BG" dirty="0"/>
+              <a:endParaRPr lang="bg-BG" sz="1600" dirty="0">
+                <a:latin typeface="Century Gothic" panose="020B0502020202020204" pitchFamily="34" charset="0"/>
+              </a:endParaRPr>
             </a:p>
             <a:p>
               <a:pPr algn="ctr"/>
@@ -16464,8 +17731,8 @@
           </p:nvSpPr>
           <p:spPr>
             <a:xfrm>
-              <a:off x="190500" y="4025900"/>
-              <a:ext cx="2184400" cy="838200"/>
+              <a:off x="190500" y="3968496"/>
+              <a:ext cx="2184400" cy="895604"/>
             </a:xfrm>
             <a:prstGeom prst="roundRect">
               <a:avLst/>
@@ -16497,10 +17764,14 @@
             <a:p>
               <a:pPr algn="ctr"/>
               <a:r>
-                <a:rPr lang="en-US" dirty="0"/>
+                <a:rPr lang="en-US" sz="1600" dirty="0">
+                  <a:latin typeface="Century Gothic" panose="020B0502020202020204" pitchFamily="34" charset="0"/>
+                </a:rPr>
                 <a:t>Thanks</a:t>
               </a:r>
-              <a:endParaRPr lang="bg-BG" dirty="0"/>
+              <a:endParaRPr lang="bg-BG" dirty="0">
+                <a:latin typeface="Century Gothic" panose="020B0502020202020204" pitchFamily="34" charset="0"/>
+              </a:endParaRPr>
             </a:p>
           </p:txBody>
         </p:sp>
@@ -16632,17 +17903,19 @@
             <a:p>
               <a:pPr algn="ctr"/>
               <a:r>
-                <a:rPr lang="en-US" dirty="0">
+                <a:rPr lang="en-US" sz="1600" dirty="0">
                   <a:solidFill>
                     <a:schemeClr val="bg1"/>
                   </a:solidFill>
+                  <a:latin typeface="Century Gothic" panose="020B0502020202020204" pitchFamily="34" charset="0"/>
                 </a:rPr>
                 <a:t>Q&amp;A</a:t>
               </a:r>
-              <a:endParaRPr lang="bg-BG" dirty="0">
+              <a:endParaRPr lang="bg-BG" sz="1600" dirty="0">
                 <a:solidFill>
                   <a:schemeClr val="bg1"/>
                 </a:solidFill>
+                <a:latin typeface="Century Gothic" panose="020B0502020202020204" pitchFamily="34" charset="0"/>
               </a:endParaRPr>
             </a:p>
           </p:txBody>
@@ -16693,24 +17966,57 @@
             <a:lstStyle/>
             <a:p>
               <a:pPr algn="ctr"/>
-              <a:r>
-                <a:rPr lang="en-US" sz="7200" dirty="0">
-                  <a:solidFill>
-                    <a:schemeClr val="tx1"/>
-                  </a:solidFill>
-                  <a:latin typeface="Agency FB" panose="020B0503020202020204" pitchFamily="34" charset="0"/>
-                </a:rPr>
-                <a:t>Any questions?</a:t>
-              </a:r>
               <a:endParaRPr lang="bg-BG" sz="7200" dirty="0">
                 <a:solidFill>
-                  <a:schemeClr val="tx1"/>
+                  <a:schemeClr val="bg1"/>
                 </a:solidFill>
+                <a:latin typeface="Century Gothic" panose="020B0502020202020204" pitchFamily="34" charset="0"/>
               </a:endParaRPr>
             </a:p>
           </p:txBody>
         </p:sp>
       </p:grpSp>
+      <p:sp>
+        <p:nvSpPr>
+          <p:cNvPr id="2" name="TextBox 1"/>
+          <p:cNvSpPr txBox="1"/>
+          <p:nvPr/>
+        </p:nvSpPr>
+        <p:spPr>
+          <a:xfrm>
+            <a:off x="3423758" y="2512713"/>
+            <a:ext cx="7473820" cy="1200329"/>
+          </a:xfrm>
+          <a:prstGeom prst="rect">
+            <a:avLst/>
+          </a:prstGeom>
+          <a:noFill/>
+        </p:spPr>
+        <p:txBody>
+          <a:bodyPr wrap="square" rtlCol="0">
+            <a:spAutoFit/>
+          </a:bodyPr>
+          <a:lstStyle/>
+          <a:p>
+            <a:pPr algn="ctr"/>
+            <a:r>
+              <a:rPr lang="en-US" sz="7200" dirty="0" smtClean="0">
+                <a:solidFill>
+                  <a:schemeClr val="bg1"/>
+                </a:solidFill>
+                <a:latin typeface="Century Gothic" panose="020B0502020202020204" pitchFamily="34" charset="0"/>
+              </a:rPr>
+              <a:t>Any questions?</a:t>
+            </a:r>
+            <a:endParaRPr lang="bg-BG" sz="7200" dirty="0">
+              <a:solidFill>
+                <a:schemeClr val="bg1"/>
+              </a:solidFill>
+              <a:latin typeface="Century Gothic" panose="020B0502020202020204" pitchFamily="34" charset="0"/>
+            </a:endParaRPr>
+          </a:p>
+        </p:txBody>
+      </p:sp>
     </p:spTree>
     <p:extLst>
       <p:ext uri="{BB962C8B-B14F-4D97-AF65-F5344CB8AC3E}">
